--- a/docs/presentation/Defense.pptx
+++ b/docs/presentation/Defense.pptx
@@ -12,6 +12,21 @@
     <p:sldId id="260" r:id="rId6"/>
     <p:sldId id="261" r:id="rId7"/>
     <p:sldId id="262" r:id="rId8"/>
+    <p:sldId id="263" r:id="rId9"/>
+    <p:sldId id="264" r:id="rId10"/>
+    <p:sldId id="265" r:id="rId11"/>
+    <p:sldId id="266" r:id="rId12"/>
+    <p:sldId id="267" r:id="rId13"/>
+    <p:sldId id="268" r:id="rId14"/>
+    <p:sldId id="269" r:id="rId15"/>
+    <p:sldId id="270" r:id="rId16"/>
+    <p:sldId id="271" r:id="rId17"/>
+    <p:sldId id="272" r:id="rId18"/>
+    <p:sldId id="273" r:id="rId19"/>
+    <p:sldId id="274" r:id="rId20"/>
+    <p:sldId id="275" r:id="rId21"/>
+    <p:sldId id="277" r:id="rId22"/>
+    <p:sldId id="276" r:id="rId23"/>
   </p:sldIdLst>
   <p:sldSz cx="9144000" cy="6858000" type="screen4x3"/>
   <p:notesSz cx="6858000" cy="9144000"/>
@@ -3164,6 +3179,1784 @@
   <p:clrMapOvr>
     <a:masterClrMapping/>
   </p:clrMapOvr>
+  <p:timing>
+    <p:tnLst>
+      <p:par>
+        <p:cTn id="1" dur="indefinite" restart="never" nodeType="tmRoot"/>
+      </p:par>
+    </p:tnLst>
+  </p:timing>
+</p:sld>
+</file>
+
+<file path=ppt/slides/slide10.xml><?xml version="1.0" encoding="utf-8"?>
+<p:sld xmlns:a="http://schemas.openxmlformats.org/drawingml/2006/main" xmlns:r="http://schemas.openxmlformats.org/officeDocument/2006/relationships" xmlns:p="http://schemas.openxmlformats.org/presentationml/2006/main">
+  <p:cSld>
+    <p:spTree>
+      <p:nvGrpSpPr>
+        <p:cNvPr id="1" name=""/>
+        <p:cNvGrpSpPr/>
+        <p:nvPr/>
+      </p:nvGrpSpPr>
+      <p:grpSpPr>
+        <a:xfrm>
+          <a:off x="0" y="0"/>
+          <a:ext cx="0" cy="0"/>
+          <a:chOff x="0" y="0"/>
+          <a:chExt cx="0" cy="0"/>
+        </a:xfrm>
+      </p:grpSpPr>
+      <p:sp>
+        <p:nvSpPr>
+          <p:cNvPr id="2" name="Title 1"/>
+          <p:cNvSpPr>
+            <a:spLocks noGrp="1"/>
+          </p:cNvSpPr>
+          <p:nvPr>
+            <p:ph type="title"/>
+          </p:nvPr>
+        </p:nvSpPr>
+        <p:spPr/>
+        <p:txBody>
+          <a:bodyPr/>
+          <a:lstStyle/>
+          <a:p>
+            <a:r>
+              <a:rPr lang="en-US" dirty="0" smtClean="0"/>
+              <a:t>EasyPort Protocol (2)</a:t>
+            </a:r>
+            <a:endParaRPr lang="en-US" dirty="0"/>
+          </a:p>
+        </p:txBody>
+      </p:sp>
+      <p:pic>
+        <p:nvPicPr>
+          <p:cNvPr id="3074" name="Picture 2"/>
+          <p:cNvPicPr>
+            <a:picLocks noGrp="1" noChangeAspect="1" noChangeArrowheads="1"/>
+          </p:cNvPicPr>
+          <p:nvPr>
+            <p:ph idx="1"/>
+          </p:nvPr>
+        </p:nvPicPr>
+        <p:blipFill>
+          <a:blip r:embed="rId2">
+            <a:extLst>
+              <a:ext uri="{28A0092B-C50C-407E-A947-70E740481C1C}">
+                <a14:useLocalDpi xmlns:a14="http://schemas.microsoft.com/office/drawing/2010/main" val="0"/>
+              </a:ext>
+            </a:extLst>
+          </a:blip>
+          <a:srcRect/>
+          <a:stretch>
+            <a:fillRect/>
+          </a:stretch>
+        </p:blipFill>
+        <p:spPr bwMode="auto">
+          <a:xfrm>
+            <a:off x="1295400" y="914400"/>
+            <a:ext cx="6438928" cy="5542630"/>
+          </a:xfrm>
+          <a:prstGeom prst="rect">
+            <a:avLst/>
+          </a:prstGeom>
+          <a:noFill/>
+          <a:ln>
+            <a:noFill/>
+          </a:ln>
+          <a:effectLst/>
+          <a:extLst>
+            <a:ext uri="{909E8E84-426E-40DD-AFC4-6F175D3DCCD1}">
+              <a14:hiddenFill xmlns:a14="http://schemas.microsoft.com/office/drawing/2010/main">
+                <a:solidFill>
+                  <a:schemeClr val="accent1"/>
+                </a:solidFill>
+              </a14:hiddenFill>
+            </a:ext>
+            <a:ext uri="{91240B29-F687-4F45-9708-019B960494DF}">
+              <a14:hiddenLine xmlns:a14="http://schemas.microsoft.com/office/drawing/2010/main" w="9525">
+                <a:solidFill>
+                  <a:schemeClr val="tx1"/>
+                </a:solidFill>
+                <a:miter lim="800000"/>
+                <a:headEnd/>
+                <a:tailEnd/>
+              </a14:hiddenLine>
+            </a:ext>
+            <a:ext uri="{AF507438-7753-43E0-B8FC-AC1667EBCBE1}">
+              <a14:hiddenEffects xmlns:a14="http://schemas.microsoft.com/office/drawing/2010/main">
+                <a:effectLst>
+                  <a:outerShdw dist="35921" dir="2700000" algn="ctr" rotWithShape="0">
+                    <a:schemeClr val="bg2"/>
+                  </a:outerShdw>
+                </a:effectLst>
+              </a14:hiddenEffects>
+            </a:ext>
+          </a:extLst>
+        </p:spPr>
+      </p:pic>
+    </p:spTree>
+    <p:extLst>
+      <p:ext uri="{BB962C8B-B14F-4D97-AF65-F5344CB8AC3E}">
+        <p14:creationId xmlns:p14="http://schemas.microsoft.com/office/powerpoint/2010/main" val="1853919336"/>
+      </p:ext>
+    </p:extLst>
+  </p:cSld>
+  <p:clrMapOvr>
+    <a:masterClrMapping/>
+  </p:clrMapOvr>
+  <p:timing>
+    <p:tnLst>
+      <p:par>
+        <p:cTn id="1" dur="indefinite" restart="never" nodeType="tmRoot"/>
+      </p:par>
+    </p:tnLst>
+  </p:timing>
+</p:sld>
+</file>
+
+<file path=ppt/slides/slide11.xml><?xml version="1.0" encoding="utf-8"?>
+<p:sld xmlns:a="http://schemas.openxmlformats.org/drawingml/2006/main" xmlns:r="http://schemas.openxmlformats.org/officeDocument/2006/relationships" xmlns:p="http://schemas.openxmlformats.org/presentationml/2006/main">
+  <p:cSld>
+    <p:spTree>
+      <p:nvGrpSpPr>
+        <p:cNvPr id="1" name=""/>
+        <p:cNvGrpSpPr/>
+        <p:nvPr/>
+      </p:nvGrpSpPr>
+      <p:grpSpPr>
+        <a:xfrm>
+          <a:off x="0" y="0"/>
+          <a:ext cx="0" cy="0"/>
+          <a:chOff x="0" y="0"/>
+          <a:chExt cx="0" cy="0"/>
+        </a:xfrm>
+      </p:grpSpPr>
+      <p:sp>
+        <p:nvSpPr>
+          <p:cNvPr id="2" name="Title 1"/>
+          <p:cNvSpPr>
+            <a:spLocks noGrp="1"/>
+          </p:cNvSpPr>
+          <p:nvPr>
+            <p:ph type="title"/>
+          </p:nvPr>
+        </p:nvSpPr>
+        <p:spPr/>
+        <p:txBody>
+          <a:bodyPr/>
+          <a:lstStyle/>
+          <a:p>
+            <a:r>
+              <a:rPr lang="en-US" dirty="0" smtClean="0"/>
+              <a:t>Making an EasyPort Mark I</a:t>
+            </a:r>
+            <a:endParaRPr lang="en-US" dirty="0"/>
+          </a:p>
+        </p:txBody>
+      </p:sp>
+      <p:sp>
+        <p:nvSpPr>
+          <p:cNvPr id="3" name="Content Placeholder 2"/>
+          <p:cNvSpPr>
+            <a:spLocks noGrp="1"/>
+          </p:cNvSpPr>
+          <p:nvPr>
+            <p:ph idx="1"/>
+          </p:nvPr>
+        </p:nvSpPr>
+        <p:spPr/>
+        <p:txBody>
+          <a:bodyPr/>
+          <a:lstStyle/>
+          <a:p>
+            <a:r>
+              <a:rPr lang="en-US" dirty="0" smtClean="0"/>
+              <a:t>Arduino Uno R3</a:t>
+            </a:r>
+          </a:p>
+          <a:p>
+            <a:pPr lvl="1"/>
+            <a:r>
+              <a:rPr lang="en-US" dirty="0" smtClean="0"/>
+              <a:t>Never meant to be final implementation, but useful as a proof of concept prototype</a:t>
+            </a:r>
+          </a:p>
+          <a:p>
+            <a:r>
+              <a:rPr lang="en-US" dirty="0" smtClean="0"/>
+              <a:t>Fail-</a:t>
+            </a:r>
+            <a:r>
+              <a:rPr lang="en-US" dirty="0" err="1" smtClean="0"/>
+              <a:t>duino</a:t>
+            </a:r>
+            <a:endParaRPr lang="en-US" dirty="0" smtClean="0"/>
+          </a:p>
+          <a:p>
+            <a:pPr lvl="1"/>
+            <a:r>
+              <a:rPr lang="en-US" dirty="0" smtClean="0"/>
+              <a:t>Arduino only ever received 0xFF serial characters</a:t>
+            </a:r>
+          </a:p>
+          <a:p>
+            <a:pPr lvl="1"/>
+            <a:r>
+              <a:rPr lang="en-US" dirty="0" smtClean="0"/>
+              <a:t>AGG Software Advanced Serial Port Monitor</a:t>
+            </a:r>
+          </a:p>
+          <a:p>
+            <a:pPr lvl="2"/>
+            <a:r>
+              <a:rPr lang="en-US" dirty="0" smtClean="0"/>
+              <a:t>Arduino can’t do the required flow control without modification!</a:t>
+            </a:r>
+            <a:endParaRPr lang="en-US" dirty="0"/>
+          </a:p>
+        </p:txBody>
+      </p:sp>
+    </p:spTree>
+    <p:extLst>
+      <p:ext uri="{BB962C8B-B14F-4D97-AF65-F5344CB8AC3E}">
+        <p14:creationId xmlns:p14="http://schemas.microsoft.com/office/powerpoint/2010/main" val="4223802089"/>
+      </p:ext>
+    </p:extLst>
+  </p:cSld>
+  <p:clrMapOvr>
+    <a:masterClrMapping/>
+  </p:clrMapOvr>
+  <p:timing>
+    <p:tnLst>
+      <p:par>
+        <p:cTn id="1" dur="indefinite" restart="never" nodeType="tmRoot"/>
+      </p:par>
+    </p:tnLst>
+  </p:timing>
+</p:sld>
+</file>
+
+<file path=ppt/slides/slide12.xml><?xml version="1.0" encoding="utf-8"?>
+<p:sld xmlns:a="http://schemas.openxmlformats.org/drawingml/2006/main" xmlns:r="http://schemas.openxmlformats.org/officeDocument/2006/relationships" xmlns:p="http://schemas.openxmlformats.org/presentationml/2006/main">
+  <p:cSld>
+    <p:spTree>
+      <p:nvGrpSpPr>
+        <p:cNvPr id="1" name=""/>
+        <p:cNvGrpSpPr/>
+        <p:nvPr/>
+      </p:nvGrpSpPr>
+      <p:grpSpPr>
+        <a:xfrm>
+          <a:off x="0" y="0"/>
+          <a:ext cx="0" cy="0"/>
+          <a:chOff x="0" y="0"/>
+          <a:chExt cx="0" cy="0"/>
+        </a:xfrm>
+      </p:grpSpPr>
+      <p:sp>
+        <p:nvSpPr>
+          <p:cNvPr id="2" name="Title 1"/>
+          <p:cNvSpPr>
+            <a:spLocks noGrp="1"/>
+          </p:cNvSpPr>
+          <p:nvPr>
+            <p:ph type="title"/>
+          </p:nvPr>
+        </p:nvSpPr>
+        <p:spPr/>
+        <p:txBody>
+          <a:bodyPr/>
+          <a:lstStyle/>
+          <a:p>
+            <a:r>
+              <a:rPr lang="en-US" dirty="0" smtClean="0"/>
+              <a:t>Making an EasyPort Mark II</a:t>
+            </a:r>
+            <a:endParaRPr lang="en-US" dirty="0"/>
+          </a:p>
+        </p:txBody>
+      </p:sp>
+      <p:sp>
+        <p:nvSpPr>
+          <p:cNvPr id="3" name="Content Placeholder 2"/>
+          <p:cNvSpPr>
+            <a:spLocks noGrp="1"/>
+          </p:cNvSpPr>
+          <p:nvPr>
+            <p:ph idx="1"/>
+          </p:nvPr>
+        </p:nvSpPr>
+        <p:spPr/>
+        <p:txBody>
+          <a:bodyPr/>
+          <a:lstStyle/>
+          <a:p>
+            <a:r>
+              <a:rPr lang="en-US" dirty="0" smtClean="0"/>
+              <a:t>Write a proof on concept emulator</a:t>
+            </a:r>
+          </a:p>
+          <a:p>
+            <a:r>
+              <a:rPr lang="en-US" dirty="0" smtClean="0"/>
+              <a:t>Desktop application using com0com loopback</a:t>
+            </a:r>
+          </a:p>
+          <a:p>
+            <a:pPr lvl="1"/>
+            <a:r>
+              <a:rPr lang="en-US" dirty="0" smtClean="0"/>
+              <a:t>com0com allows serial port emulation</a:t>
+            </a:r>
+          </a:p>
+          <a:p>
+            <a:r>
+              <a:rPr lang="en-US" dirty="0" smtClean="0"/>
+              <a:t>Implemented discovered protocol</a:t>
+            </a:r>
+          </a:p>
+          <a:p>
+            <a:pPr lvl="1"/>
+            <a:r>
+              <a:rPr lang="en-US" dirty="0" smtClean="0"/>
+              <a:t>Able to interact with EasyVeep simulations!</a:t>
+            </a:r>
+            <a:endParaRPr lang="en-US" dirty="0"/>
+          </a:p>
+        </p:txBody>
+      </p:sp>
+    </p:spTree>
+    <p:extLst>
+      <p:ext uri="{BB962C8B-B14F-4D97-AF65-F5344CB8AC3E}">
+        <p14:creationId xmlns:p14="http://schemas.microsoft.com/office/powerpoint/2010/main" val="314732534"/>
+      </p:ext>
+    </p:extLst>
+  </p:cSld>
+  <p:clrMapOvr>
+    <a:masterClrMapping/>
+  </p:clrMapOvr>
+  <p:timing>
+    <p:tnLst>
+      <p:par>
+        <p:cTn id="1" dur="indefinite" restart="never" nodeType="tmRoot"/>
+      </p:par>
+    </p:tnLst>
+  </p:timing>
+</p:sld>
+</file>
+
+<file path=ppt/slides/slide13.xml><?xml version="1.0" encoding="utf-8"?>
+<p:sld xmlns:a="http://schemas.openxmlformats.org/drawingml/2006/main" xmlns:r="http://schemas.openxmlformats.org/officeDocument/2006/relationships" xmlns:p="http://schemas.openxmlformats.org/presentationml/2006/main">
+  <p:cSld>
+    <p:spTree>
+      <p:nvGrpSpPr>
+        <p:cNvPr id="1" name=""/>
+        <p:cNvGrpSpPr/>
+        <p:nvPr/>
+      </p:nvGrpSpPr>
+      <p:grpSpPr>
+        <a:xfrm>
+          <a:off x="0" y="0"/>
+          <a:ext cx="0" cy="0"/>
+          <a:chOff x="0" y="0"/>
+          <a:chExt cx="0" cy="0"/>
+        </a:xfrm>
+      </p:grpSpPr>
+      <p:sp>
+        <p:nvSpPr>
+          <p:cNvPr id="2" name="Title 1"/>
+          <p:cNvSpPr>
+            <a:spLocks noGrp="1"/>
+          </p:cNvSpPr>
+          <p:nvPr>
+            <p:ph type="title"/>
+          </p:nvPr>
+        </p:nvSpPr>
+        <p:spPr/>
+        <p:txBody>
+          <a:bodyPr/>
+          <a:lstStyle/>
+          <a:p>
+            <a:r>
+              <a:rPr lang="en-US" dirty="0" smtClean="0"/>
+              <a:t>Making an EasyPort Mark II (2)</a:t>
+            </a:r>
+            <a:endParaRPr lang="en-US" dirty="0"/>
+          </a:p>
+        </p:txBody>
+      </p:sp>
+      <p:pic>
+        <p:nvPicPr>
+          <p:cNvPr id="4" name="Content Placeholder 3"/>
+          <p:cNvPicPr>
+            <a:picLocks noGrp="1"/>
+          </p:cNvPicPr>
+          <p:nvPr>
+            <p:ph idx="1"/>
+          </p:nvPr>
+        </p:nvPicPr>
+        <p:blipFill>
+          <a:blip r:embed="rId2" cstate="print"/>
+          <a:srcRect/>
+          <a:stretch>
+            <a:fillRect/>
+          </a:stretch>
+        </p:blipFill>
+        <p:spPr bwMode="auto">
+          <a:xfrm>
+            <a:off x="862012" y="1824831"/>
+            <a:ext cx="7419975" cy="4076700"/>
+          </a:xfrm>
+          <a:prstGeom prst="rect">
+            <a:avLst/>
+          </a:prstGeom>
+          <a:noFill/>
+          <a:ln w="9525">
+            <a:noFill/>
+            <a:miter lim="800000"/>
+            <a:headEnd/>
+            <a:tailEnd/>
+          </a:ln>
+        </p:spPr>
+      </p:pic>
+    </p:spTree>
+    <p:extLst>
+      <p:ext uri="{BB962C8B-B14F-4D97-AF65-F5344CB8AC3E}">
+        <p14:creationId xmlns:p14="http://schemas.microsoft.com/office/powerpoint/2010/main" val="1689680106"/>
+      </p:ext>
+    </p:extLst>
+  </p:cSld>
+  <p:clrMapOvr>
+    <a:masterClrMapping/>
+  </p:clrMapOvr>
+  <p:timing>
+    <p:tnLst>
+      <p:par>
+        <p:cTn id="1" dur="indefinite" restart="never" nodeType="tmRoot"/>
+      </p:par>
+    </p:tnLst>
+  </p:timing>
+</p:sld>
+</file>
+
+<file path=ppt/slides/slide14.xml><?xml version="1.0" encoding="utf-8"?>
+<p:sld xmlns:a="http://schemas.openxmlformats.org/drawingml/2006/main" xmlns:r="http://schemas.openxmlformats.org/officeDocument/2006/relationships" xmlns:p="http://schemas.openxmlformats.org/presentationml/2006/main">
+  <p:cSld>
+    <p:spTree>
+      <p:nvGrpSpPr>
+        <p:cNvPr id="1" name=""/>
+        <p:cNvGrpSpPr/>
+        <p:nvPr/>
+      </p:nvGrpSpPr>
+      <p:grpSpPr>
+        <a:xfrm>
+          <a:off x="0" y="0"/>
+          <a:ext cx="0" cy="0"/>
+          <a:chOff x="0" y="0"/>
+          <a:chExt cx="0" cy="0"/>
+        </a:xfrm>
+      </p:grpSpPr>
+      <p:sp>
+        <p:nvSpPr>
+          <p:cNvPr id="2" name="Title 1"/>
+          <p:cNvSpPr>
+            <a:spLocks noGrp="1"/>
+          </p:cNvSpPr>
+          <p:nvPr>
+            <p:ph type="title"/>
+          </p:nvPr>
+        </p:nvSpPr>
+        <p:spPr/>
+        <p:txBody>
+          <a:bodyPr/>
+          <a:lstStyle/>
+          <a:p>
+            <a:r>
+              <a:rPr lang="en-US" dirty="0" smtClean="0"/>
+              <a:t>Making </a:t>
+            </a:r>
+            <a:r>
+              <a:rPr lang="en-US" dirty="0" err="1" smtClean="0"/>
+              <a:t>MyEasyPort</a:t>
+            </a:r>
+            <a:endParaRPr lang="en-US" dirty="0"/>
+          </a:p>
+        </p:txBody>
+      </p:sp>
+      <p:sp>
+        <p:nvSpPr>
+          <p:cNvPr id="3" name="Content Placeholder 2"/>
+          <p:cNvSpPr>
+            <a:spLocks noGrp="1"/>
+          </p:cNvSpPr>
+          <p:nvPr>
+            <p:ph idx="1"/>
+          </p:nvPr>
+        </p:nvSpPr>
+        <p:spPr/>
+        <p:txBody>
+          <a:bodyPr/>
+          <a:lstStyle/>
+          <a:p>
+            <a:r>
+              <a:rPr lang="en-US" dirty="0" smtClean="0"/>
+              <a:t>Stellaris Launchpad</a:t>
+            </a:r>
+          </a:p>
+          <a:p>
+            <a:pPr lvl="1"/>
+            <a:r>
+              <a:rPr lang="en-US" dirty="0" smtClean="0"/>
+              <a:t>Overpowered, but available</a:t>
+            </a:r>
+          </a:p>
+          <a:p>
+            <a:pPr lvl="1"/>
+            <a:r>
+              <a:rPr lang="en-US" dirty="0" smtClean="0"/>
+              <a:t>Supports the flow control EasyVeep desires</a:t>
+            </a:r>
+          </a:p>
+          <a:p>
+            <a:r>
+              <a:rPr lang="en-US" dirty="0" smtClean="0"/>
+              <a:t>Implemented the protocol</a:t>
+            </a:r>
+          </a:p>
+          <a:p>
+            <a:pPr lvl="1"/>
+            <a:r>
+              <a:rPr lang="en-US" dirty="0" smtClean="0"/>
+              <a:t>Everything talked well at low speed</a:t>
+            </a:r>
+          </a:p>
+          <a:p>
+            <a:pPr lvl="1"/>
+            <a:r>
+              <a:rPr lang="en-US" dirty="0" smtClean="0"/>
+              <a:t>Updating at more the 5Hz crashed EasyVeep!</a:t>
+            </a:r>
+          </a:p>
+          <a:p>
+            <a:pPr lvl="1"/>
+            <a:r>
+              <a:rPr lang="en-US" dirty="0" smtClean="0"/>
+              <a:t>Tried debugging EasyVeep and </a:t>
+            </a:r>
+            <a:r>
+              <a:rPr lang="en-US" dirty="0" err="1" smtClean="0"/>
+              <a:t>MyEasyPort</a:t>
+            </a:r>
+            <a:endParaRPr lang="en-US" dirty="0" smtClean="0"/>
+          </a:p>
+          <a:p>
+            <a:pPr lvl="2"/>
+            <a:r>
+              <a:rPr lang="en-US" dirty="0" smtClean="0"/>
+              <a:t>Too hard to debug without EasyVeep source</a:t>
+            </a:r>
+          </a:p>
+          <a:p>
+            <a:endParaRPr lang="en-US" dirty="0"/>
+          </a:p>
+        </p:txBody>
+      </p:sp>
+    </p:spTree>
+    <p:extLst>
+      <p:ext uri="{BB962C8B-B14F-4D97-AF65-F5344CB8AC3E}">
+        <p14:creationId xmlns:p14="http://schemas.microsoft.com/office/powerpoint/2010/main" val="1059332838"/>
+      </p:ext>
+    </p:extLst>
+  </p:cSld>
+  <p:clrMapOvr>
+    <a:masterClrMapping/>
+  </p:clrMapOvr>
+  <p:timing>
+    <p:tnLst>
+      <p:par>
+        <p:cTn id="1" dur="indefinite" restart="never" nodeType="tmRoot"/>
+      </p:par>
+    </p:tnLst>
+  </p:timing>
+</p:sld>
+</file>
+
+<file path=ppt/slides/slide15.xml><?xml version="1.0" encoding="utf-8"?>
+<p:sld xmlns:a="http://schemas.openxmlformats.org/drawingml/2006/main" xmlns:r="http://schemas.openxmlformats.org/officeDocument/2006/relationships" xmlns:p="http://schemas.openxmlformats.org/presentationml/2006/main">
+  <p:cSld>
+    <p:spTree>
+      <p:nvGrpSpPr>
+        <p:cNvPr id="1" name=""/>
+        <p:cNvGrpSpPr/>
+        <p:nvPr/>
+      </p:nvGrpSpPr>
+      <p:grpSpPr>
+        <a:xfrm>
+          <a:off x="0" y="0"/>
+          <a:ext cx="0" cy="0"/>
+          <a:chOff x="0" y="0"/>
+          <a:chExt cx="0" cy="0"/>
+        </a:xfrm>
+      </p:grpSpPr>
+      <p:sp>
+        <p:nvSpPr>
+          <p:cNvPr id="2" name="Title 1"/>
+          <p:cNvSpPr>
+            <a:spLocks noGrp="1"/>
+          </p:cNvSpPr>
+          <p:nvPr>
+            <p:ph type="title"/>
+          </p:nvPr>
+        </p:nvSpPr>
+        <p:spPr/>
+        <p:txBody>
+          <a:bodyPr/>
+          <a:lstStyle/>
+          <a:p>
+            <a:r>
+              <a:rPr lang="en-US" dirty="0" err="1" smtClean="0"/>
+              <a:t>MyEasyVeep</a:t>
+            </a:r>
+            <a:endParaRPr lang="en-US" dirty="0"/>
+          </a:p>
+        </p:txBody>
+      </p:sp>
+      <p:sp>
+        <p:nvSpPr>
+          <p:cNvPr id="3" name="Content Placeholder 2"/>
+          <p:cNvSpPr>
+            <a:spLocks noGrp="1"/>
+          </p:cNvSpPr>
+          <p:nvPr>
+            <p:ph idx="1"/>
+          </p:nvPr>
+        </p:nvSpPr>
+        <p:spPr/>
+        <p:txBody>
+          <a:bodyPr>
+            <a:normAutofit lnSpcReduction="10000"/>
+          </a:bodyPr>
+          <a:lstStyle/>
+          <a:p>
+            <a:r>
+              <a:rPr lang="en-US" dirty="0" smtClean="0"/>
+              <a:t>EasyVeep simulations are just flash movies</a:t>
+            </a:r>
+          </a:p>
+          <a:p>
+            <a:pPr lvl="1"/>
+            <a:r>
+              <a:rPr lang="en-US" dirty="0" smtClean="0"/>
+              <a:t>Copied the flash movies into my own project</a:t>
+            </a:r>
+          </a:p>
+          <a:p>
+            <a:r>
+              <a:rPr lang="en-US" dirty="0" smtClean="0"/>
+              <a:t>Using Flash ActiveX control to load and play</a:t>
+            </a:r>
+          </a:p>
+          <a:p>
+            <a:r>
+              <a:rPr lang="en-US" dirty="0" smtClean="0"/>
+              <a:t>How do I interact with the movie?</a:t>
+            </a:r>
+          </a:p>
+          <a:p>
+            <a:pPr lvl="1"/>
+            <a:r>
+              <a:rPr lang="en-US" dirty="0" smtClean="0"/>
+              <a:t>Decompile the </a:t>
+            </a:r>
+            <a:r>
+              <a:rPr lang="en-US" dirty="0" err="1" smtClean="0"/>
+              <a:t>swf</a:t>
+            </a:r>
+            <a:endParaRPr lang="en-US" dirty="0" smtClean="0"/>
+          </a:p>
+          <a:p>
+            <a:pPr lvl="2"/>
+            <a:r>
+              <a:rPr lang="en-US" dirty="0" err="1" smtClean="0"/>
+              <a:t>Sothink</a:t>
+            </a:r>
+            <a:r>
+              <a:rPr lang="en-US" dirty="0" smtClean="0"/>
+              <a:t> Flash </a:t>
+            </a:r>
+            <a:r>
+              <a:rPr lang="en-US" dirty="0" err="1" smtClean="0"/>
+              <a:t>Decompiler</a:t>
+            </a:r>
+            <a:r>
+              <a:rPr lang="en-US" dirty="0" smtClean="0"/>
+              <a:t> (trial)</a:t>
+            </a:r>
+          </a:p>
+          <a:p>
+            <a:pPr lvl="2"/>
+            <a:r>
+              <a:rPr lang="en-US" dirty="0" err="1"/>
+              <a:t>f</a:t>
+            </a:r>
+            <a:r>
+              <a:rPr lang="en-US" dirty="0" err="1" smtClean="0"/>
+              <a:t>lasm</a:t>
+            </a:r>
+            <a:r>
+              <a:rPr lang="en-US" dirty="0" smtClean="0"/>
+              <a:t> –d</a:t>
+            </a:r>
+          </a:p>
+          <a:p>
+            <a:pPr lvl="1"/>
+            <a:r>
+              <a:rPr lang="en-US" dirty="0" smtClean="0"/>
+              <a:t>Look through the disassembly to find variable names</a:t>
+            </a:r>
+          </a:p>
+        </p:txBody>
+      </p:sp>
+    </p:spTree>
+    <p:extLst>
+      <p:ext uri="{BB962C8B-B14F-4D97-AF65-F5344CB8AC3E}">
+        <p14:creationId xmlns:p14="http://schemas.microsoft.com/office/powerpoint/2010/main" val="3338952488"/>
+      </p:ext>
+    </p:extLst>
+  </p:cSld>
+  <p:clrMapOvr>
+    <a:masterClrMapping/>
+  </p:clrMapOvr>
+  <p:timing>
+    <p:tnLst>
+      <p:par>
+        <p:cTn id="1" dur="indefinite" restart="never" nodeType="tmRoot"/>
+      </p:par>
+    </p:tnLst>
+  </p:timing>
+</p:sld>
+</file>
+
+<file path=ppt/slides/slide16.xml><?xml version="1.0" encoding="utf-8"?>
+<p:sld xmlns:a="http://schemas.openxmlformats.org/drawingml/2006/main" xmlns:r="http://schemas.openxmlformats.org/officeDocument/2006/relationships" xmlns:p="http://schemas.openxmlformats.org/presentationml/2006/main">
+  <p:cSld>
+    <p:spTree>
+      <p:nvGrpSpPr>
+        <p:cNvPr id="1" name=""/>
+        <p:cNvGrpSpPr/>
+        <p:nvPr/>
+      </p:nvGrpSpPr>
+      <p:grpSpPr>
+        <a:xfrm>
+          <a:off x="0" y="0"/>
+          <a:ext cx="0" cy="0"/>
+          <a:chOff x="0" y="0"/>
+          <a:chExt cx="0" cy="0"/>
+        </a:xfrm>
+      </p:grpSpPr>
+      <p:sp>
+        <p:nvSpPr>
+          <p:cNvPr id="2" name="Title 1"/>
+          <p:cNvSpPr>
+            <a:spLocks noGrp="1"/>
+          </p:cNvSpPr>
+          <p:nvPr>
+            <p:ph type="title"/>
+          </p:nvPr>
+        </p:nvSpPr>
+        <p:spPr/>
+        <p:txBody>
+          <a:bodyPr/>
+          <a:lstStyle/>
+          <a:p>
+            <a:r>
+              <a:rPr lang="en-US" dirty="0" err="1" smtClean="0"/>
+              <a:t>MyEasyVeep</a:t>
+            </a:r>
+            <a:r>
+              <a:rPr lang="en-US" dirty="0" smtClean="0"/>
+              <a:t> (2)</a:t>
+            </a:r>
+            <a:endParaRPr lang="en-US" dirty="0"/>
+          </a:p>
+        </p:txBody>
+      </p:sp>
+      <p:sp>
+        <p:nvSpPr>
+          <p:cNvPr id="3" name="Content Placeholder 2"/>
+          <p:cNvSpPr>
+            <a:spLocks noGrp="1"/>
+          </p:cNvSpPr>
+          <p:nvPr>
+            <p:ph idx="1"/>
+          </p:nvPr>
+        </p:nvSpPr>
+        <p:spPr>
+          <a:xfrm>
+            <a:off x="457200" y="1600200"/>
+            <a:ext cx="8229600" cy="1828799"/>
+          </a:xfrm>
+        </p:spPr>
+        <p:txBody>
+          <a:bodyPr>
+            <a:normAutofit fontScale="92500" lnSpcReduction="20000"/>
+          </a:bodyPr>
+          <a:lstStyle/>
+          <a:p>
+            <a:r>
+              <a:rPr lang="en-US" dirty="0" smtClean="0"/>
+              <a:t>Sort through all the variable names to find the useful ones.</a:t>
+            </a:r>
+          </a:p>
+          <a:p>
+            <a:pPr marL="0" indent="0">
+              <a:buNone/>
+            </a:pPr>
+            <a:endParaRPr lang="en-US" dirty="0" smtClean="0"/>
+          </a:p>
+          <a:p>
+            <a:r>
+              <a:rPr lang="en-US" dirty="0" smtClean="0"/>
+              <a:t>Use ActiveX </a:t>
+            </a:r>
+            <a:r>
+              <a:rPr lang="en-US" dirty="0" err="1" smtClean="0"/>
+              <a:t>GetVariable</a:t>
+            </a:r>
+            <a:r>
+              <a:rPr lang="en-US" dirty="0" smtClean="0"/>
+              <a:t> and </a:t>
+            </a:r>
+            <a:r>
+              <a:rPr lang="en-US" dirty="0" err="1" smtClean="0"/>
+              <a:t>SetVariable</a:t>
+            </a:r>
+            <a:r>
+              <a:rPr lang="en-US" dirty="0" smtClean="0"/>
+              <a:t> methods</a:t>
+            </a:r>
+            <a:endParaRPr lang="en-US" dirty="0"/>
+          </a:p>
+        </p:txBody>
+      </p:sp>
+      <p:graphicFrame>
+        <p:nvGraphicFramePr>
+          <p:cNvPr id="5" name="Table 4"/>
+          <p:cNvGraphicFramePr>
+            <a:graphicFrameLocks noGrp="1"/>
+          </p:cNvGraphicFramePr>
+          <p:nvPr>
+            <p:extLst>
+              <p:ext uri="{D42A27DB-BD31-4B8C-83A1-F6EECF244321}">
+                <p14:modId xmlns:p14="http://schemas.microsoft.com/office/powerpoint/2010/main" val="1735624918"/>
+              </p:ext>
+            </p:extLst>
+          </p:nvPr>
+        </p:nvGraphicFramePr>
+        <p:xfrm>
+          <a:off x="457200" y="3733800"/>
+          <a:ext cx="8229600" cy="2175964"/>
+        </p:xfrm>
+        <a:graphic>
+          <a:graphicData uri="http://schemas.openxmlformats.org/drawingml/2006/table">
+            <a:tbl>
+              <a:tblPr firstRow="1" firstCol="1" bandRow="1">
+                <a:tableStyleId>{5C22544A-7EE6-4342-B048-85BDC9FD1C3A}</a:tableStyleId>
+              </a:tblPr>
+              <a:tblGrid>
+                <a:gridCol w="4114800"/>
+                <a:gridCol w="4114800"/>
+              </a:tblGrid>
+              <a:tr h="310852">
+                <a:tc>
+                  <a:txBody>
+                    <a:bodyPr/>
+                    <a:lstStyle/>
+                    <a:p>
+                      <a:pPr marL="0" marR="0" algn="ctr">
+                        <a:lnSpc>
+                          <a:spcPts val="1650"/>
+                        </a:lnSpc>
+                        <a:spcBef>
+                          <a:spcPts val="0"/>
+                        </a:spcBef>
+                        <a:spcAft>
+                          <a:spcPts val="0"/>
+                        </a:spcAft>
+                      </a:pPr>
+                      <a:r>
+                        <a:rPr lang="en-US" sz="1100" dirty="0">
+                          <a:effectLst/>
+                        </a:rPr>
+                        <a:t>Variable Name</a:t>
+                      </a:r>
+                      <a:endParaRPr lang="en-US" sz="1100" dirty="0">
+                        <a:effectLst/>
+                        <a:latin typeface="Calibri"/>
+                        <a:ea typeface="SimSun"/>
+                        <a:cs typeface="Times New Roman"/>
+                      </a:endParaRPr>
+                    </a:p>
+                  </a:txBody>
+                  <a:tcPr marL="68580" marR="68580" marT="0" marB="0"/>
+                </a:tc>
+                <a:tc>
+                  <a:txBody>
+                    <a:bodyPr/>
+                    <a:lstStyle/>
+                    <a:p>
+                      <a:pPr marL="0" marR="0" algn="ctr">
+                        <a:lnSpc>
+                          <a:spcPts val="1650"/>
+                        </a:lnSpc>
+                        <a:spcBef>
+                          <a:spcPts val="0"/>
+                        </a:spcBef>
+                        <a:spcAft>
+                          <a:spcPts val="0"/>
+                        </a:spcAft>
+                      </a:pPr>
+                      <a:r>
+                        <a:rPr lang="en-US" sz="1100">
+                          <a:effectLst/>
+                        </a:rPr>
+                        <a:t>Purpose</a:t>
+                      </a:r>
+                      <a:endParaRPr lang="en-US" sz="1100">
+                        <a:effectLst/>
+                        <a:latin typeface="Calibri"/>
+                        <a:ea typeface="SimSun"/>
+                        <a:cs typeface="Times New Roman"/>
+                      </a:endParaRPr>
+                    </a:p>
+                  </a:txBody>
+                  <a:tcPr marL="68580" marR="68580" marT="0" marB="0"/>
+                </a:tc>
+              </a:tr>
+              <a:tr h="310852">
+                <a:tc>
+                  <a:txBody>
+                    <a:bodyPr/>
+                    <a:lstStyle/>
+                    <a:p>
+                      <a:pPr marL="0" marR="0">
+                        <a:lnSpc>
+                          <a:spcPts val="1650"/>
+                        </a:lnSpc>
+                        <a:spcBef>
+                          <a:spcPts val="0"/>
+                        </a:spcBef>
+                        <a:spcAft>
+                          <a:spcPts val="0"/>
+                        </a:spcAft>
+                      </a:pPr>
+                      <a:r>
+                        <a:rPr lang="en-US" sz="1100">
+                          <a:effectLst/>
+                        </a:rPr>
+                        <a:t>EprgName</a:t>
+                      </a:r>
+                      <a:endParaRPr lang="en-US" sz="1100">
+                        <a:effectLst/>
+                        <a:latin typeface="Calibri"/>
+                        <a:ea typeface="SimSun"/>
+                        <a:cs typeface="Times New Roman"/>
+                      </a:endParaRPr>
+                    </a:p>
+                  </a:txBody>
+                  <a:tcPr marL="68580" marR="68580" marT="0" marB="0"/>
+                </a:tc>
+                <a:tc>
+                  <a:txBody>
+                    <a:bodyPr/>
+                    <a:lstStyle/>
+                    <a:p>
+                      <a:pPr marL="0" marR="0">
+                        <a:lnSpc>
+                          <a:spcPts val="1650"/>
+                        </a:lnSpc>
+                        <a:spcBef>
+                          <a:spcPts val="0"/>
+                        </a:spcBef>
+                        <a:spcAft>
+                          <a:spcPts val="0"/>
+                        </a:spcAft>
+                      </a:pPr>
+                      <a:r>
+                        <a:rPr lang="en-US" sz="1100">
+                          <a:effectLst/>
+                        </a:rPr>
+                        <a:t>English Program Name</a:t>
+                      </a:r>
+                      <a:endParaRPr lang="en-US" sz="1100">
+                        <a:effectLst/>
+                        <a:latin typeface="Calibri"/>
+                        <a:ea typeface="SimSun"/>
+                        <a:cs typeface="Times New Roman"/>
+                      </a:endParaRPr>
+                    </a:p>
+                  </a:txBody>
+                  <a:tcPr marL="68580" marR="68580" marT="0" marB="0"/>
+                </a:tc>
+              </a:tr>
+              <a:tr h="310852">
+                <a:tc>
+                  <a:txBody>
+                    <a:bodyPr/>
+                    <a:lstStyle/>
+                    <a:p>
+                      <a:pPr marL="0" marR="0">
+                        <a:lnSpc>
+                          <a:spcPts val="1650"/>
+                        </a:lnSpc>
+                        <a:spcBef>
+                          <a:spcPts val="0"/>
+                        </a:spcBef>
+                        <a:spcAft>
+                          <a:spcPts val="0"/>
+                        </a:spcAft>
+                      </a:pPr>
+                      <a:r>
+                        <a:rPr lang="en-US" sz="1100">
+                          <a:effectLst/>
+                        </a:rPr>
+                        <a:t>EprgLeirasX</a:t>
+                      </a:r>
+                      <a:endParaRPr lang="en-US" sz="1100">
+                        <a:effectLst/>
+                        <a:latin typeface="Calibri"/>
+                        <a:ea typeface="SimSun"/>
+                        <a:cs typeface="Times New Roman"/>
+                      </a:endParaRPr>
+                    </a:p>
+                  </a:txBody>
+                  <a:tcPr marL="68580" marR="68580" marT="0" marB="0"/>
+                </a:tc>
+                <a:tc>
+                  <a:txBody>
+                    <a:bodyPr/>
+                    <a:lstStyle/>
+                    <a:p>
+                      <a:pPr marL="0" marR="0">
+                        <a:lnSpc>
+                          <a:spcPts val="1650"/>
+                        </a:lnSpc>
+                        <a:spcBef>
+                          <a:spcPts val="0"/>
+                        </a:spcBef>
+                        <a:spcAft>
+                          <a:spcPts val="0"/>
+                        </a:spcAft>
+                      </a:pPr>
+                      <a:r>
+                        <a:rPr lang="en-US" sz="1100">
+                          <a:effectLst/>
+                        </a:rPr>
+                        <a:t>English Program Description ( X = 0..10)</a:t>
+                      </a:r>
+                      <a:endParaRPr lang="en-US" sz="1100">
+                        <a:effectLst/>
+                        <a:latin typeface="Calibri"/>
+                        <a:ea typeface="SimSun"/>
+                        <a:cs typeface="Times New Roman"/>
+                      </a:endParaRPr>
+                    </a:p>
+                  </a:txBody>
+                  <a:tcPr marL="68580" marR="68580" marT="0" marB="0"/>
+                </a:tc>
+              </a:tr>
+              <a:tr h="310852">
+                <a:tc>
+                  <a:txBody>
+                    <a:bodyPr/>
+                    <a:lstStyle/>
+                    <a:p>
+                      <a:pPr marL="0" marR="0">
+                        <a:lnSpc>
+                          <a:spcPts val="1650"/>
+                        </a:lnSpc>
+                        <a:spcBef>
+                          <a:spcPts val="0"/>
+                        </a:spcBef>
+                        <a:spcAft>
+                          <a:spcPts val="0"/>
+                        </a:spcAft>
+                      </a:pPr>
+                      <a:r>
+                        <a:rPr lang="en-US" sz="1100">
+                          <a:effectLst/>
+                        </a:rPr>
+                        <a:t>EDigSensX</a:t>
+                      </a:r>
+                      <a:endParaRPr lang="en-US" sz="1100">
+                        <a:effectLst/>
+                        <a:latin typeface="Calibri"/>
+                        <a:ea typeface="SimSun"/>
+                        <a:cs typeface="Times New Roman"/>
+                      </a:endParaRPr>
+                    </a:p>
+                  </a:txBody>
+                  <a:tcPr marL="68580" marR="68580" marT="0" marB="0"/>
+                </a:tc>
+                <a:tc>
+                  <a:txBody>
+                    <a:bodyPr/>
+                    <a:lstStyle/>
+                    <a:p>
+                      <a:pPr marL="0" marR="0">
+                        <a:lnSpc>
+                          <a:spcPts val="1650"/>
+                        </a:lnSpc>
+                        <a:spcBef>
+                          <a:spcPts val="0"/>
+                        </a:spcBef>
+                        <a:spcAft>
+                          <a:spcPts val="0"/>
+                        </a:spcAft>
+                      </a:pPr>
+                      <a:r>
+                        <a:rPr lang="en-US" sz="1100">
+                          <a:effectLst/>
+                        </a:rPr>
+                        <a:t>English Sensor Description ( X = 1..16)</a:t>
+                      </a:r>
+                      <a:endParaRPr lang="en-US" sz="1100">
+                        <a:effectLst/>
+                        <a:latin typeface="Calibri"/>
+                        <a:ea typeface="SimSun"/>
+                        <a:cs typeface="Times New Roman"/>
+                      </a:endParaRPr>
+                    </a:p>
+                  </a:txBody>
+                  <a:tcPr marL="68580" marR="68580" marT="0" marB="0"/>
+                </a:tc>
+              </a:tr>
+              <a:tr h="310852">
+                <a:tc>
+                  <a:txBody>
+                    <a:bodyPr/>
+                    <a:lstStyle/>
+                    <a:p>
+                      <a:pPr marL="0" marR="0">
+                        <a:lnSpc>
+                          <a:spcPts val="1650"/>
+                        </a:lnSpc>
+                        <a:spcBef>
+                          <a:spcPts val="0"/>
+                        </a:spcBef>
+                        <a:spcAft>
+                          <a:spcPts val="0"/>
+                        </a:spcAft>
+                      </a:pPr>
+                      <a:r>
+                        <a:rPr lang="en-US" sz="1100">
+                          <a:effectLst/>
+                        </a:rPr>
+                        <a:t>EDigActX</a:t>
+                      </a:r>
+                      <a:endParaRPr lang="en-US" sz="1100">
+                        <a:effectLst/>
+                        <a:latin typeface="Calibri"/>
+                        <a:ea typeface="SimSun"/>
+                        <a:cs typeface="Times New Roman"/>
+                      </a:endParaRPr>
+                    </a:p>
+                  </a:txBody>
+                  <a:tcPr marL="68580" marR="68580" marT="0" marB="0"/>
+                </a:tc>
+                <a:tc>
+                  <a:txBody>
+                    <a:bodyPr/>
+                    <a:lstStyle/>
+                    <a:p>
+                      <a:pPr marL="0" marR="0">
+                        <a:lnSpc>
+                          <a:spcPts val="1650"/>
+                        </a:lnSpc>
+                        <a:spcBef>
+                          <a:spcPts val="0"/>
+                        </a:spcBef>
+                        <a:spcAft>
+                          <a:spcPts val="0"/>
+                        </a:spcAft>
+                      </a:pPr>
+                      <a:r>
+                        <a:rPr lang="en-US" sz="1100">
+                          <a:effectLst/>
+                        </a:rPr>
+                        <a:t>English Actuator Description (X = 1..16)</a:t>
+                      </a:r>
+                      <a:endParaRPr lang="en-US" sz="1100">
+                        <a:effectLst/>
+                        <a:latin typeface="Calibri"/>
+                        <a:ea typeface="SimSun"/>
+                        <a:cs typeface="Times New Roman"/>
+                      </a:endParaRPr>
+                    </a:p>
+                  </a:txBody>
+                  <a:tcPr marL="68580" marR="68580" marT="0" marB="0"/>
+                </a:tc>
+              </a:tr>
+              <a:tr h="310852">
+                <a:tc>
+                  <a:txBody>
+                    <a:bodyPr/>
+                    <a:lstStyle/>
+                    <a:p>
+                      <a:pPr marL="0" marR="0">
+                        <a:lnSpc>
+                          <a:spcPts val="1650"/>
+                        </a:lnSpc>
+                        <a:spcBef>
+                          <a:spcPts val="0"/>
+                        </a:spcBef>
+                        <a:spcAft>
+                          <a:spcPts val="0"/>
+                        </a:spcAft>
+                      </a:pPr>
+                      <a:r>
+                        <a:rPr lang="en-US" sz="1100">
+                          <a:effectLst/>
+                        </a:rPr>
+                        <a:t>DAX Digital</a:t>
+                      </a:r>
+                      <a:endParaRPr lang="en-US" sz="1100">
+                        <a:effectLst/>
+                        <a:latin typeface="Calibri"/>
+                        <a:ea typeface="SimSun"/>
+                        <a:cs typeface="Times New Roman"/>
+                      </a:endParaRPr>
+                    </a:p>
+                  </a:txBody>
+                  <a:tcPr marL="68580" marR="68580" marT="0" marB="0"/>
+                </a:tc>
+                <a:tc>
+                  <a:txBody>
+                    <a:bodyPr/>
+                    <a:lstStyle/>
+                    <a:p>
+                      <a:pPr marL="0" marR="0">
+                        <a:lnSpc>
+                          <a:spcPts val="1650"/>
+                        </a:lnSpc>
+                        <a:spcBef>
+                          <a:spcPts val="0"/>
+                        </a:spcBef>
+                        <a:spcAft>
+                          <a:spcPts val="0"/>
+                        </a:spcAft>
+                      </a:pPr>
+                      <a:r>
+                        <a:rPr lang="en-US" sz="1100">
+                          <a:effectLst/>
+                        </a:rPr>
+                        <a:t>Actuator Value ( X =1..16)</a:t>
+                      </a:r>
+                      <a:endParaRPr lang="en-US" sz="1100">
+                        <a:effectLst/>
+                        <a:latin typeface="Calibri"/>
+                        <a:ea typeface="SimSun"/>
+                        <a:cs typeface="Times New Roman"/>
+                      </a:endParaRPr>
+                    </a:p>
+                  </a:txBody>
+                  <a:tcPr marL="68580" marR="68580" marT="0" marB="0"/>
+                </a:tc>
+              </a:tr>
+              <a:tr h="310852">
+                <a:tc>
+                  <a:txBody>
+                    <a:bodyPr/>
+                    <a:lstStyle/>
+                    <a:p>
+                      <a:pPr marL="0" marR="0">
+                        <a:lnSpc>
+                          <a:spcPts val="1650"/>
+                        </a:lnSpc>
+                        <a:spcBef>
+                          <a:spcPts val="0"/>
+                        </a:spcBef>
+                        <a:spcAft>
+                          <a:spcPts val="0"/>
+                        </a:spcAft>
+                      </a:pPr>
+                      <a:r>
+                        <a:rPr lang="en-US" sz="1100">
+                          <a:effectLst/>
+                        </a:rPr>
+                        <a:t>DSX Digital</a:t>
+                      </a:r>
+                      <a:endParaRPr lang="en-US" sz="1100">
+                        <a:effectLst/>
+                        <a:latin typeface="Calibri"/>
+                        <a:ea typeface="SimSun"/>
+                        <a:cs typeface="Times New Roman"/>
+                      </a:endParaRPr>
+                    </a:p>
+                  </a:txBody>
+                  <a:tcPr marL="68580" marR="68580" marT="0" marB="0"/>
+                </a:tc>
+                <a:tc>
+                  <a:txBody>
+                    <a:bodyPr/>
+                    <a:lstStyle/>
+                    <a:p>
+                      <a:pPr marL="0" marR="0">
+                        <a:lnSpc>
+                          <a:spcPts val="1650"/>
+                        </a:lnSpc>
+                        <a:spcBef>
+                          <a:spcPts val="0"/>
+                        </a:spcBef>
+                        <a:spcAft>
+                          <a:spcPts val="0"/>
+                        </a:spcAft>
+                      </a:pPr>
+                      <a:r>
+                        <a:rPr lang="en-US" sz="1100" dirty="0">
+                          <a:effectLst/>
+                        </a:rPr>
+                        <a:t>Sensor Value (X=1..16)</a:t>
+                      </a:r>
+                      <a:endParaRPr lang="en-US" sz="1100" dirty="0">
+                        <a:effectLst/>
+                        <a:latin typeface="Calibri"/>
+                        <a:ea typeface="SimSun"/>
+                        <a:cs typeface="Times New Roman"/>
+                      </a:endParaRPr>
+                    </a:p>
+                  </a:txBody>
+                  <a:tcPr marL="68580" marR="68580" marT="0" marB="0"/>
+                </a:tc>
+              </a:tr>
+            </a:tbl>
+          </a:graphicData>
+        </a:graphic>
+      </p:graphicFrame>
+    </p:spTree>
+    <p:extLst>
+      <p:ext uri="{BB962C8B-B14F-4D97-AF65-F5344CB8AC3E}">
+        <p14:creationId xmlns:p14="http://schemas.microsoft.com/office/powerpoint/2010/main" val="3611499960"/>
+      </p:ext>
+    </p:extLst>
+  </p:cSld>
+  <p:clrMapOvr>
+    <a:masterClrMapping/>
+  </p:clrMapOvr>
+  <p:timing>
+    <p:tnLst>
+      <p:par>
+        <p:cTn id="1" dur="indefinite" restart="never" nodeType="tmRoot"/>
+      </p:par>
+    </p:tnLst>
+  </p:timing>
+</p:sld>
+</file>
+
+<file path=ppt/slides/slide17.xml><?xml version="1.0" encoding="utf-8"?>
+<p:sld xmlns:a="http://schemas.openxmlformats.org/drawingml/2006/main" xmlns:r="http://schemas.openxmlformats.org/officeDocument/2006/relationships" xmlns:p="http://schemas.openxmlformats.org/presentationml/2006/main">
+  <p:cSld>
+    <p:spTree>
+      <p:nvGrpSpPr>
+        <p:cNvPr id="1" name=""/>
+        <p:cNvGrpSpPr/>
+        <p:nvPr/>
+      </p:nvGrpSpPr>
+      <p:grpSpPr>
+        <a:xfrm>
+          <a:off x="0" y="0"/>
+          <a:ext cx="0" cy="0"/>
+          <a:chOff x="0" y="0"/>
+          <a:chExt cx="0" cy="0"/>
+        </a:xfrm>
+      </p:grpSpPr>
+      <p:sp>
+        <p:nvSpPr>
+          <p:cNvPr id="2" name="Title 1"/>
+          <p:cNvSpPr>
+            <a:spLocks noGrp="1"/>
+          </p:cNvSpPr>
+          <p:nvPr>
+            <p:ph type="title"/>
+          </p:nvPr>
+        </p:nvSpPr>
+        <p:spPr/>
+        <p:txBody>
+          <a:bodyPr/>
+          <a:lstStyle/>
+          <a:p>
+            <a:r>
+              <a:rPr lang="en-US" dirty="0" err="1" smtClean="0"/>
+              <a:t>MyEasyVeep</a:t>
+            </a:r>
+            <a:r>
+              <a:rPr lang="en-US" dirty="0" smtClean="0"/>
+              <a:t> (3)</a:t>
+            </a:r>
+            <a:endParaRPr lang="en-US" dirty="0"/>
+          </a:p>
+        </p:txBody>
+      </p:sp>
+      <p:sp>
+        <p:nvSpPr>
+          <p:cNvPr id="3" name="Content Placeholder 2"/>
+          <p:cNvSpPr>
+            <a:spLocks noGrp="1"/>
+          </p:cNvSpPr>
+          <p:nvPr>
+            <p:ph idx="1"/>
+          </p:nvPr>
+        </p:nvSpPr>
+        <p:spPr/>
+        <p:txBody>
+          <a:bodyPr/>
+          <a:lstStyle/>
+          <a:p>
+            <a:r>
+              <a:rPr lang="en-US" dirty="0" smtClean="0"/>
+              <a:t>Queried simulation at twice the frame rate</a:t>
+            </a:r>
+          </a:p>
+          <a:p>
+            <a:r>
+              <a:rPr lang="en-US" dirty="0" smtClean="0"/>
+              <a:t>If sensor values changed, command would be sent to connected EasyPort</a:t>
+            </a:r>
+          </a:p>
+          <a:p>
+            <a:r>
+              <a:rPr lang="en-US" dirty="0" smtClean="0"/>
+              <a:t>On Update command from </a:t>
+            </a:r>
+            <a:r>
+              <a:rPr lang="en-US" dirty="0" err="1" smtClean="0"/>
+              <a:t>MyEasyPort</a:t>
+            </a:r>
+            <a:r>
+              <a:rPr lang="en-US" dirty="0" smtClean="0"/>
+              <a:t> actuator variables would be set in </a:t>
+            </a:r>
+            <a:r>
+              <a:rPr lang="en-US" dirty="0" err="1" smtClean="0"/>
+              <a:t>swf</a:t>
+            </a:r>
+            <a:endParaRPr lang="en-US" dirty="0" smtClean="0"/>
+          </a:p>
+          <a:p>
+            <a:r>
+              <a:rPr lang="en-US" dirty="0" smtClean="0"/>
+              <a:t>User can also interact with buttons on GUI</a:t>
+            </a:r>
+          </a:p>
+          <a:p>
+            <a:r>
+              <a:rPr lang="en-US" dirty="0" smtClean="0"/>
+              <a:t>Auto – mode shows user how system should work when controlled correctly</a:t>
+            </a:r>
+            <a:endParaRPr lang="en-US" dirty="0"/>
+          </a:p>
+        </p:txBody>
+      </p:sp>
+    </p:spTree>
+    <p:extLst>
+      <p:ext uri="{BB962C8B-B14F-4D97-AF65-F5344CB8AC3E}">
+        <p14:creationId xmlns:p14="http://schemas.microsoft.com/office/powerpoint/2010/main" val="3956683239"/>
+      </p:ext>
+    </p:extLst>
+  </p:cSld>
+  <p:clrMapOvr>
+    <a:masterClrMapping/>
+  </p:clrMapOvr>
+  <p:timing>
+    <p:tnLst>
+      <p:par>
+        <p:cTn id="1" dur="indefinite" restart="never" nodeType="tmRoot"/>
+      </p:par>
+    </p:tnLst>
+  </p:timing>
+</p:sld>
+</file>
+
+<file path=ppt/slides/slide18.xml><?xml version="1.0" encoding="utf-8"?>
+<p:sld xmlns:a="http://schemas.openxmlformats.org/drawingml/2006/main" xmlns:r="http://schemas.openxmlformats.org/officeDocument/2006/relationships" xmlns:p="http://schemas.openxmlformats.org/presentationml/2006/main">
+  <p:cSld>
+    <p:spTree>
+      <p:nvGrpSpPr>
+        <p:cNvPr id="1" name=""/>
+        <p:cNvGrpSpPr/>
+        <p:nvPr/>
+      </p:nvGrpSpPr>
+      <p:grpSpPr>
+        <a:xfrm>
+          <a:off x="0" y="0"/>
+          <a:ext cx="0" cy="0"/>
+          <a:chOff x="0" y="0"/>
+          <a:chExt cx="0" cy="0"/>
+        </a:xfrm>
+      </p:grpSpPr>
+      <p:sp>
+        <p:nvSpPr>
+          <p:cNvPr id="2" name="Title 1"/>
+          <p:cNvSpPr>
+            <a:spLocks noGrp="1"/>
+          </p:cNvSpPr>
+          <p:nvPr>
+            <p:ph type="title"/>
+          </p:nvPr>
+        </p:nvSpPr>
+        <p:spPr/>
+        <p:txBody>
+          <a:bodyPr/>
+          <a:lstStyle/>
+          <a:p>
+            <a:r>
+              <a:rPr lang="en-US" dirty="0" err="1" smtClean="0"/>
+              <a:t>MyEasyVeep</a:t>
+            </a:r>
+            <a:r>
+              <a:rPr lang="en-US" dirty="0" smtClean="0"/>
+              <a:t> (4)</a:t>
+            </a:r>
+            <a:endParaRPr lang="en-US" dirty="0"/>
+          </a:p>
+        </p:txBody>
+      </p:sp>
+      <p:pic>
+        <p:nvPicPr>
+          <p:cNvPr id="4" name="Content Placeholder 3"/>
+          <p:cNvPicPr>
+            <a:picLocks noGrp="1"/>
+          </p:cNvPicPr>
+          <p:nvPr>
+            <p:ph idx="1"/>
+          </p:nvPr>
+        </p:nvPicPr>
+        <p:blipFill>
+          <a:blip r:embed="rId2"/>
+          <a:stretch>
+            <a:fillRect/>
+          </a:stretch>
+        </p:blipFill>
+        <p:spPr>
+          <a:xfrm>
+            <a:off x="695315" y="1600200"/>
+            <a:ext cx="7753369" cy="4525963"/>
+          </a:xfrm>
+          <a:prstGeom prst="rect">
+            <a:avLst/>
+          </a:prstGeom>
+        </p:spPr>
+      </p:pic>
+    </p:spTree>
+    <p:extLst>
+      <p:ext uri="{BB962C8B-B14F-4D97-AF65-F5344CB8AC3E}">
+        <p14:creationId xmlns:p14="http://schemas.microsoft.com/office/powerpoint/2010/main" val="2309760077"/>
+      </p:ext>
+    </p:extLst>
+  </p:cSld>
+  <p:clrMapOvr>
+    <a:masterClrMapping/>
+  </p:clrMapOvr>
+  <p:timing>
+    <p:tnLst>
+      <p:par>
+        <p:cTn id="1" dur="indefinite" restart="never" nodeType="tmRoot"/>
+      </p:par>
+    </p:tnLst>
+  </p:timing>
+</p:sld>
+</file>
+
+<file path=ppt/slides/slide19.xml><?xml version="1.0" encoding="utf-8"?>
+<p:sld xmlns:a="http://schemas.openxmlformats.org/drawingml/2006/main" xmlns:r="http://schemas.openxmlformats.org/officeDocument/2006/relationships" xmlns:p="http://schemas.openxmlformats.org/presentationml/2006/main">
+  <p:cSld>
+    <p:spTree>
+      <p:nvGrpSpPr>
+        <p:cNvPr id="1" name=""/>
+        <p:cNvGrpSpPr/>
+        <p:nvPr/>
+      </p:nvGrpSpPr>
+      <p:grpSpPr>
+        <a:xfrm>
+          <a:off x="0" y="0"/>
+          <a:ext cx="0" cy="0"/>
+          <a:chOff x="0" y="0"/>
+          <a:chExt cx="0" cy="0"/>
+        </a:xfrm>
+      </p:grpSpPr>
+      <p:sp>
+        <p:nvSpPr>
+          <p:cNvPr id="2" name="Title 1"/>
+          <p:cNvSpPr>
+            <a:spLocks noGrp="1"/>
+          </p:cNvSpPr>
+          <p:nvPr>
+            <p:ph type="title"/>
+          </p:nvPr>
+        </p:nvSpPr>
+        <p:spPr/>
+        <p:txBody>
+          <a:bodyPr/>
+          <a:lstStyle/>
+          <a:p>
+            <a:r>
+              <a:rPr lang="en-US" dirty="0" err="1" smtClean="0"/>
+              <a:t>MyEasyPort</a:t>
+            </a:r>
+            <a:r>
+              <a:rPr lang="en-US" dirty="0" smtClean="0"/>
+              <a:t> Design</a:t>
+            </a:r>
+            <a:endParaRPr lang="en-US" dirty="0"/>
+          </a:p>
+        </p:txBody>
+      </p:sp>
+      <p:sp>
+        <p:nvSpPr>
+          <p:cNvPr id="3" name="Content Placeholder 2"/>
+          <p:cNvSpPr>
+            <a:spLocks noGrp="1"/>
+          </p:cNvSpPr>
+          <p:nvPr>
+            <p:ph idx="1"/>
+          </p:nvPr>
+        </p:nvSpPr>
+        <p:spPr/>
+        <p:txBody>
+          <a:bodyPr>
+            <a:normAutofit lnSpcReduction="10000"/>
+          </a:bodyPr>
+          <a:lstStyle/>
+          <a:p>
+            <a:r>
+              <a:rPr lang="en-US" dirty="0" smtClean="0"/>
+              <a:t>Connecting </a:t>
+            </a:r>
+            <a:r>
+              <a:rPr lang="en-US" dirty="0" err="1" smtClean="0"/>
+              <a:t>MyEasyPort</a:t>
+            </a:r>
+            <a:r>
+              <a:rPr lang="en-US" dirty="0" smtClean="0"/>
+              <a:t> to </a:t>
+            </a:r>
+            <a:r>
+              <a:rPr lang="en-US" dirty="0" err="1" smtClean="0"/>
+              <a:t>Arcom</a:t>
+            </a:r>
+            <a:r>
+              <a:rPr lang="en-US" dirty="0" smtClean="0"/>
+              <a:t> is tricky</a:t>
+            </a:r>
+          </a:p>
+          <a:p>
+            <a:pPr lvl="1"/>
+            <a:r>
+              <a:rPr lang="en-US" dirty="0" smtClean="0"/>
+              <a:t>Logic Levels are different</a:t>
+            </a:r>
+          </a:p>
+          <a:p>
+            <a:pPr lvl="2"/>
+            <a:r>
+              <a:rPr lang="en-US" dirty="0" smtClean="0"/>
+              <a:t>3.3V </a:t>
+            </a:r>
+            <a:r>
+              <a:rPr lang="en-US" dirty="0" err="1" smtClean="0"/>
+              <a:t>MyEasyPort</a:t>
+            </a:r>
+            <a:r>
+              <a:rPr lang="en-US" dirty="0" smtClean="0"/>
+              <a:t>, 5V </a:t>
+            </a:r>
+            <a:r>
+              <a:rPr lang="en-US" dirty="0" err="1" smtClean="0"/>
+              <a:t>Arcom</a:t>
+            </a:r>
+            <a:endParaRPr lang="en-US" dirty="0" smtClean="0"/>
+          </a:p>
+          <a:p>
+            <a:pPr lvl="1"/>
+            <a:r>
+              <a:rPr lang="en-US" dirty="0" smtClean="0"/>
+              <a:t>Line Buffers</a:t>
+            </a:r>
+          </a:p>
+          <a:p>
+            <a:pPr lvl="2"/>
+            <a:r>
+              <a:rPr lang="en-US" dirty="0" err="1" smtClean="0"/>
+              <a:t>Arcom</a:t>
+            </a:r>
+            <a:r>
+              <a:rPr lang="en-US" dirty="0" smtClean="0"/>
+              <a:t> I/O card is very low current </a:t>
+            </a:r>
+          </a:p>
+          <a:p>
+            <a:pPr lvl="1"/>
+            <a:r>
+              <a:rPr lang="en-US" dirty="0" smtClean="0"/>
+              <a:t>Proper Isolation is nice to have</a:t>
+            </a:r>
+          </a:p>
+          <a:p>
+            <a:pPr lvl="2"/>
+            <a:r>
+              <a:rPr lang="en-US" dirty="0" smtClean="0"/>
+              <a:t>Ground loop, transient voltages</a:t>
+            </a:r>
+          </a:p>
+          <a:p>
+            <a:pPr lvl="1"/>
+            <a:r>
+              <a:rPr lang="en-US" dirty="0" smtClean="0"/>
+              <a:t>32 channels of I/O need to be routed</a:t>
+            </a:r>
+          </a:p>
+          <a:p>
+            <a:pPr lvl="2"/>
+            <a:r>
+              <a:rPr lang="en-US" dirty="0" smtClean="0"/>
+              <a:t>4 8-bit channels</a:t>
+            </a:r>
+          </a:p>
+          <a:p>
+            <a:pPr lvl="2"/>
+            <a:r>
+              <a:rPr lang="en-US" dirty="0" smtClean="0"/>
+              <a:t>Pin-out on </a:t>
+            </a:r>
+            <a:r>
+              <a:rPr lang="en-US" dirty="0" err="1" smtClean="0"/>
+              <a:t>Arcom</a:t>
+            </a:r>
+            <a:r>
+              <a:rPr lang="en-US" dirty="0" smtClean="0"/>
+              <a:t> is bizarre</a:t>
+            </a:r>
+          </a:p>
+        </p:txBody>
+      </p:sp>
+    </p:spTree>
+    <p:extLst>
+      <p:ext uri="{BB962C8B-B14F-4D97-AF65-F5344CB8AC3E}">
+        <p14:creationId xmlns:p14="http://schemas.microsoft.com/office/powerpoint/2010/main" val="2019726183"/>
+      </p:ext>
+    </p:extLst>
+  </p:cSld>
+  <p:clrMapOvr>
+    <a:masterClrMapping/>
+  </p:clrMapOvr>
+  <p:timing>
+    <p:tnLst>
+      <p:par>
+        <p:cTn id="1" dur="indefinite" restart="never" nodeType="tmRoot"/>
+      </p:par>
+    </p:tnLst>
+  </p:timing>
 </p:sld>
 </file>
 
@@ -3279,6 +5072,406 @@
   <p:clrMapOvr>
     <a:masterClrMapping/>
   </p:clrMapOvr>
+  <p:timing>
+    <p:tnLst>
+      <p:par>
+        <p:cTn id="1" dur="indefinite" restart="never" nodeType="tmRoot"/>
+      </p:par>
+    </p:tnLst>
+  </p:timing>
+</p:sld>
+</file>
+
+<file path=ppt/slides/slide20.xml><?xml version="1.0" encoding="utf-8"?>
+<p:sld xmlns:a="http://schemas.openxmlformats.org/drawingml/2006/main" xmlns:r="http://schemas.openxmlformats.org/officeDocument/2006/relationships" xmlns:p="http://schemas.openxmlformats.org/presentationml/2006/main">
+  <p:cSld>
+    <p:spTree>
+      <p:nvGrpSpPr>
+        <p:cNvPr id="1" name=""/>
+        <p:cNvGrpSpPr/>
+        <p:nvPr/>
+      </p:nvGrpSpPr>
+      <p:grpSpPr>
+        <a:xfrm>
+          <a:off x="0" y="0"/>
+          <a:ext cx="0" cy="0"/>
+          <a:chOff x="0" y="0"/>
+          <a:chExt cx="0" cy="0"/>
+        </a:xfrm>
+      </p:grpSpPr>
+      <p:sp>
+        <p:nvSpPr>
+          <p:cNvPr id="2" name="Title 1"/>
+          <p:cNvSpPr>
+            <a:spLocks noGrp="1"/>
+          </p:cNvSpPr>
+          <p:nvPr>
+            <p:ph type="title"/>
+          </p:nvPr>
+        </p:nvSpPr>
+        <p:spPr/>
+        <p:txBody>
+          <a:bodyPr/>
+          <a:lstStyle/>
+          <a:p>
+            <a:r>
+              <a:rPr lang="en-US" dirty="0" err="1" smtClean="0"/>
+              <a:t>MyEasyPort</a:t>
+            </a:r>
+            <a:r>
+              <a:rPr lang="en-US" dirty="0" smtClean="0"/>
+              <a:t> Design (2)</a:t>
+            </a:r>
+            <a:endParaRPr lang="en-US" dirty="0"/>
+          </a:p>
+        </p:txBody>
+      </p:sp>
+      <p:sp>
+        <p:nvSpPr>
+          <p:cNvPr id="3" name="Content Placeholder 2"/>
+          <p:cNvSpPr>
+            <a:spLocks noGrp="1"/>
+          </p:cNvSpPr>
+          <p:nvPr>
+            <p:ph idx="1"/>
+          </p:nvPr>
+        </p:nvSpPr>
+        <p:spPr>
+          <a:xfrm>
+            <a:off x="304800" y="1676400"/>
+            <a:ext cx="8534400" cy="4525963"/>
+          </a:xfrm>
+        </p:spPr>
+        <p:txBody>
+          <a:bodyPr/>
+          <a:lstStyle/>
+          <a:p>
+            <a:r>
+              <a:rPr lang="en-US" dirty="0" smtClean="0"/>
+              <a:t>Silicon Labs Si84XX CMOS isolator</a:t>
+            </a:r>
+          </a:p>
+          <a:p>
+            <a:pPr lvl="1"/>
+            <a:r>
+              <a:rPr lang="en-US" dirty="0" smtClean="0"/>
+              <a:t>Level shifting, line buffering, isolating package</a:t>
+            </a:r>
+          </a:p>
+          <a:p>
+            <a:pPr lvl="2"/>
+            <a:r>
+              <a:rPr lang="en-US" dirty="0" smtClean="0"/>
+              <a:t>Everything in one inexpensive IC</a:t>
+            </a:r>
+          </a:p>
+          <a:p>
+            <a:pPr lvl="2"/>
+            <a:r>
+              <a:rPr lang="en-US" dirty="0" smtClean="0"/>
+              <a:t>It’s only available in SMD packages</a:t>
+            </a:r>
+          </a:p>
+          <a:p>
+            <a:pPr lvl="1"/>
+            <a:r>
+              <a:rPr lang="en-US" dirty="0" smtClean="0"/>
+              <a:t>4 channels of I/O at up to 150Mbs (using ~15bps)</a:t>
+            </a:r>
+          </a:p>
+          <a:p>
+            <a:pPr lvl="1"/>
+            <a:r>
+              <a:rPr lang="en-US" dirty="0" smtClean="0"/>
+              <a:t>Chose Si8442</a:t>
+            </a:r>
+          </a:p>
+          <a:p>
+            <a:pPr lvl="2"/>
+            <a:r>
+              <a:rPr lang="en-US" dirty="0" smtClean="0"/>
+              <a:t>2 Channels each way</a:t>
+            </a:r>
+          </a:p>
+          <a:p>
+            <a:pPr lvl="2"/>
+            <a:r>
+              <a:rPr lang="en-US" dirty="0" smtClean="0"/>
+              <a:t>Low power consumption so </a:t>
+            </a:r>
+            <a:r>
+              <a:rPr lang="en-US" dirty="0" err="1" smtClean="0"/>
+              <a:t>Arcom</a:t>
+            </a:r>
+            <a:r>
+              <a:rPr lang="en-US" dirty="0" smtClean="0"/>
+              <a:t> and USB can power it</a:t>
+            </a:r>
+            <a:endParaRPr lang="en-US" dirty="0"/>
+          </a:p>
+        </p:txBody>
+      </p:sp>
+    </p:spTree>
+    <p:extLst>
+      <p:ext uri="{BB962C8B-B14F-4D97-AF65-F5344CB8AC3E}">
+        <p14:creationId xmlns:p14="http://schemas.microsoft.com/office/powerpoint/2010/main" val="654601986"/>
+      </p:ext>
+    </p:extLst>
+  </p:cSld>
+  <p:clrMapOvr>
+    <a:masterClrMapping/>
+  </p:clrMapOvr>
+  <p:timing>
+    <p:tnLst>
+      <p:par>
+        <p:cTn id="1" dur="indefinite" restart="never" nodeType="tmRoot"/>
+      </p:par>
+    </p:tnLst>
+  </p:timing>
+</p:sld>
+</file>
+
+<file path=ppt/slides/slide21.xml><?xml version="1.0" encoding="utf-8"?>
+<p:sld xmlns:a="http://schemas.openxmlformats.org/drawingml/2006/main" xmlns:r="http://schemas.openxmlformats.org/officeDocument/2006/relationships" xmlns:p="http://schemas.openxmlformats.org/presentationml/2006/main">
+  <p:cSld>
+    <p:spTree>
+      <p:nvGrpSpPr>
+        <p:cNvPr id="1" name=""/>
+        <p:cNvGrpSpPr/>
+        <p:nvPr/>
+      </p:nvGrpSpPr>
+      <p:grpSpPr>
+        <a:xfrm>
+          <a:off x="0" y="0"/>
+          <a:ext cx="0" cy="0"/>
+          <a:chOff x="0" y="0"/>
+          <a:chExt cx="0" cy="0"/>
+        </a:xfrm>
+      </p:grpSpPr>
+      <p:sp>
+        <p:nvSpPr>
+          <p:cNvPr id="2" name="Title 1"/>
+          <p:cNvSpPr>
+            <a:spLocks noGrp="1"/>
+          </p:cNvSpPr>
+          <p:nvPr>
+            <p:ph type="title"/>
+          </p:nvPr>
+        </p:nvSpPr>
+        <p:spPr/>
+        <p:txBody>
+          <a:bodyPr/>
+          <a:lstStyle/>
+          <a:p>
+            <a:r>
+              <a:rPr lang="en-US" dirty="0" err="1" smtClean="0"/>
+              <a:t>MyEasyPort</a:t>
+            </a:r>
+            <a:r>
+              <a:rPr lang="en-US" dirty="0" smtClean="0"/>
+              <a:t> Design (3)</a:t>
+            </a:r>
+            <a:endParaRPr lang="en-US" dirty="0"/>
+          </a:p>
+        </p:txBody>
+      </p:sp>
+      <p:sp>
+        <p:nvSpPr>
+          <p:cNvPr id="5" name="Content Placeholder 4"/>
+          <p:cNvSpPr>
+            <a:spLocks noGrp="1"/>
+          </p:cNvSpPr>
+          <p:nvPr>
+            <p:ph idx="1"/>
+          </p:nvPr>
+        </p:nvSpPr>
+        <p:spPr>
+          <a:xfrm>
+            <a:off x="457200" y="1600201"/>
+            <a:ext cx="8229600" cy="1143000"/>
+          </a:xfrm>
+        </p:spPr>
+        <p:txBody>
+          <a:bodyPr/>
+          <a:lstStyle/>
+          <a:p>
+            <a:r>
+              <a:rPr lang="en-US" dirty="0" smtClean="0"/>
+              <a:t>Used Excel to Experiment with Pin Outs</a:t>
+            </a:r>
+            <a:endParaRPr lang="en-US" dirty="0"/>
+          </a:p>
+        </p:txBody>
+      </p:sp>
+      <p:pic>
+        <p:nvPicPr>
+          <p:cNvPr id="7170" name="Picture 2"/>
+          <p:cNvPicPr>
+            <a:picLocks noChangeAspect="1" noChangeArrowheads="1"/>
+          </p:cNvPicPr>
+          <p:nvPr/>
+        </p:nvPicPr>
+        <p:blipFill>
+          <a:blip r:embed="rId2">
+            <a:extLst>
+              <a:ext uri="{28A0092B-C50C-407E-A947-70E740481C1C}">
+                <a14:useLocalDpi xmlns:a14="http://schemas.microsoft.com/office/drawing/2010/main" val="0"/>
+              </a:ext>
+            </a:extLst>
+          </a:blip>
+          <a:srcRect/>
+          <a:stretch>
+            <a:fillRect/>
+          </a:stretch>
+        </p:blipFill>
+        <p:spPr bwMode="auto">
+          <a:xfrm>
+            <a:off x="155489" y="2743200"/>
+            <a:ext cx="8953500" cy="3970363"/>
+          </a:xfrm>
+          <a:prstGeom prst="rect">
+            <a:avLst/>
+          </a:prstGeom>
+          <a:noFill/>
+          <a:ln>
+            <a:noFill/>
+          </a:ln>
+          <a:extLst>
+            <a:ext uri="{909E8E84-426E-40DD-AFC4-6F175D3DCCD1}">
+              <a14:hiddenFill xmlns:a14="http://schemas.microsoft.com/office/drawing/2010/main">
+                <a:solidFill>
+                  <a:schemeClr val="accent1"/>
+                </a:solidFill>
+              </a14:hiddenFill>
+            </a:ext>
+            <a:ext uri="{91240B29-F687-4F45-9708-019B960494DF}">
+              <a14:hiddenLine xmlns:a14="http://schemas.microsoft.com/office/drawing/2010/main" w="9525">
+                <a:solidFill>
+                  <a:schemeClr val="tx1"/>
+                </a:solidFill>
+                <a:miter lim="800000"/>
+                <a:headEnd/>
+                <a:tailEnd/>
+              </a14:hiddenLine>
+            </a:ext>
+          </a:extLst>
+        </p:spPr>
+      </p:pic>
+    </p:spTree>
+    <p:extLst>
+      <p:ext uri="{BB962C8B-B14F-4D97-AF65-F5344CB8AC3E}">
+        <p14:creationId xmlns:p14="http://schemas.microsoft.com/office/powerpoint/2010/main" val="1656750451"/>
+      </p:ext>
+    </p:extLst>
+  </p:cSld>
+  <p:clrMapOvr>
+    <a:masterClrMapping/>
+  </p:clrMapOvr>
+</p:sld>
+</file>
+
+<file path=ppt/slides/slide22.xml><?xml version="1.0" encoding="utf-8"?>
+<p:sld xmlns:a="http://schemas.openxmlformats.org/drawingml/2006/main" xmlns:r="http://schemas.openxmlformats.org/officeDocument/2006/relationships" xmlns:p="http://schemas.openxmlformats.org/presentationml/2006/main">
+  <p:cSld>
+    <p:spTree>
+      <p:nvGrpSpPr>
+        <p:cNvPr id="1" name=""/>
+        <p:cNvGrpSpPr/>
+        <p:nvPr/>
+      </p:nvGrpSpPr>
+      <p:grpSpPr>
+        <a:xfrm>
+          <a:off x="0" y="0"/>
+          <a:ext cx="0" cy="0"/>
+          <a:chOff x="0" y="0"/>
+          <a:chExt cx="0" cy="0"/>
+        </a:xfrm>
+      </p:grpSpPr>
+      <p:sp>
+        <p:nvSpPr>
+          <p:cNvPr id="2" name="Title 1"/>
+          <p:cNvSpPr>
+            <a:spLocks noGrp="1"/>
+          </p:cNvSpPr>
+          <p:nvPr>
+            <p:ph type="title"/>
+          </p:nvPr>
+        </p:nvSpPr>
+        <p:spPr/>
+        <p:txBody>
+          <a:bodyPr/>
+          <a:lstStyle/>
+          <a:p>
+            <a:r>
+              <a:rPr lang="en-US" dirty="0" err="1" smtClean="0"/>
+              <a:t>MyEasyPort</a:t>
+            </a:r>
+            <a:r>
+              <a:rPr lang="en-US" dirty="0" smtClean="0"/>
+              <a:t> Design (4)</a:t>
+            </a:r>
+            <a:endParaRPr lang="en-US" dirty="0"/>
+          </a:p>
+        </p:txBody>
+      </p:sp>
+      <p:pic>
+        <p:nvPicPr>
+          <p:cNvPr id="6147" name="Picture 3" descr="C:\Users\zagi\SkyDrive\GRP\docs\hw\eagle\MyEasyPort\MyEasyPort.png"/>
+          <p:cNvPicPr>
+            <a:picLocks noChangeAspect="1" noChangeArrowheads="1"/>
+          </p:cNvPicPr>
+          <p:nvPr/>
+        </p:nvPicPr>
+        <p:blipFill>
+          <a:blip r:embed="rId2" cstate="print">
+            <a:extLst>
+              <a:ext uri="{28A0092B-C50C-407E-A947-70E740481C1C}">
+                <a14:useLocalDpi xmlns:a14="http://schemas.microsoft.com/office/drawing/2010/main" val="0"/>
+              </a:ext>
+            </a:extLst>
+          </a:blip>
+          <a:srcRect/>
+          <a:stretch>
+            <a:fillRect/>
+          </a:stretch>
+        </p:blipFill>
+        <p:spPr bwMode="auto">
+          <a:xfrm>
+            <a:off x="1752600" y="1143000"/>
+            <a:ext cx="5274299" cy="5614092"/>
+          </a:xfrm>
+          <a:prstGeom prst="rect">
+            <a:avLst/>
+          </a:prstGeom>
+          <a:noFill/>
+          <a:extLst>
+            <a:ext uri="{909E8E84-426E-40DD-AFC4-6F175D3DCCD1}">
+              <a14:hiddenFill xmlns:a14="http://schemas.microsoft.com/office/drawing/2010/main">
+                <a:solidFill>
+                  <a:srgbClr val="FFFFFF"/>
+                </a:solidFill>
+              </a14:hiddenFill>
+            </a:ext>
+          </a:extLst>
+        </p:spPr>
+      </p:pic>
+    </p:spTree>
+    <p:extLst>
+      <p:ext uri="{BB962C8B-B14F-4D97-AF65-F5344CB8AC3E}">
+        <p14:creationId xmlns:p14="http://schemas.microsoft.com/office/powerpoint/2010/main" val="4145748103"/>
+      </p:ext>
+    </p:extLst>
+  </p:cSld>
+  <p:clrMapOvr>
+    <a:masterClrMapping/>
+  </p:clrMapOvr>
+  <p:timing>
+    <p:tnLst>
+      <p:par>
+        <p:cTn id="1" dur="indefinite" restart="never" nodeType="tmRoot"/>
+      </p:par>
+    </p:tnLst>
+  </p:timing>
 </p:sld>
 </file>
 
@@ -3411,6 +5604,13 @@
   <p:clrMapOvr>
     <a:masterClrMapping/>
   </p:clrMapOvr>
+  <p:timing>
+    <p:tnLst>
+      <p:par>
+        <p:cTn id="1" dur="indefinite" restart="never" nodeType="tmRoot"/>
+      </p:par>
+    </p:tnLst>
+  </p:timing>
 </p:sld>
 </file>
 
@@ -3528,6 +5728,13 @@
   <p:clrMapOvr>
     <a:masterClrMapping/>
   </p:clrMapOvr>
+  <p:timing>
+    <p:tnLst>
+      <p:par>
+        <p:cTn id="1" dur="indefinite" restart="never" nodeType="tmRoot"/>
+      </p:par>
+    </p:tnLst>
+  </p:timing>
 </p:sld>
 </file>
 
@@ -3679,7 +5886,7 @@
           <a:graphicData uri="http://schemas.openxmlformats.org/presentationml/2006/ole">
             <mc:AlternateContent xmlns:mc="http://schemas.openxmlformats.org/markup-compatibility/2006">
               <mc:Choice xmlns:v="urn:schemas-microsoft-com:vml" Requires="v">
-                <p:oleObj spid="_x0000_s1031" name="Visio" r:id="rId3" imgW="3712977" imgH="2206710" progId="Visio.Drawing.11">
+                <p:oleObj spid="_x0000_s1040" name="Visio" r:id="rId3" imgW="3712977" imgH="2206710" progId="Visio.Drawing.11">
                   <p:embed/>
                 </p:oleObj>
               </mc:Choice>
@@ -3743,6 +5950,13 @@
   <p:clrMapOvr>
     <a:masterClrMapping/>
   </p:clrMapOvr>
+  <p:timing>
+    <p:tnLst>
+      <p:par>
+        <p:cTn id="1" dur="indefinite" restart="never" nodeType="tmRoot"/>
+      </p:par>
+    </p:tnLst>
+  </p:timing>
 </p:sld>
 </file>
 
@@ -3840,6 +6054,13 @@
   <p:clrMapOvr>
     <a:masterClrMapping/>
   </p:clrMapOvr>
+  <p:timing>
+    <p:tnLst>
+      <p:par>
+        <p:cTn id="1" dur="indefinite" restart="never" nodeType="tmRoot"/>
+      </p:par>
+    </p:tnLst>
+  </p:timing>
 </p:sld>
 </file>
 
@@ -3876,7 +6097,7 @@
           <a:lstStyle/>
           <a:p>
             <a:r>
-              <a:rPr lang="en-US" smtClean="0"/>
+              <a:rPr lang="en-US" dirty="0" smtClean="0"/>
               <a:t>Analyzing EasyVeep</a:t>
             </a:r>
             <a:endParaRPr lang="en-US" dirty="0"/>
@@ -3898,7 +6119,51 @@
           <a:bodyPr/>
           <a:lstStyle/>
           <a:p>
-            <a:endParaRPr lang="en-US" dirty="0"/>
+            <a:r>
+              <a:rPr lang="en-US" dirty="0" smtClean="0"/>
+              <a:t>Hex-Rays Interactive Disassembler (freeware)</a:t>
+            </a:r>
+          </a:p>
+          <a:p>
+            <a:r>
+              <a:rPr lang="en-US" dirty="0" smtClean="0"/>
+              <a:t>Analyzed various components of the EasyVeep software distribution to find Serial Protocol</a:t>
+            </a:r>
+          </a:p>
+          <a:p>
+            <a:pPr lvl="1"/>
+            <a:r>
+              <a:rPr lang="en-US" dirty="0" smtClean="0"/>
+              <a:t>EasyVeep.exe</a:t>
+            </a:r>
+          </a:p>
+          <a:p>
+            <a:pPr lvl="2"/>
+            <a:r>
+              <a:rPr lang="en-US" dirty="0" smtClean="0"/>
+              <a:t>Main executable, no serial communications code</a:t>
+            </a:r>
+          </a:p>
+          <a:p>
+            <a:pPr lvl="1"/>
+            <a:r>
+              <a:rPr lang="en-US" dirty="0" smtClean="0"/>
+              <a:t>EasyPort.ocx</a:t>
+            </a:r>
+          </a:p>
+          <a:p>
+            <a:pPr lvl="2"/>
+            <a:r>
+              <a:rPr lang="en-US" dirty="0" smtClean="0"/>
+              <a:t>ActiveX Control responsible for all communication to EasyPort.</a:t>
+            </a:r>
+          </a:p>
+          <a:p>
+            <a:pPr lvl="2"/>
+            <a:r>
+              <a:rPr lang="en-US" dirty="0" smtClean="0"/>
+              <a:t>Has format of a Windows COM Object</a:t>
+            </a:r>
           </a:p>
         </p:txBody>
       </p:sp>
@@ -3912,6 +6177,869 @@
   <p:clrMapOvr>
     <a:masterClrMapping/>
   </p:clrMapOvr>
+  <p:timing>
+    <p:tnLst>
+      <p:par>
+        <p:cTn id="1" dur="indefinite" restart="never" nodeType="tmRoot"/>
+      </p:par>
+    </p:tnLst>
+  </p:timing>
+</p:sld>
+</file>
+
+<file path=ppt/slides/slide8.xml><?xml version="1.0" encoding="utf-8"?>
+<p:sld xmlns:a="http://schemas.openxmlformats.org/drawingml/2006/main" xmlns:r="http://schemas.openxmlformats.org/officeDocument/2006/relationships" xmlns:p="http://schemas.openxmlformats.org/presentationml/2006/main">
+  <p:cSld>
+    <p:spTree>
+      <p:nvGrpSpPr>
+        <p:cNvPr id="1" name=""/>
+        <p:cNvGrpSpPr/>
+        <p:nvPr/>
+      </p:nvGrpSpPr>
+      <p:grpSpPr>
+        <a:xfrm>
+          <a:off x="0" y="0"/>
+          <a:ext cx="0" cy="0"/>
+          <a:chOff x="0" y="0"/>
+          <a:chExt cx="0" cy="0"/>
+        </a:xfrm>
+      </p:grpSpPr>
+      <p:sp>
+        <p:nvSpPr>
+          <p:cNvPr id="2" name="Title 1"/>
+          <p:cNvSpPr>
+            <a:spLocks noGrp="1"/>
+          </p:cNvSpPr>
+          <p:nvPr>
+            <p:ph type="title"/>
+          </p:nvPr>
+        </p:nvSpPr>
+        <p:spPr/>
+        <p:txBody>
+          <a:bodyPr/>
+          <a:lstStyle/>
+          <a:p>
+            <a:r>
+              <a:rPr lang="en-US" dirty="0" smtClean="0"/>
+              <a:t>Analyzing EasyPort.ocx</a:t>
+            </a:r>
+            <a:endParaRPr lang="en-US" dirty="0"/>
+          </a:p>
+        </p:txBody>
+      </p:sp>
+      <p:sp>
+        <p:nvSpPr>
+          <p:cNvPr id="3" name="Content Placeholder 2"/>
+          <p:cNvSpPr>
+            <a:spLocks noGrp="1"/>
+          </p:cNvSpPr>
+          <p:nvPr>
+            <p:ph idx="1"/>
+          </p:nvPr>
+        </p:nvSpPr>
+        <p:spPr/>
+        <p:txBody>
+          <a:bodyPr/>
+          <a:lstStyle/>
+          <a:p>
+            <a:r>
+              <a:rPr lang="en-US" dirty="0" smtClean="0"/>
+              <a:t>Looked through the Virtual Method Table</a:t>
+            </a:r>
+          </a:p>
+          <a:p>
+            <a:pPr lvl="1"/>
+            <a:r>
+              <a:rPr lang="en-US" dirty="0" smtClean="0"/>
+              <a:t>The </a:t>
+            </a:r>
+            <a:r>
+              <a:rPr lang="en-US" dirty="0" err="1" smtClean="0"/>
+              <a:t>vtable</a:t>
+            </a:r>
+            <a:r>
+              <a:rPr lang="en-US" dirty="0" smtClean="0"/>
+              <a:t> holds human readable names and pointers to the associated messages</a:t>
+            </a:r>
+          </a:p>
+          <a:p>
+            <a:r>
+              <a:rPr lang="en-US" dirty="0" smtClean="0"/>
+              <a:t>Found many usefully named functions</a:t>
+            </a:r>
+          </a:p>
+          <a:p>
+            <a:pPr lvl="1"/>
+            <a:r>
+              <a:rPr lang="en-US" dirty="0" smtClean="0"/>
+              <a:t>Connect, </a:t>
+            </a:r>
+            <a:r>
+              <a:rPr lang="en-US" dirty="0" err="1" smtClean="0"/>
+              <a:t>SetOutput</a:t>
+            </a:r>
+            <a:r>
+              <a:rPr lang="en-US" dirty="0" smtClean="0"/>
+              <a:t>, </a:t>
+            </a:r>
+            <a:r>
+              <a:rPr lang="en-US" dirty="0" err="1" smtClean="0"/>
+              <a:t>GetInputWord</a:t>
+            </a:r>
+            <a:endParaRPr lang="en-US" dirty="0"/>
+          </a:p>
+          <a:p>
+            <a:r>
+              <a:rPr lang="en-US" dirty="0" smtClean="0"/>
+              <a:t>Traced execution of each method of interest and found the format strings being used to build and decode commands</a:t>
+            </a:r>
+          </a:p>
+          <a:p>
+            <a:pPr lvl="1"/>
+            <a:endParaRPr lang="en-US" dirty="0"/>
+          </a:p>
+        </p:txBody>
+      </p:sp>
+    </p:spTree>
+    <p:extLst>
+      <p:ext uri="{BB962C8B-B14F-4D97-AF65-F5344CB8AC3E}">
+        <p14:creationId xmlns:p14="http://schemas.microsoft.com/office/powerpoint/2010/main" val="3501844162"/>
+      </p:ext>
+    </p:extLst>
+  </p:cSld>
+  <p:clrMapOvr>
+    <a:masterClrMapping/>
+  </p:clrMapOvr>
+  <p:timing>
+    <p:tnLst>
+      <p:par>
+        <p:cTn id="1" dur="indefinite" restart="never" nodeType="tmRoot"/>
+      </p:par>
+    </p:tnLst>
+  </p:timing>
+</p:sld>
+</file>
+
+<file path=ppt/slides/slide9.xml><?xml version="1.0" encoding="utf-8"?>
+<p:sld xmlns:a="http://schemas.openxmlformats.org/drawingml/2006/main" xmlns:r="http://schemas.openxmlformats.org/officeDocument/2006/relationships" xmlns:p="http://schemas.openxmlformats.org/presentationml/2006/main">
+  <p:cSld>
+    <p:spTree>
+      <p:nvGrpSpPr>
+        <p:cNvPr id="1" name=""/>
+        <p:cNvGrpSpPr/>
+        <p:nvPr/>
+      </p:nvGrpSpPr>
+      <p:grpSpPr>
+        <a:xfrm>
+          <a:off x="0" y="0"/>
+          <a:ext cx="0" cy="0"/>
+          <a:chOff x="0" y="0"/>
+          <a:chExt cx="0" cy="0"/>
+        </a:xfrm>
+      </p:grpSpPr>
+      <p:sp>
+        <p:nvSpPr>
+          <p:cNvPr id="2" name="Title 1"/>
+          <p:cNvSpPr>
+            <a:spLocks noGrp="1"/>
+          </p:cNvSpPr>
+          <p:nvPr>
+            <p:ph type="title"/>
+          </p:nvPr>
+        </p:nvSpPr>
+        <p:spPr/>
+        <p:txBody>
+          <a:bodyPr/>
+          <a:lstStyle/>
+          <a:p>
+            <a:r>
+              <a:rPr lang="en-US" dirty="0" smtClean="0"/>
+              <a:t>EasyPort Protocol</a:t>
+            </a:r>
+            <a:endParaRPr lang="en-US" dirty="0"/>
+          </a:p>
+        </p:txBody>
+      </p:sp>
+      <p:graphicFrame>
+        <p:nvGraphicFramePr>
+          <p:cNvPr id="4" name="Content Placeholder 3"/>
+          <p:cNvGraphicFramePr>
+            <a:graphicFrameLocks noGrp="1"/>
+          </p:cNvGraphicFramePr>
+          <p:nvPr>
+            <p:ph idx="1"/>
+            <p:extLst>
+              <p:ext uri="{D42A27DB-BD31-4B8C-83A1-F6EECF244321}">
+                <p14:modId xmlns:p14="http://schemas.microsoft.com/office/powerpoint/2010/main" val="2557259292"/>
+              </p:ext>
+            </p:extLst>
+          </p:nvPr>
+        </p:nvGraphicFramePr>
+        <p:xfrm>
+          <a:off x="533400" y="1219197"/>
+          <a:ext cx="7848600" cy="4343404"/>
+        </p:xfrm>
+        <a:graphic>
+          <a:graphicData uri="http://schemas.openxmlformats.org/drawingml/2006/table">
+            <a:tbl>
+              <a:tblPr firstRow="1" firstCol="1" bandRow="1">
+                <a:tableStyleId>{5C22544A-7EE6-4342-B048-85BDC9FD1C3A}</a:tableStyleId>
+              </a:tblPr>
+              <a:tblGrid>
+                <a:gridCol w="3926905"/>
+                <a:gridCol w="3921695"/>
+              </a:tblGrid>
+              <a:tr h="190419">
+                <a:tc>
+                  <a:txBody>
+                    <a:bodyPr/>
+                    <a:lstStyle/>
+                    <a:p>
+                      <a:pPr marL="0" marR="0">
+                        <a:lnSpc>
+                          <a:spcPct val="115000"/>
+                        </a:lnSpc>
+                        <a:spcBef>
+                          <a:spcPts val="0"/>
+                        </a:spcBef>
+                        <a:spcAft>
+                          <a:spcPts val="0"/>
+                        </a:spcAft>
+                      </a:pPr>
+                      <a:r>
+                        <a:rPr lang="en-US" sz="1100" dirty="0">
+                          <a:effectLst/>
+                        </a:rPr>
+                        <a:t>Command Format</a:t>
+                      </a:r>
+                      <a:endParaRPr lang="en-US" sz="1100" dirty="0">
+                        <a:effectLst/>
+                        <a:latin typeface="Calibri"/>
+                        <a:ea typeface="SimSun"/>
+                        <a:cs typeface="Times New Roman"/>
+                      </a:endParaRPr>
+                    </a:p>
+                  </a:txBody>
+                  <a:tcPr marL="68580" marR="68580" marT="0" marB="0"/>
+                </a:tc>
+                <a:tc>
+                  <a:txBody>
+                    <a:bodyPr/>
+                    <a:lstStyle/>
+                    <a:p>
+                      <a:pPr marL="0" marR="0">
+                        <a:lnSpc>
+                          <a:spcPct val="115000"/>
+                        </a:lnSpc>
+                        <a:spcBef>
+                          <a:spcPts val="0"/>
+                        </a:spcBef>
+                        <a:spcAft>
+                          <a:spcPts val="0"/>
+                        </a:spcAft>
+                      </a:pPr>
+                      <a:r>
+                        <a:rPr lang="en-US" sz="1100">
+                          <a:effectLst/>
+                        </a:rPr>
+                        <a:t>Description</a:t>
+                      </a:r>
+                      <a:endParaRPr lang="en-US" sz="1100">
+                        <a:effectLst/>
+                        <a:latin typeface="Calibri"/>
+                        <a:ea typeface="SimSun"/>
+                        <a:cs typeface="Times New Roman"/>
+                      </a:endParaRPr>
+                    </a:p>
+                  </a:txBody>
+                  <a:tcPr marL="68580" marR="68580" marT="0" marB="0"/>
+                </a:tc>
+              </a:tr>
+              <a:tr h="392699">
+                <a:tc>
+                  <a:txBody>
+                    <a:bodyPr/>
+                    <a:lstStyle/>
+                    <a:p>
+                      <a:pPr marL="0" marR="0">
+                        <a:lnSpc>
+                          <a:spcPct val="115000"/>
+                        </a:lnSpc>
+                        <a:spcBef>
+                          <a:spcPts val="0"/>
+                        </a:spcBef>
+                        <a:spcAft>
+                          <a:spcPts val="0"/>
+                        </a:spcAft>
+                      </a:pPr>
+                      <a:r>
+                        <a:rPr lang="en-US" sz="1100">
+                          <a:effectLst/>
+                        </a:rPr>
+                        <a:t>setup0</a:t>
+                      </a:r>
+                      <a:endParaRPr lang="en-US" sz="1100">
+                        <a:effectLst/>
+                        <a:latin typeface="Calibri"/>
+                        <a:ea typeface="SimSun"/>
+                        <a:cs typeface="Times New Roman"/>
+                      </a:endParaRPr>
+                    </a:p>
+                  </a:txBody>
+                  <a:tcPr marL="68580" marR="68580" marT="0" marB="0"/>
+                </a:tc>
+                <a:tc>
+                  <a:txBody>
+                    <a:bodyPr/>
+                    <a:lstStyle/>
+                    <a:p>
+                      <a:pPr marL="0" marR="0">
+                        <a:lnSpc>
+                          <a:spcPct val="115000"/>
+                        </a:lnSpc>
+                        <a:spcBef>
+                          <a:spcPts val="0"/>
+                        </a:spcBef>
+                        <a:spcAft>
+                          <a:spcPts val="0"/>
+                        </a:spcAft>
+                      </a:pPr>
+                      <a:r>
+                        <a:rPr lang="en-US" sz="1100">
+                          <a:effectLst/>
+                        </a:rPr>
+                        <a:t>Request made by PC to initialize connected EasyPorts.</a:t>
+                      </a:r>
+                      <a:endParaRPr lang="en-US" sz="1100">
+                        <a:effectLst/>
+                        <a:latin typeface="Calibri"/>
+                        <a:ea typeface="SimSun"/>
+                        <a:cs typeface="Times New Roman"/>
+                      </a:endParaRPr>
+                    </a:p>
+                  </a:txBody>
+                  <a:tcPr marL="68580" marR="68580" marT="0" marB="0"/>
+                </a:tc>
+              </a:tr>
+              <a:tr h="392699">
+                <a:tc>
+                  <a:txBody>
+                    <a:bodyPr/>
+                    <a:lstStyle/>
+                    <a:p>
+                      <a:pPr marL="0" marR="0">
+                        <a:lnSpc>
+                          <a:spcPct val="115000"/>
+                        </a:lnSpc>
+                        <a:spcBef>
+                          <a:spcPts val="0"/>
+                        </a:spcBef>
+                        <a:spcAft>
+                          <a:spcPts val="0"/>
+                        </a:spcAft>
+                      </a:pPr>
+                      <a:r>
+                        <a:rPr lang="en-US" sz="1100">
+                          <a:effectLst/>
+                        </a:rPr>
+                        <a:t>setup[1-4]</a:t>
+                      </a:r>
+                      <a:endParaRPr lang="en-US" sz="1100">
+                        <a:effectLst/>
+                        <a:latin typeface="Calibri"/>
+                        <a:ea typeface="SimSun"/>
+                        <a:cs typeface="Times New Roman"/>
+                      </a:endParaRPr>
+                    </a:p>
+                  </a:txBody>
+                  <a:tcPr marL="68580" marR="68580" marT="0" marB="0"/>
+                </a:tc>
+                <a:tc>
+                  <a:txBody>
+                    <a:bodyPr/>
+                    <a:lstStyle/>
+                    <a:p>
+                      <a:pPr marL="0" marR="0">
+                        <a:lnSpc>
+                          <a:spcPct val="115000"/>
+                        </a:lnSpc>
+                        <a:spcBef>
+                          <a:spcPts val="0"/>
+                        </a:spcBef>
+                        <a:spcAft>
+                          <a:spcPts val="0"/>
+                        </a:spcAft>
+                      </a:pPr>
+                      <a:r>
+                        <a:rPr lang="en-US" sz="1100">
+                          <a:effectLst/>
+                        </a:rPr>
+                        <a:t>EasyPort response to setup0 command requesting a module number 1-4.</a:t>
+                      </a:r>
+                      <a:endParaRPr lang="en-US" sz="1100">
+                        <a:effectLst/>
+                        <a:latin typeface="Calibri"/>
+                        <a:ea typeface="SimSun"/>
+                        <a:cs typeface="Times New Roman"/>
+                      </a:endParaRPr>
+                    </a:p>
+                  </a:txBody>
+                  <a:tcPr marL="68580" marR="68580" marT="0" marB="0"/>
+                </a:tc>
+              </a:tr>
+              <a:tr h="190419">
+                <a:tc>
+                  <a:txBody>
+                    <a:bodyPr/>
+                    <a:lstStyle/>
+                    <a:p>
+                      <a:pPr marL="0" marR="0">
+                        <a:lnSpc>
+                          <a:spcPct val="115000"/>
+                        </a:lnSpc>
+                        <a:spcBef>
+                          <a:spcPts val="0"/>
+                        </a:spcBef>
+                        <a:spcAft>
+                          <a:spcPts val="0"/>
+                        </a:spcAft>
+                      </a:pPr>
+                      <a:r>
+                        <a:rPr lang="en-US" sz="1100">
+                          <a:effectLst/>
+                        </a:rPr>
+                        <a:t>DV</a:t>
+                      </a:r>
+                      <a:endParaRPr lang="en-US" sz="1100">
+                        <a:effectLst/>
+                        <a:latin typeface="Calibri"/>
+                        <a:ea typeface="SimSun"/>
+                        <a:cs typeface="Times New Roman"/>
+                      </a:endParaRPr>
+                    </a:p>
+                  </a:txBody>
+                  <a:tcPr marL="68580" marR="68580" marT="0" marB="0"/>
+                </a:tc>
+                <a:tc>
+                  <a:txBody>
+                    <a:bodyPr/>
+                    <a:lstStyle/>
+                    <a:p>
+                      <a:pPr marL="0" marR="0">
+                        <a:lnSpc>
+                          <a:spcPct val="115000"/>
+                        </a:lnSpc>
+                        <a:spcBef>
+                          <a:spcPts val="0"/>
+                        </a:spcBef>
+                        <a:spcAft>
+                          <a:spcPts val="0"/>
+                        </a:spcAft>
+                      </a:pPr>
+                      <a:r>
+                        <a:rPr lang="en-US" sz="1100">
+                          <a:effectLst/>
+                        </a:rPr>
+                        <a:t>Request by PC to get EasyPort version</a:t>
+                      </a:r>
+                      <a:endParaRPr lang="en-US" sz="1100">
+                        <a:effectLst/>
+                        <a:latin typeface="Calibri"/>
+                        <a:ea typeface="SimSun"/>
+                        <a:cs typeface="Times New Roman"/>
+                      </a:endParaRPr>
+                    </a:p>
+                  </a:txBody>
+                  <a:tcPr marL="68580" marR="68580" marT="0" marB="0"/>
+                </a:tc>
+              </a:tr>
+              <a:tr h="594978">
+                <a:tc>
+                  <a:txBody>
+                    <a:bodyPr/>
+                    <a:lstStyle/>
+                    <a:p>
+                      <a:pPr marL="0" marR="0">
+                        <a:lnSpc>
+                          <a:spcPct val="115000"/>
+                        </a:lnSpc>
+                        <a:spcBef>
+                          <a:spcPts val="0"/>
+                        </a:spcBef>
+                        <a:spcAft>
+                          <a:spcPts val="0"/>
+                        </a:spcAft>
+                      </a:pPr>
+                      <a:r>
+                        <a:rPr lang="en-US" sz="1100">
+                          <a:effectLst/>
+                        </a:rPr>
+                        <a:t>V=\d.\d{2}</a:t>
+                      </a:r>
+                      <a:endParaRPr lang="en-US" sz="1100">
+                        <a:effectLst/>
+                        <a:latin typeface="Calibri"/>
+                        <a:ea typeface="SimSun"/>
+                        <a:cs typeface="Times New Roman"/>
+                      </a:endParaRPr>
+                    </a:p>
+                  </a:txBody>
+                  <a:tcPr marL="68580" marR="68580" marT="0" marB="0"/>
+                </a:tc>
+                <a:tc>
+                  <a:txBody>
+                    <a:bodyPr/>
+                    <a:lstStyle/>
+                    <a:p>
+                      <a:pPr marL="0" marR="0">
+                        <a:lnSpc>
+                          <a:spcPct val="115000"/>
+                        </a:lnSpc>
+                        <a:spcBef>
+                          <a:spcPts val="0"/>
+                        </a:spcBef>
+                        <a:spcAft>
+                          <a:spcPts val="0"/>
+                        </a:spcAft>
+                      </a:pPr>
+                      <a:r>
+                        <a:rPr lang="en-US" sz="1100">
+                          <a:effectLst/>
+                        </a:rPr>
+                        <a:t>Response to version request containing the version number of the EasyPort. Must exceed (1.20).</a:t>
+                      </a:r>
+                      <a:endParaRPr lang="en-US" sz="1100">
+                        <a:effectLst/>
+                        <a:latin typeface="Calibri"/>
+                        <a:ea typeface="SimSun"/>
+                        <a:cs typeface="Times New Roman"/>
+                      </a:endParaRPr>
+                    </a:p>
+                  </a:txBody>
+                  <a:tcPr marL="68580" marR="68580" marT="0" marB="0"/>
+                </a:tc>
+              </a:tr>
+              <a:tr h="594978">
+                <a:tc>
+                  <a:txBody>
+                    <a:bodyPr/>
+                    <a:lstStyle/>
+                    <a:p>
+                      <a:pPr marL="0" marR="0">
+                        <a:lnSpc>
+                          <a:spcPct val="115000"/>
+                        </a:lnSpc>
+                        <a:spcBef>
+                          <a:spcPts val="0"/>
+                        </a:spcBef>
+                        <a:spcAft>
+                          <a:spcPts val="0"/>
+                        </a:spcAft>
+                      </a:pPr>
+                      <a:r>
+                        <a:rPr lang="en-US" sz="1100">
+                          <a:effectLst/>
+                        </a:rPr>
+                        <a:t>MAW=[1-4].[0248]=[0-F]{4}</a:t>
+                      </a:r>
+                      <a:endParaRPr lang="en-US" sz="1100">
+                        <a:effectLst/>
+                        <a:latin typeface="Calibri"/>
+                        <a:ea typeface="SimSun"/>
+                        <a:cs typeface="Times New Roman"/>
+                      </a:endParaRPr>
+                    </a:p>
+                  </a:txBody>
+                  <a:tcPr marL="68580" marR="68580" marT="0" marB="0"/>
+                </a:tc>
+                <a:tc>
+                  <a:txBody>
+                    <a:bodyPr/>
+                    <a:lstStyle/>
+                    <a:p>
+                      <a:pPr marL="0" marR="0">
+                        <a:lnSpc>
+                          <a:spcPct val="115000"/>
+                        </a:lnSpc>
+                        <a:spcBef>
+                          <a:spcPts val="0"/>
+                        </a:spcBef>
+                        <a:spcAft>
+                          <a:spcPts val="0"/>
+                        </a:spcAft>
+                      </a:pPr>
+                      <a:r>
+                        <a:rPr lang="en-US" sz="1100">
+                          <a:effectLst/>
+                        </a:rPr>
+                        <a:t>Modify the 16 bit output value of EasyPort module [1-4], channel log</a:t>
+                      </a:r>
+                      <a:r>
+                        <a:rPr lang="en-US" sz="1100" baseline="-25000">
+                          <a:effectLst/>
+                        </a:rPr>
+                        <a:t>2</a:t>
+                      </a:r>
+                      <a:r>
+                        <a:rPr lang="en-US" sz="1100">
+                          <a:effectLst/>
+                        </a:rPr>
+                        <a:t>([0248]) to be the value represented by hex number [0-F]{4}.</a:t>
+                      </a:r>
+                      <a:endParaRPr lang="en-US" sz="1100">
+                        <a:effectLst/>
+                        <a:latin typeface="Calibri"/>
+                        <a:ea typeface="SimSun"/>
+                        <a:cs typeface="Times New Roman"/>
+                      </a:endParaRPr>
+                    </a:p>
+                  </a:txBody>
+                  <a:tcPr marL="68580" marR="68580" marT="0" marB="0"/>
+                </a:tc>
+              </a:tr>
+              <a:tr h="392699">
+                <a:tc>
+                  <a:txBody>
+                    <a:bodyPr/>
+                    <a:lstStyle/>
+                    <a:p>
+                      <a:pPr marL="0" marR="0">
+                        <a:lnSpc>
+                          <a:spcPct val="115000"/>
+                        </a:lnSpc>
+                        <a:spcBef>
+                          <a:spcPts val="0"/>
+                        </a:spcBef>
+                        <a:spcAft>
+                          <a:spcPts val="0"/>
+                        </a:spcAft>
+                      </a:pPr>
+                      <a:r>
+                        <a:rPr lang="en-US" sz="1100">
+                          <a:effectLst/>
+                        </a:rPr>
+                        <a:t>DEW[1-4].[0248]</a:t>
+                      </a:r>
+                      <a:endParaRPr lang="en-US" sz="1100">
+                        <a:effectLst/>
+                        <a:latin typeface="Calibri"/>
+                        <a:ea typeface="SimSun"/>
+                        <a:cs typeface="Times New Roman"/>
+                      </a:endParaRPr>
+                    </a:p>
+                  </a:txBody>
+                  <a:tcPr marL="68580" marR="68580" marT="0" marB="0"/>
+                </a:tc>
+                <a:tc>
+                  <a:txBody>
+                    <a:bodyPr/>
+                    <a:lstStyle/>
+                    <a:p>
+                      <a:pPr marL="0" marR="0">
+                        <a:lnSpc>
+                          <a:spcPct val="115000"/>
+                        </a:lnSpc>
+                        <a:spcBef>
+                          <a:spcPts val="0"/>
+                        </a:spcBef>
+                        <a:spcAft>
+                          <a:spcPts val="0"/>
+                        </a:spcAft>
+                      </a:pPr>
+                      <a:r>
+                        <a:rPr lang="en-US" sz="1100">
+                          <a:effectLst/>
+                        </a:rPr>
+                        <a:t>Request the current input values from module [1-4], channel log</a:t>
+                      </a:r>
+                      <a:r>
+                        <a:rPr lang="en-US" sz="1100" baseline="-25000">
+                          <a:effectLst/>
+                        </a:rPr>
+                        <a:t>2</a:t>
+                      </a:r>
+                      <a:r>
+                        <a:rPr lang="en-US" sz="1100">
+                          <a:effectLst/>
+                        </a:rPr>
+                        <a:t>([0248]) </a:t>
+                      </a:r>
+                      <a:endParaRPr lang="en-US" sz="1100">
+                        <a:effectLst/>
+                        <a:latin typeface="Calibri"/>
+                        <a:ea typeface="SimSun"/>
+                        <a:cs typeface="Times New Roman"/>
+                      </a:endParaRPr>
+                    </a:p>
+                  </a:txBody>
+                  <a:tcPr marL="68580" marR="68580" marT="0" marB="0"/>
+                </a:tc>
+              </a:tr>
+              <a:tr h="999535">
+                <a:tc>
+                  <a:txBody>
+                    <a:bodyPr/>
+                    <a:lstStyle/>
+                    <a:p>
+                      <a:pPr marL="0" marR="0">
+                        <a:lnSpc>
+                          <a:spcPct val="115000"/>
+                        </a:lnSpc>
+                        <a:spcBef>
+                          <a:spcPts val="0"/>
+                        </a:spcBef>
+                        <a:spcAft>
+                          <a:spcPts val="0"/>
+                        </a:spcAft>
+                      </a:pPr>
+                      <a:r>
+                        <a:rPr lang="en-US" sz="1100">
+                          <a:effectLst/>
+                        </a:rPr>
+                        <a:t>EW[1-4].[0248]=[0-F]{4}</a:t>
+                      </a:r>
+                      <a:endParaRPr lang="en-US" sz="1100">
+                        <a:effectLst/>
+                        <a:latin typeface="Calibri"/>
+                        <a:ea typeface="SimSun"/>
+                        <a:cs typeface="Times New Roman"/>
+                      </a:endParaRPr>
+                    </a:p>
+                  </a:txBody>
+                  <a:tcPr marL="68580" marR="68580" marT="0" marB="0"/>
+                </a:tc>
+                <a:tc>
+                  <a:txBody>
+                    <a:bodyPr/>
+                    <a:lstStyle/>
+                    <a:p>
+                      <a:pPr marL="0" marR="0">
+                        <a:lnSpc>
+                          <a:spcPct val="115000"/>
+                        </a:lnSpc>
+                        <a:spcBef>
+                          <a:spcPts val="0"/>
+                        </a:spcBef>
+                        <a:spcAft>
+                          <a:spcPts val="0"/>
+                        </a:spcAft>
+                      </a:pPr>
+                      <a:r>
+                        <a:rPr lang="en-US" sz="1100">
+                          <a:effectLst/>
+                        </a:rPr>
+                        <a:t>Response to input value request. The current value of the inputs is represented by a four digit hex number. DAW command is sent in response requesting the current out values the EasyPort has. A response to DAW is not required.</a:t>
+                      </a:r>
+                      <a:endParaRPr lang="en-US" sz="1100">
+                        <a:effectLst/>
+                        <a:latin typeface="Calibri"/>
+                        <a:ea typeface="SimSun"/>
+                        <a:cs typeface="Times New Roman"/>
+                      </a:endParaRPr>
+                    </a:p>
+                  </a:txBody>
+                  <a:tcPr marL="68580" marR="68580" marT="0" marB="0"/>
+                </a:tc>
+              </a:tr>
+              <a:tr h="594978">
+                <a:tc>
+                  <a:txBody>
+                    <a:bodyPr/>
+                    <a:lstStyle/>
+                    <a:p>
+                      <a:pPr marL="0" marR="0">
+                        <a:lnSpc>
+                          <a:spcPct val="115000"/>
+                        </a:lnSpc>
+                        <a:spcBef>
+                          <a:spcPts val="0"/>
+                        </a:spcBef>
+                        <a:spcAft>
+                          <a:spcPts val="0"/>
+                        </a:spcAft>
+                      </a:pPr>
+                      <a:r>
+                        <a:rPr lang="en-US" sz="1100" dirty="0">
+                          <a:effectLst/>
+                        </a:rPr>
+                        <a:t>DAW[1-4].[0248]</a:t>
+                      </a:r>
+                      <a:endParaRPr lang="en-US" sz="1100" dirty="0">
+                        <a:effectLst/>
+                        <a:latin typeface="Calibri"/>
+                        <a:ea typeface="SimSun"/>
+                        <a:cs typeface="Times New Roman"/>
+                      </a:endParaRPr>
+                    </a:p>
+                  </a:txBody>
+                  <a:tcPr marL="68580" marR="68580" marT="0" marB="0"/>
+                </a:tc>
+                <a:tc>
+                  <a:txBody>
+                    <a:bodyPr/>
+                    <a:lstStyle/>
+                    <a:p>
+                      <a:pPr marL="0" marR="0">
+                        <a:lnSpc>
+                          <a:spcPct val="115000"/>
+                        </a:lnSpc>
+                        <a:spcBef>
+                          <a:spcPts val="0"/>
+                        </a:spcBef>
+                        <a:spcAft>
+                          <a:spcPts val="0"/>
+                        </a:spcAft>
+                      </a:pPr>
+                      <a:r>
+                        <a:rPr lang="en-US" sz="1100" dirty="0">
+                          <a:effectLst/>
+                        </a:rPr>
+                        <a:t>Request the current output values from module [1-4], channel log</a:t>
+                      </a:r>
+                      <a:r>
+                        <a:rPr lang="en-US" sz="1100" baseline="-25000" dirty="0">
+                          <a:effectLst/>
+                        </a:rPr>
+                        <a:t>2</a:t>
+                      </a:r>
+                      <a:r>
+                        <a:rPr lang="en-US" sz="1100" dirty="0">
+                          <a:effectLst/>
+                        </a:rPr>
+                        <a:t>([0248]) . A response is not required in this application.</a:t>
+                      </a:r>
+                      <a:endParaRPr lang="en-US" sz="1100" dirty="0">
+                        <a:effectLst/>
+                        <a:latin typeface="Calibri"/>
+                        <a:ea typeface="SimSun"/>
+                        <a:cs typeface="Times New Roman"/>
+                      </a:endParaRPr>
+                    </a:p>
+                  </a:txBody>
+                  <a:tcPr marL="68580" marR="68580" marT="0" marB="0"/>
+                </a:tc>
+              </a:tr>
+            </a:tbl>
+          </a:graphicData>
+        </a:graphic>
+      </p:graphicFrame>
+    </p:spTree>
+    <p:extLst>
+      <p:ext uri="{BB962C8B-B14F-4D97-AF65-F5344CB8AC3E}">
+        <p14:creationId xmlns:p14="http://schemas.microsoft.com/office/powerpoint/2010/main" val="3653330332"/>
+      </p:ext>
+    </p:extLst>
+  </p:cSld>
+  <p:clrMapOvr>
+    <a:masterClrMapping/>
+  </p:clrMapOvr>
+  <p:timing>
+    <p:tnLst>
+      <p:par>
+        <p:cTn id="1" dur="indefinite" restart="never" nodeType="tmRoot"/>
+      </p:par>
+    </p:tnLst>
+  </p:timing>
 </p:sld>
 </file>
 

--- a/docs/presentation/Defense.pptx
+++ b/docs/presentation/Defense.pptx
@@ -27,6 +27,11 @@
     <p:sldId id="275" r:id="rId21"/>
     <p:sldId id="277" r:id="rId22"/>
     <p:sldId id="276" r:id="rId23"/>
+    <p:sldId id="278" r:id="rId24"/>
+    <p:sldId id="279" r:id="rId25"/>
+    <p:sldId id="280" r:id="rId26"/>
+    <p:sldId id="281" r:id="rId27"/>
+    <p:sldId id="282" r:id="rId28"/>
   </p:sldIdLst>
   <p:sldSz cx="9144000" cy="6858000" type="screen4x3"/>
   <p:notesSz cx="6858000" cy="9144000"/>
@@ -5367,6 +5372,13 @@
   <p:clrMapOvr>
     <a:masterClrMapping/>
   </p:clrMapOvr>
+  <p:timing>
+    <p:tnLst>
+      <p:par>
+        <p:cTn id="1" dur="indefinite" restart="never" nodeType="tmRoot"/>
+      </p:par>
+    </p:tnLst>
+  </p:timing>
 </p:sld>
 </file>
 
@@ -5475,6 +5487,794 @@
 </p:sld>
 </file>
 
+<file path=ppt/slides/slide23.xml><?xml version="1.0" encoding="utf-8"?>
+<p:sld xmlns:a="http://schemas.openxmlformats.org/drawingml/2006/main" xmlns:r="http://schemas.openxmlformats.org/officeDocument/2006/relationships" xmlns:p="http://schemas.openxmlformats.org/presentationml/2006/main">
+  <p:cSld>
+    <p:spTree>
+      <p:nvGrpSpPr>
+        <p:cNvPr id="1" name=""/>
+        <p:cNvGrpSpPr/>
+        <p:nvPr/>
+      </p:nvGrpSpPr>
+      <p:grpSpPr>
+        <a:xfrm>
+          <a:off x="0" y="0"/>
+          <a:ext cx="0" cy="0"/>
+          <a:chOff x="0" y="0"/>
+          <a:chExt cx="0" cy="0"/>
+        </a:xfrm>
+      </p:grpSpPr>
+      <p:sp>
+        <p:nvSpPr>
+          <p:cNvPr id="2" name="Title 1"/>
+          <p:cNvSpPr>
+            <a:spLocks noGrp="1"/>
+          </p:cNvSpPr>
+          <p:nvPr>
+            <p:ph type="title"/>
+          </p:nvPr>
+        </p:nvSpPr>
+        <p:spPr/>
+        <p:txBody>
+          <a:bodyPr/>
+          <a:lstStyle/>
+          <a:p>
+            <a:r>
+              <a:rPr lang="en-US" dirty="0" smtClean="0"/>
+              <a:t>Using in a </a:t>
+            </a:r>
+            <a:r>
+              <a:rPr lang="en-US" dirty="0" err="1" smtClean="0"/>
+              <a:t>VxWorks</a:t>
+            </a:r>
+            <a:r>
+              <a:rPr lang="en-US" dirty="0" smtClean="0"/>
+              <a:t> Program</a:t>
+            </a:r>
+            <a:endParaRPr lang="en-US" dirty="0"/>
+          </a:p>
+        </p:txBody>
+      </p:sp>
+      <p:sp>
+        <p:nvSpPr>
+          <p:cNvPr id="3" name="Content Placeholder 2"/>
+          <p:cNvSpPr>
+            <a:spLocks noGrp="1"/>
+          </p:cNvSpPr>
+          <p:nvPr>
+            <p:ph idx="1"/>
+          </p:nvPr>
+        </p:nvSpPr>
+        <p:spPr>
+          <a:xfrm>
+            <a:off x="457200" y="1600200"/>
+            <a:ext cx="8229600" cy="1752599"/>
+          </a:xfrm>
+        </p:spPr>
+        <p:txBody>
+          <a:bodyPr>
+            <a:normAutofit lnSpcReduction="10000"/>
+          </a:bodyPr>
+          <a:lstStyle/>
+          <a:p>
+            <a:r>
+              <a:rPr lang="en-US" sz="2600" dirty="0" smtClean="0"/>
+              <a:t>User must control the I/O mode of the Digital I/O Card</a:t>
+            </a:r>
+          </a:p>
+          <a:p>
+            <a:r>
+              <a:rPr lang="en-US" sz="2600" dirty="0" smtClean="0"/>
+              <a:t>Switching between modes takes some time</a:t>
+            </a:r>
+          </a:p>
+          <a:p>
+            <a:pPr lvl="1"/>
+            <a:r>
+              <a:rPr lang="en-US" sz="2200" dirty="0" smtClean="0"/>
+              <a:t>about 500 micro seconds</a:t>
+            </a:r>
+          </a:p>
+          <a:p>
+            <a:pPr lvl="1"/>
+            <a:r>
+              <a:rPr lang="en-US" sz="2200" dirty="0" smtClean="0"/>
+              <a:t>This can lead to an occasional timing glitch</a:t>
+            </a:r>
+          </a:p>
+          <a:p>
+            <a:endParaRPr lang="en-US" sz="2600" dirty="0" smtClean="0"/>
+          </a:p>
+          <a:p>
+            <a:endParaRPr lang="en-US" dirty="0"/>
+          </a:p>
+        </p:txBody>
+      </p:sp>
+      <p:sp>
+        <p:nvSpPr>
+          <p:cNvPr id="4" name="TextBox 3"/>
+          <p:cNvSpPr txBox="1"/>
+          <p:nvPr/>
+        </p:nvSpPr>
+        <p:spPr>
+          <a:xfrm>
+            <a:off x="762000" y="3429000"/>
+            <a:ext cx="7696200" cy="3108543"/>
+          </a:xfrm>
+          <a:prstGeom prst="rect">
+            <a:avLst/>
+          </a:prstGeom>
+          <a:noFill/>
+          <a:ln>
+            <a:solidFill>
+              <a:schemeClr val="tx1"/>
+            </a:solidFill>
+          </a:ln>
+        </p:spPr>
+        <p:txBody>
+          <a:bodyPr wrap="square" rtlCol="0">
+            <a:spAutoFit/>
+          </a:bodyPr>
+          <a:lstStyle/>
+          <a:p>
+            <a:r>
+              <a:rPr lang="en-US" sz="1400" b="1" dirty="0"/>
+              <a:t>void</a:t>
+            </a:r>
+            <a:r>
+              <a:rPr lang="en-US" sz="1400" dirty="0"/>
+              <a:t> </a:t>
+            </a:r>
+            <a:r>
+              <a:rPr lang="en-US" sz="1400" dirty="0" err="1"/>
+              <a:t>setActuatorValues</a:t>
+            </a:r>
+            <a:r>
+              <a:rPr lang="en-US" sz="1400" dirty="0"/>
+              <a:t>(</a:t>
+            </a:r>
+            <a:r>
+              <a:rPr lang="en-US" sz="1400" b="1" dirty="0" err="1"/>
+              <a:t>int</a:t>
+            </a:r>
+            <a:r>
+              <a:rPr lang="en-US" sz="1400" dirty="0"/>
+              <a:t> Actuators){</a:t>
+            </a:r>
+          </a:p>
+          <a:p>
+            <a:r>
+              <a:rPr lang="en-US" sz="1400" dirty="0"/>
+              <a:t>	</a:t>
+            </a:r>
+            <a:r>
+              <a:rPr lang="en-US" sz="1400" dirty="0" err="1"/>
+              <a:t>sysOutByte</a:t>
+            </a:r>
+            <a:r>
+              <a:rPr lang="en-US" sz="1400" dirty="0"/>
+              <a:t>(0x184,0x01); /* Re enable outputs */</a:t>
+            </a:r>
+          </a:p>
+          <a:p>
+            <a:r>
+              <a:rPr lang="en-US" sz="1400" dirty="0"/>
+              <a:t>	</a:t>
+            </a:r>
+            <a:r>
+              <a:rPr lang="en-US" sz="1400" dirty="0" err="1"/>
+              <a:t>sysOutByte</a:t>
+            </a:r>
+            <a:r>
+              <a:rPr lang="en-US" sz="1400" dirty="0"/>
+              <a:t>(0x183,(Actuators &amp; 0xFF00) &gt;&gt; 8);</a:t>
+            </a:r>
+          </a:p>
+          <a:p>
+            <a:r>
+              <a:rPr lang="en-US" sz="1400" dirty="0"/>
+              <a:t>	</a:t>
+            </a:r>
+            <a:r>
+              <a:rPr lang="en-US" sz="1400" dirty="0" err="1"/>
+              <a:t>sysOutByte</a:t>
+            </a:r>
+            <a:r>
+              <a:rPr lang="en-US" sz="1400" dirty="0"/>
+              <a:t>(0x181,(Actuators &amp; 0x00FF));</a:t>
+            </a:r>
+          </a:p>
+          <a:p>
+            <a:r>
+              <a:rPr lang="en-US" sz="1400" dirty="0"/>
+              <a:t>}</a:t>
+            </a:r>
+          </a:p>
+          <a:p>
+            <a:r>
+              <a:rPr lang="en-US" sz="1400" dirty="0"/>
+              <a:t> </a:t>
+            </a:r>
+          </a:p>
+          <a:p>
+            <a:r>
+              <a:rPr lang="en-US" sz="1400" b="1" dirty="0" err="1"/>
+              <a:t>int</a:t>
+            </a:r>
+            <a:r>
+              <a:rPr lang="en-US" sz="1400" dirty="0"/>
+              <a:t> </a:t>
+            </a:r>
+            <a:r>
+              <a:rPr lang="en-US" sz="1400" dirty="0" err="1"/>
+              <a:t>getSensorValues</a:t>
+            </a:r>
+            <a:r>
+              <a:rPr lang="en-US" sz="1400" dirty="0"/>
+              <a:t>()</a:t>
+            </a:r>
+          </a:p>
+          <a:p>
+            <a:r>
+              <a:rPr lang="en-US" sz="1400" dirty="0"/>
+              <a:t>{</a:t>
+            </a:r>
+          </a:p>
+          <a:p>
+            <a:r>
+              <a:rPr lang="en-US" sz="1400" dirty="0"/>
+              <a:t>	</a:t>
+            </a:r>
+            <a:r>
+              <a:rPr lang="en-US" sz="1400" b="1" dirty="0" err="1"/>
+              <a:t>int</a:t>
+            </a:r>
+            <a:r>
+              <a:rPr lang="en-US" sz="1400" dirty="0"/>
+              <a:t> </a:t>
+            </a:r>
+            <a:r>
+              <a:rPr lang="en-US" sz="1400" dirty="0" err="1"/>
+              <a:t>iSensors</a:t>
+            </a:r>
+            <a:r>
+              <a:rPr lang="en-US" sz="1400" dirty="0"/>
+              <a:t> = 0;</a:t>
+            </a:r>
+          </a:p>
+          <a:p>
+            <a:r>
+              <a:rPr lang="en-US" sz="1400" dirty="0"/>
+              <a:t>	</a:t>
+            </a:r>
+            <a:r>
+              <a:rPr lang="en-US" sz="1400" dirty="0" err="1"/>
+              <a:t>sysOutByte</a:t>
+            </a:r>
+            <a:r>
+              <a:rPr lang="en-US" sz="1400" dirty="0"/>
+              <a:t>(0x184,0x00); /* Disable outputs */</a:t>
+            </a:r>
+          </a:p>
+          <a:p>
+            <a:r>
+              <a:rPr lang="en-US" sz="1400" dirty="0"/>
+              <a:t>	</a:t>
+            </a:r>
+            <a:r>
+              <a:rPr lang="en-US" sz="1400" dirty="0" err="1"/>
+              <a:t>iSensors</a:t>
+            </a:r>
+            <a:r>
+              <a:rPr lang="en-US" sz="1400" dirty="0"/>
+              <a:t> = (</a:t>
+            </a:r>
+            <a:r>
+              <a:rPr lang="en-US" sz="1400" dirty="0" err="1"/>
+              <a:t>sysInByte</a:t>
+            </a:r>
+            <a:r>
+              <a:rPr lang="en-US" sz="1400" dirty="0"/>
+              <a:t>(0x182) &lt;&lt; 8) | (</a:t>
+            </a:r>
+            <a:r>
+              <a:rPr lang="en-US" sz="1400" dirty="0" err="1"/>
+              <a:t>sysInByte</a:t>
+            </a:r>
+            <a:r>
+              <a:rPr lang="en-US" sz="1400" dirty="0"/>
+              <a:t>(0x180));</a:t>
+            </a:r>
+          </a:p>
+          <a:p>
+            <a:r>
+              <a:rPr lang="en-US" sz="1400" dirty="0"/>
+              <a:t>	</a:t>
+            </a:r>
+            <a:r>
+              <a:rPr lang="en-US" sz="1400" dirty="0" err="1"/>
+              <a:t>sysOutByte</a:t>
+            </a:r>
+            <a:r>
+              <a:rPr lang="en-US" sz="1400" dirty="0"/>
+              <a:t>(0x184,0x01); /* Re enable outputs */</a:t>
+            </a:r>
+          </a:p>
+          <a:p>
+            <a:r>
+              <a:rPr lang="en-US" sz="1400" dirty="0"/>
+              <a:t>	</a:t>
+            </a:r>
+            <a:r>
+              <a:rPr lang="en-US" sz="1400" b="1" dirty="0"/>
+              <a:t>return</a:t>
+            </a:r>
+            <a:r>
+              <a:rPr lang="en-US" sz="1400" dirty="0"/>
+              <a:t> </a:t>
+            </a:r>
+            <a:r>
+              <a:rPr lang="en-US" sz="1400" dirty="0" err="1"/>
+              <a:t>iSensors</a:t>
+            </a:r>
+            <a:r>
+              <a:rPr lang="en-US" sz="1400" dirty="0"/>
+              <a:t>;</a:t>
+            </a:r>
+          </a:p>
+          <a:p>
+            <a:r>
+              <a:rPr lang="en-US" sz="1400" dirty="0" smtClean="0"/>
+              <a:t>}</a:t>
+            </a:r>
+            <a:endParaRPr lang="en-US" sz="1400" dirty="0"/>
+          </a:p>
+        </p:txBody>
+      </p:sp>
+    </p:spTree>
+    <p:extLst>
+      <p:ext uri="{BB962C8B-B14F-4D97-AF65-F5344CB8AC3E}">
+        <p14:creationId xmlns:p14="http://schemas.microsoft.com/office/powerpoint/2010/main" val="3808882309"/>
+      </p:ext>
+    </p:extLst>
+  </p:cSld>
+  <p:clrMapOvr>
+    <a:masterClrMapping/>
+  </p:clrMapOvr>
+  <p:timing>
+    <p:tnLst>
+      <p:par>
+        <p:cTn id="1" dur="indefinite" restart="never" nodeType="tmRoot"/>
+      </p:par>
+    </p:tnLst>
+  </p:timing>
+</p:sld>
+</file>
+
+<file path=ppt/slides/slide24.xml><?xml version="1.0" encoding="utf-8"?>
+<p:sld xmlns:a="http://schemas.openxmlformats.org/drawingml/2006/main" xmlns:r="http://schemas.openxmlformats.org/officeDocument/2006/relationships" xmlns:p="http://schemas.openxmlformats.org/presentationml/2006/main">
+  <p:cSld>
+    <p:spTree>
+      <p:nvGrpSpPr>
+        <p:cNvPr id="1" name=""/>
+        <p:cNvGrpSpPr/>
+        <p:nvPr/>
+      </p:nvGrpSpPr>
+      <p:grpSpPr>
+        <a:xfrm>
+          <a:off x="0" y="0"/>
+          <a:ext cx="0" cy="0"/>
+          <a:chOff x="0" y="0"/>
+          <a:chExt cx="0" cy="0"/>
+        </a:xfrm>
+      </p:grpSpPr>
+      <p:sp>
+        <p:nvSpPr>
+          <p:cNvPr id="2" name="Title 1"/>
+          <p:cNvSpPr>
+            <a:spLocks noGrp="1"/>
+          </p:cNvSpPr>
+          <p:nvPr>
+            <p:ph type="title"/>
+          </p:nvPr>
+        </p:nvSpPr>
+        <p:spPr/>
+        <p:txBody>
+          <a:bodyPr>
+            <a:normAutofit fontScale="90000"/>
+          </a:bodyPr>
+          <a:lstStyle/>
+          <a:p>
+            <a:r>
+              <a:rPr lang="en-US" dirty="0" smtClean="0"/>
+              <a:t>Conclusions and Recommendations</a:t>
+            </a:r>
+            <a:endParaRPr lang="en-US" dirty="0"/>
+          </a:p>
+        </p:txBody>
+      </p:sp>
+      <p:sp>
+        <p:nvSpPr>
+          <p:cNvPr id="3" name="Content Placeholder 2"/>
+          <p:cNvSpPr>
+            <a:spLocks noGrp="1"/>
+          </p:cNvSpPr>
+          <p:nvPr>
+            <p:ph idx="1"/>
+          </p:nvPr>
+        </p:nvSpPr>
+        <p:spPr/>
+        <p:txBody>
+          <a:bodyPr>
+            <a:normAutofit lnSpcReduction="10000"/>
+          </a:bodyPr>
+          <a:lstStyle/>
+          <a:p>
+            <a:r>
+              <a:rPr lang="en-US" dirty="0" err="1" smtClean="0"/>
+              <a:t>MyEasyPort</a:t>
+            </a:r>
+            <a:r>
+              <a:rPr lang="en-US" dirty="0" smtClean="0"/>
+              <a:t> and </a:t>
+            </a:r>
+            <a:r>
+              <a:rPr lang="en-US" dirty="0" err="1" smtClean="0"/>
+              <a:t>MyEasyVeep</a:t>
+            </a:r>
+            <a:r>
+              <a:rPr lang="en-US" dirty="0" smtClean="0"/>
+              <a:t> provide an easy to use interface to many valuable simulations</a:t>
+            </a:r>
+          </a:p>
+          <a:p>
+            <a:r>
+              <a:rPr lang="en-US" dirty="0" smtClean="0"/>
+              <a:t>Students will have access to more systems with which they can interact</a:t>
+            </a:r>
+          </a:p>
+          <a:p>
+            <a:r>
+              <a:rPr lang="en-US" dirty="0" smtClean="0"/>
+              <a:t>Software simulations will not break and fail in the same manner as current systems used</a:t>
+            </a:r>
+          </a:p>
+          <a:p>
+            <a:r>
+              <a:rPr lang="en-US" dirty="0" smtClean="0"/>
+              <a:t>Additional system simulations can be created easily with Adobe Flash or any project the can produce Flash movies</a:t>
+            </a:r>
+            <a:endParaRPr lang="en-US" dirty="0"/>
+          </a:p>
+        </p:txBody>
+      </p:sp>
+    </p:spTree>
+    <p:extLst>
+      <p:ext uri="{BB962C8B-B14F-4D97-AF65-F5344CB8AC3E}">
+        <p14:creationId xmlns:p14="http://schemas.microsoft.com/office/powerpoint/2010/main" val="4108984089"/>
+      </p:ext>
+    </p:extLst>
+  </p:cSld>
+  <p:clrMapOvr>
+    <a:masterClrMapping/>
+  </p:clrMapOvr>
+  <p:timing>
+    <p:tnLst>
+      <p:par>
+        <p:cTn id="1" dur="indefinite" restart="never" nodeType="tmRoot"/>
+      </p:par>
+    </p:tnLst>
+  </p:timing>
+</p:sld>
+</file>
+
+<file path=ppt/slides/slide25.xml><?xml version="1.0" encoding="utf-8"?>
+<p:sld xmlns:a="http://schemas.openxmlformats.org/drawingml/2006/main" xmlns:r="http://schemas.openxmlformats.org/officeDocument/2006/relationships" xmlns:p="http://schemas.openxmlformats.org/presentationml/2006/main">
+  <p:cSld>
+    <p:spTree>
+      <p:nvGrpSpPr>
+        <p:cNvPr id="1" name=""/>
+        <p:cNvGrpSpPr/>
+        <p:nvPr/>
+      </p:nvGrpSpPr>
+      <p:grpSpPr>
+        <a:xfrm>
+          <a:off x="0" y="0"/>
+          <a:ext cx="0" cy="0"/>
+          <a:chOff x="0" y="0"/>
+          <a:chExt cx="0" cy="0"/>
+        </a:xfrm>
+      </p:grpSpPr>
+      <p:sp>
+        <p:nvSpPr>
+          <p:cNvPr id="2" name="Title 1"/>
+          <p:cNvSpPr>
+            <a:spLocks noGrp="1"/>
+          </p:cNvSpPr>
+          <p:nvPr>
+            <p:ph type="title"/>
+          </p:nvPr>
+        </p:nvSpPr>
+        <p:spPr/>
+        <p:txBody>
+          <a:bodyPr>
+            <a:normAutofit fontScale="90000"/>
+          </a:bodyPr>
+          <a:lstStyle/>
+          <a:p>
+            <a:r>
+              <a:rPr lang="en-US" dirty="0" smtClean="0"/>
+              <a:t>Conclusions and Recommendations (2)</a:t>
+            </a:r>
+            <a:endParaRPr lang="en-US" dirty="0"/>
+          </a:p>
+        </p:txBody>
+      </p:sp>
+      <p:sp>
+        <p:nvSpPr>
+          <p:cNvPr id="3" name="Content Placeholder 2"/>
+          <p:cNvSpPr>
+            <a:spLocks noGrp="1"/>
+          </p:cNvSpPr>
+          <p:nvPr>
+            <p:ph idx="1"/>
+          </p:nvPr>
+        </p:nvSpPr>
+        <p:spPr/>
+        <p:txBody>
+          <a:bodyPr/>
+          <a:lstStyle/>
+          <a:p>
+            <a:r>
+              <a:rPr lang="en-US" dirty="0" smtClean="0"/>
+              <a:t>In the future</a:t>
+            </a:r>
+          </a:p>
+          <a:p>
+            <a:pPr lvl="1"/>
+            <a:r>
+              <a:rPr lang="en-US" dirty="0" smtClean="0"/>
+              <a:t>Create additional simulations</a:t>
+            </a:r>
+          </a:p>
+          <a:p>
+            <a:pPr lvl="1"/>
+            <a:r>
+              <a:rPr lang="en-US" dirty="0" smtClean="0"/>
+              <a:t>Make a smaller, cleaner </a:t>
+            </a:r>
+            <a:r>
+              <a:rPr lang="en-US" dirty="0" err="1" smtClean="0"/>
+              <a:t>MyEasyPort</a:t>
+            </a:r>
+            <a:endParaRPr lang="en-US" dirty="0" smtClean="0"/>
+          </a:p>
+          <a:p>
+            <a:pPr lvl="1"/>
+            <a:r>
+              <a:rPr lang="en-US" dirty="0" smtClean="0"/>
+              <a:t>Resolve the small glitch from switching the I/O card from Input to Output mode</a:t>
+            </a:r>
+          </a:p>
+          <a:p>
+            <a:pPr lvl="1"/>
+            <a:r>
+              <a:rPr lang="en-US" dirty="0" smtClean="0"/>
+              <a:t>Add features to </a:t>
+            </a:r>
+            <a:r>
+              <a:rPr lang="en-US" dirty="0" err="1" smtClean="0"/>
+              <a:t>MyEasyVeep</a:t>
+            </a:r>
+            <a:r>
+              <a:rPr lang="en-US" dirty="0" smtClean="0"/>
+              <a:t> to assists student learning and comprehension further</a:t>
+            </a:r>
+          </a:p>
+          <a:p>
+            <a:pPr lvl="1"/>
+            <a:endParaRPr lang="en-US" dirty="0"/>
+          </a:p>
+        </p:txBody>
+      </p:sp>
+    </p:spTree>
+    <p:extLst>
+      <p:ext uri="{BB962C8B-B14F-4D97-AF65-F5344CB8AC3E}">
+        <p14:creationId xmlns:p14="http://schemas.microsoft.com/office/powerpoint/2010/main" val="1258771278"/>
+      </p:ext>
+    </p:extLst>
+  </p:cSld>
+  <p:clrMapOvr>
+    <a:masterClrMapping/>
+  </p:clrMapOvr>
+  <p:timing>
+    <p:tnLst>
+      <p:par>
+        <p:cTn id="1" dur="indefinite" restart="never" nodeType="tmRoot"/>
+      </p:par>
+    </p:tnLst>
+  </p:timing>
+</p:sld>
+</file>
+
+<file path=ppt/slides/slide26.xml><?xml version="1.0" encoding="utf-8"?>
+<p:sld xmlns:a="http://schemas.openxmlformats.org/drawingml/2006/main" xmlns:r="http://schemas.openxmlformats.org/officeDocument/2006/relationships" xmlns:p="http://schemas.openxmlformats.org/presentationml/2006/main">
+  <p:cSld>
+    <p:spTree>
+      <p:nvGrpSpPr>
+        <p:cNvPr id="1" name=""/>
+        <p:cNvGrpSpPr/>
+        <p:nvPr/>
+      </p:nvGrpSpPr>
+      <p:grpSpPr>
+        <a:xfrm>
+          <a:off x="0" y="0"/>
+          <a:ext cx="0" cy="0"/>
+          <a:chOff x="0" y="0"/>
+          <a:chExt cx="0" cy="0"/>
+        </a:xfrm>
+      </p:grpSpPr>
+      <p:sp>
+        <p:nvSpPr>
+          <p:cNvPr id="2" name="Title 1"/>
+          <p:cNvSpPr>
+            <a:spLocks noGrp="1"/>
+          </p:cNvSpPr>
+          <p:nvPr>
+            <p:ph type="title"/>
+          </p:nvPr>
+        </p:nvSpPr>
+        <p:spPr/>
+        <p:txBody>
+          <a:bodyPr/>
+          <a:lstStyle/>
+          <a:p>
+            <a:r>
+              <a:rPr lang="en-US" dirty="0" smtClean="0"/>
+              <a:t>Demonstration</a:t>
+            </a:r>
+            <a:endParaRPr lang="en-US" dirty="0"/>
+          </a:p>
+        </p:txBody>
+      </p:sp>
+      <p:sp>
+        <p:nvSpPr>
+          <p:cNvPr id="3" name="Content Placeholder 2"/>
+          <p:cNvSpPr>
+            <a:spLocks noGrp="1"/>
+          </p:cNvSpPr>
+          <p:nvPr>
+            <p:ph idx="1"/>
+          </p:nvPr>
+        </p:nvSpPr>
+        <p:spPr/>
+        <p:txBody>
+          <a:bodyPr/>
+          <a:lstStyle/>
+          <a:p>
+            <a:r>
+              <a:rPr lang="en-US" dirty="0" smtClean="0"/>
+              <a:t>Demonstration of the </a:t>
+            </a:r>
+            <a:r>
+              <a:rPr lang="en-US" dirty="0" err="1" smtClean="0"/>
+              <a:t>MyEasyPort</a:t>
+            </a:r>
+            <a:r>
+              <a:rPr lang="en-US" dirty="0" smtClean="0"/>
+              <a:t> and </a:t>
+            </a:r>
+            <a:r>
+              <a:rPr lang="en-US" dirty="0" err="1" smtClean="0"/>
+              <a:t>MyEasyVeep</a:t>
+            </a:r>
+            <a:r>
+              <a:rPr lang="en-US" dirty="0" smtClean="0"/>
+              <a:t> software will take place in LB161.</a:t>
+            </a:r>
+            <a:endParaRPr lang="en-US" dirty="0"/>
+          </a:p>
+        </p:txBody>
+      </p:sp>
+    </p:spTree>
+    <p:extLst>
+      <p:ext uri="{BB962C8B-B14F-4D97-AF65-F5344CB8AC3E}">
+        <p14:creationId xmlns:p14="http://schemas.microsoft.com/office/powerpoint/2010/main" val="34320513"/>
+      </p:ext>
+    </p:extLst>
+  </p:cSld>
+  <p:clrMapOvr>
+    <a:masterClrMapping/>
+  </p:clrMapOvr>
+  <p:timing>
+    <p:tnLst>
+      <p:par>
+        <p:cTn id="1" dur="indefinite" restart="never" nodeType="tmRoot"/>
+      </p:par>
+    </p:tnLst>
+  </p:timing>
+</p:sld>
+</file>
+
+<file path=ppt/slides/slide27.xml><?xml version="1.0" encoding="utf-8"?>
+<p:sld xmlns:a="http://schemas.openxmlformats.org/drawingml/2006/main" xmlns:r="http://schemas.openxmlformats.org/officeDocument/2006/relationships" xmlns:p="http://schemas.openxmlformats.org/presentationml/2006/main">
+  <p:cSld>
+    <p:spTree>
+      <p:nvGrpSpPr>
+        <p:cNvPr id="1" name=""/>
+        <p:cNvGrpSpPr/>
+        <p:nvPr/>
+      </p:nvGrpSpPr>
+      <p:grpSpPr>
+        <a:xfrm>
+          <a:off x="0" y="0"/>
+          <a:ext cx="0" cy="0"/>
+          <a:chOff x="0" y="0"/>
+          <a:chExt cx="0" cy="0"/>
+        </a:xfrm>
+      </p:grpSpPr>
+      <p:sp>
+        <p:nvSpPr>
+          <p:cNvPr id="2" name="Title 1"/>
+          <p:cNvSpPr>
+            <a:spLocks noGrp="1"/>
+          </p:cNvSpPr>
+          <p:nvPr>
+            <p:ph type="title"/>
+          </p:nvPr>
+        </p:nvSpPr>
+        <p:spPr/>
+        <p:txBody>
+          <a:bodyPr/>
+          <a:lstStyle/>
+          <a:p>
+            <a:r>
+              <a:rPr lang="en-US" dirty="0" smtClean="0"/>
+              <a:t>Questions?</a:t>
+            </a:r>
+            <a:endParaRPr lang="en-US" dirty="0"/>
+          </a:p>
+        </p:txBody>
+      </p:sp>
+      <p:sp>
+        <p:nvSpPr>
+          <p:cNvPr id="3" name="Content Placeholder 2"/>
+          <p:cNvSpPr>
+            <a:spLocks noGrp="1"/>
+          </p:cNvSpPr>
+          <p:nvPr>
+            <p:ph idx="1"/>
+          </p:nvPr>
+        </p:nvSpPr>
+        <p:spPr/>
+        <p:txBody>
+          <a:bodyPr/>
+          <a:lstStyle/>
+          <a:p>
+            <a:endParaRPr lang="en-US"/>
+          </a:p>
+        </p:txBody>
+      </p:sp>
+    </p:spTree>
+    <p:extLst>
+      <p:ext uri="{BB962C8B-B14F-4D97-AF65-F5344CB8AC3E}">
+        <p14:creationId xmlns:p14="http://schemas.microsoft.com/office/powerpoint/2010/main" val="34951844"/>
+      </p:ext>
+    </p:extLst>
+  </p:cSld>
+  <p:clrMapOvr>
+    <a:masterClrMapping/>
+  </p:clrMapOvr>
+  <p:timing>
+    <p:tnLst>
+      <p:par>
+        <p:cTn id="1" dur="indefinite" restart="never" nodeType="tmRoot"/>
+      </p:par>
+    </p:tnLst>
+  </p:timing>
+</p:sld>
+</file>
+
 <file path=ppt/slides/slide3.xml><?xml version="1.0" encoding="utf-8"?>
 <p:sld xmlns:a="http://schemas.openxmlformats.org/drawingml/2006/main" xmlns:r="http://schemas.openxmlformats.org/officeDocument/2006/relationships" xmlns:p="http://schemas.openxmlformats.org/presentationml/2006/main">
   <p:cSld>
@@ -5886,7 +6686,7 @@
           <a:graphicData uri="http://schemas.openxmlformats.org/presentationml/2006/ole">
             <mc:AlternateContent xmlns:mc="http://schemas.openxmlformats.org/markup-compatibility/2006">
               <mc:Choice xmlns:v="urn:schemas-microsoft-com:vml" Requires="v">
-                <p:oleObj spid="_x0000_s1040" name="Visio" r:id="rId3" imgW="3712977" imgH="2206710" progId="Visio.Drawing.11">
+                <p:oleObj spid="_x0000_s1044" name="Visio" r:id="rId3" imgW="3712977" imgH="2206710" progId="Visio.Drawing.11">
                   <p:embed/>
                 </p:oleObj>
               </mc:Choice>

--- a/docs/presentation/Defense.pptx
+++ b/docs/presentation/Defense.pptx
@@ -31,7 +31,8 @@
     <p:sldId id="279" r:id="rId25"/>
     <p:sldId id="280" r:id="rId26"/>
     <p:sldId id="281" r:id="rId27"/>
-    <p:sldId id="282" r:id="rId28"/>
+    <p:sldId id="283" r:id="rId28"/>
+    <p:sldId id="282" r:id="rId29"/>
   </p:sldIdLst>
   <p:sldSz cx="9144000" cy="6858000" type="screen4x3"/>
   <p:notesSz cx="6858000" cy="9144000"/>
@@ -314,7 +315,8 @@
           <a:p>
             <a:fld id="{9019A538-2802-4275-B365-67335AA55C0A}" type="datetimeFigureOut">
               <a:rPr lang="en-US" smtClean="0"/>
-              <a:t>4/27/2013</a:t>
+              <a:pPr/>
+              <a:t>4/29/2013</a:t>
             </a:fld>
             <a:endParaRPr lang="en-US"/>
           </a:p>
@@ -356,6 +358,7 @@
           <a:p>
             <a:fld id="{BEAFB076-CC78-49B9-8B87-5B9FD6803C5C}" type="slidenum">
               <a:rPr lang="en-US" smtClean="0"/>
+              <a:pPr/>
               <a:t>‹#›</a:t>
             </a:fld>
             <a:endParaRPr lang="en-US"/>
@@ -365,7 +368,7 @@
     </p:spTree>
     <p:extLst>
       <p:ext uri="{BB962C8B-B14F-4D97-AF65-F5344CB8AC3E}">
-        <p14:creationId xmlns:p14="http://schemas.microsoft.com/office/powerpoint/2010/main" val="1207681656"/>
+        <p14:creationId xmlns:p14="http://schemas.microsoft.com/office/powerpoint/2010/main" xmlns="" val="1207681656"/>
       </p:ext>
     </p:extLst>
   </p:cSld>
@@ -484,7 +487,8 @@
           <a:p>
             <a:fld id="{9019A538-2802-4275-B365-67335AA55C0A}" type="datetimeFigureOut">
               <a:rPr lang="en-US" smtClean="0"/>
-              <a:t>4/27/2013</a:t>
+              <a:pPr/>
+              <a:t>4/29/2013</a:t>
             </a:fld>
             <a:endParaRPr lang="en-US"/>
           </a:p>
@@ -526,6 +530,7 @@
           <a:p>
             <a:fld id="{BEAFB076-CC78-49B9-8B87-5B9FD6803C5C}" type="slidenum">
               <a:rPr lang="en-US" smtClean="0"/>
+              <a:pPr/>
               <a:t>‹#›</a:t>
             </a:fld>
             <a:endParaRPr lang="en-US"/>
@@ -535,7 +540,7 @@
     </p:spTree>
     <p:extLst>
       <p:ext uri="{BB962C8B-B14F-4D97-AF65-F5344CB8AC3E}">
-        <p14:creationId xmlns:p14="http://schemas.microsoft.com/office/powerpoint/2010/main" val="1498678150"/>
+        <p14:creationId xmlns:p14="http://schemas.microsoft.com/office/powerpoint/2010/main" xmlns="" val="1498678150"/>
       </p:ext>
     </p:extLst>
   </p:cSld>
@@ -664,7 +669,8 @@
           <a:p>
             <a:fld id="{9019A538-2802-4275-B365-67335AA55C0A}" type="datetimeFigureOut">
               <a:rPr lang="en-US" smtClean="0"/>
-              <a:t>4/27/2013</a:t>
+              <a:pPr/>
+              <a:t>4/29/2013</a:t>
             </a:fld>
             <a:endParaRPr lang="en-US"/>
           </a:p>
@@ -706,6 +712,7 @@
           <a:p>
             <a:fld id="{BEAFB076-CC78-49B9-8B87-5B9FD6803C5C}" type="slidenum">
               <a:rPr lang="en-US" smtClean="0"/>
+              <a:pPr/>
               <a:t>‹#›</a:t>
             </a:fld>
             <a:endParaRPr lang="en-US"/>
@@ -715,7 +722,7 @@
     </p:spTree>
     <p:extLst>
       <p:ext uri="{BB962C8B-B14F-4D97-AF65-F5344CB8AC3E}">
-        <p14:creationId xmlns:p14="http://schemas.microsoft.com/office/powerpoint/2010/main" val="3634018349"/>
+        <p14:creationId xmlns:p14="http://schemas.microsoft.com/office/powerpoint/2010/main" xmlns="" val="3634018349"/>
       </p:ext>
     </p:extLst>
   </p:cSld>
@@ -834,7 +841,8 @@
           <a:p>
             <a:fld id="{9019A538-2802-4275-B365-67335AA55C0A}" type="datetimeFigureOut">
               <a:rPr lang="en-US" smtClean="0"/>
-              <a:t>4/27/2013</a:t>
+              <a:pPr/>
+              <a:t>4/29/2013</a:t>
             </a:fld>
             <a:endParaRPr lang="en-US"/>
           </a:p>
@@ -876,6 +884,7 @@
           <a:p>
             <a:fld id="{BEAFB076-CC78-49B9-8B87-5B9FD6803C5C}" type="slidenum">
               <a:rPr lang="en-US" smtClean="0"/>
+              <a:pPr/>
               <a:t>‹#›</a:t>
             </a:fld>
             <a:endParaRPr lang="en-US"/>
@@ -885,7 +894,7 @@
     </p:spTree>
     <p:extLst>
       <p:ext uri="{BB962C8B-B14F-4D97-AF65-F5344CB8AC3E}">
-        <p14:creationId xmlns:p14="http://schemas.microsoft.com/office/powerpoint/2010/main" val="3222611582"/>
+        <p14:creationId xmlns:p14="http://schemas.microsoft.com/office/powerpoint/2010/main" xmlns="" val="3222611582"/>
       </p:ext>
     </p:extLst>
   </p:cSld>
@@ -1080,7 +1089,8 @@
           <a:p>
             <a:fld id="{9019A538-2802-4275-B365-67335AA55C0A}" type="datetimeFigureOut">
               <a:rPr lang="en-US" smtClean="0"/>
-              <a:t>4/27/2013</a:t>
+              <a:pPr/>
+              <a:t>4/29/2013</a:t>
             </a:fld>
             <a:endParaRPr lang="en-US"/>
           </a:p>
@@ -1122,6 +1132,7 @@
           <a:p>
             <a:fld id="{BEAFB076-CC78-49B9-8B87-5B9FD6803C5C}" type="slidenum">
               <a:rPr lang="en-US" smtClean="0"/>
+              <a:pPr/>
               <a:t>‹#›</a:t>
             </a:fld>
             <a:endParaRPr lang="en-US"/>
@@ -1131,7 +1142,7 @@
     </p:spTree>
     <p:extLst>
       <p:ext uri="{BB962C8B-B14F-4D97-AF65-F5344CB8AC3E}">
-        <p14:creationId xmlns:p14="http://schemas.microsoft.com/office/powerpoint/2010/main" val="3576286891"/>
+        <p14:creationId xmlns:p14="http://schemas.microsoft.com/office/powerpoint/2010/main" xmlns="" val="3576286891"/>
       </p:ext>
     </p:extLst>
   </p:cSld>
@@ -1368,7 +1379,8 @@
           <a:p>
             <a:fld id="{9019A538-2802-4275-B365-67335AA55C0A}" type="datetimeFigureOut">
               <a:rPr lang="en-US" smtClean="0"/>
-              <a:t>4/27/2013</a:t>
+              <a:pPr/>
+              <a:t>4/29/2013</a:t>
             </a:fld>
             <a:endParaRPr lang="en-US"/>
           </a:p>
@@ -1410,6 +1422,7 @@
           <a:p>
             <a:fld id="{BEAFB076-CC78-49B9-8B87-5B9FD6803C5C}" type="slidenum">
               <a:rPr lang="en-US" smtClean="0"/>
+              <a:pPr/>
               <a:t>‹#›</a:t>
             </a:fld>
             <a:endParaRPr lang="en-US"/>
@@ -1419,7 +1432,7 @@
     </p:spTree>
     <p:extLst>
       <p:ext uri="{BB962C8B-B14F-4D97-AF65-F5344CB8AC3E}">
-        <p14:creationId xmlns:p14="http://schemas.microsoft.com/office/powerpoint/2010/main" val="2389976791"/>
+        <p14:creationId xmlns:p14="http://schemas.microsoft.com/office/powerpoint/2010/main" xmlns="" val="2389976791"/>
       </p:ext>
     </p:extLst>
   </p:cSld>
@@ -1790,7 +1803,8 @@
           <a:p>
             <a:fld id="{9019A538-2802-4275-B365-67335AA55C0A}" type="datetimeFigureOut">
               <a:rPr lang="en-US" smtClean="0"/>
-              <a:t>4/27/2013</a:t>
+              <a:pPr/>
+              <a:t>4/29/2013</a:t>
             </a:fld>
             <a:endParaRPr lang="en-US"/>
           </a:p>
@@ -1832,6 +1846,7 @@
           <a:p>
             <a:fld id="{BEAFB076-CC78-49B9-8B87-5B9FD6803C5C}" type="slidenum">
               <a:rPr lang="en-US" smtClean="0"/>
+              <a:pPr/>
               <a:t>‹#›</a:t>
             </a:fld>
             <a:endParaRPr lang="en-US"/>
@@ -1841,7 +1856,7 @@
     </p:spTree>
     <p:extLst>
       <p:ext uri="{BB962C8B-B14F-4D97-AF65-F5344CB8AC3E}">
-        <p14:creationId xmlns:p14="http://schemas.microsoft.com/office/powerpoint/2010/main" val="4016823936"/>
+        <p14:creationId xmlns:p14="http://schemas.microsoft.com/office/powerpoint/2010/main" xmlns="" val="4016823936"/>
       </p:ext>
     </p:extLst>
   </p:cSld>
@@ -1908,7 +1923,8 @@
           <a:p>
             <a:fld id="{9019A538-2802-4275-B365-67335AA55C0A}" type="datetimeFigureOut">
               <a:rPr lang="en-US" smtClean="0"/>
-              <a:t>4/27/2013</a:t>
+              <a:pPr/>
+              <a:t>4/29/2013</a:t>
             </a:fld>
             <a:endParaRPr lang="en-US"/>
           </a:p>
@@ -1950,6 +1966,7 @@
           <a:p>
             <a:fld id="{BEAFB076-CC78-49B9-8B87-5B9FD6803C5C}" type="slidenum">
               <a:rPr lang="en-US" smtClean="0"/>
+              <a:pPr/>
               <a:t>‹#›</a:t>
             </a:fld>
             <a:endParaRPr lang="en-US"/>
@@ -1959,7 +1976,7 @@
     </p:spTree>
     <p:extLst>
       <p:ext uri="{BB962C8B-B14F-4D97-AF65-F5344CB8AC3E}">
-        <p14:creationId xmlns:p14="http://schemas.microsoft.com/office/powerpoint/2010/main" val="2467451650"/>
+        <p14:creationId xmlns:p14="http://schemas.microsoft.com/office/powerpoint/2010/main" xmlns="" val="2467451650"/>
       </p:ext>
     </p:extLst>
   </p:cSld>
@@ -2003,7 +2020,8 @@
           <a:p>
             <a:fld id="{9019A538-2802-4275-B365-67335AA55C0A}" type="datetimeFigureOut">
               <a:rPr lang="en-US" smtClean="0"/>
-              <a:t>4/27/2013</a:t>
+              <a:pPr/>
+              <a:t>4/29/2013</a:t>
             </a:fld>
             <a:endParaRPr lang="en-US"/>
           </a:p>
@@ -2045,6 +2063,7 @@
           <a:p>
             <a:fld id="{BEAFB076-CC78-49B9-8B87-5B9FD6803C5C}" type="slidenum">
               <a:rPr lang="en-US" smtClean="0"/>
+              <a:pPr/>
               <a:t>‹#›</a:t>
             </a:fld>
             <a:endParaRPr lang="en-US"/>
@@ -2054,7 +2073,7 @@
     </p:spTree>
     <p:extLst>
       <p:ext uri="{BB962C8B-B14F-4D97-AF65-F5344CB8AC3E}">
-        <p14:creationId xmlns:p14="http://schemas.microsoft.com/office/powerpoint/2010/main" val="315003800"/>
+        <p14:creationId xmlns:p14="http://schemas.microsoft.com/office/powerpoint/2010/main" xmlns="" val="315003800"/>
       </p:ext>
     </p:extLst>
   </p:cSld>
@@ -2280,7 +2299,8 @@
           <a:p>
             <a:fld id="{9019A538-2802-4275-B365-67335AA55C0A}" type="datetimeFigureOut">
               <a:rPr lang="en-US" smtClean="0"/>
-              <a:t>4/27/2013</a:t>
+              <a:pPr/>
+              <a:t>4/29/2013</a:t>
             </a:fld>
             <a:endParaRPr lang="en-US"/>
           </a:p>
@@ -2322,6 +2342,7 @@
           <a:p>
             <a:fld id="{BEAFB076-CC78-49B9-8B87-5B9FD6803C5C}" type="slidenum">
               <a:rPr lang="en-US" smtClean="0"/>
+              <a:pPr/>
               <a:t>‹#›</a:t>
             </a:fld>
             <a:endParaRPr lang="en-US"/>
@@ -2331,7 +2352,7 @@
     </p:spTree>
     <p:extLst>
       <p:ext uri="{BB962C8B-B14F-4D97-AF65-F5344CB8AC3E}">
-        <p14:creationId xmlns:p14="http://schemas.microsoft.com/office/powerpoint/2010/main" val="901133894"/>
+        <p14:creationId xmlns:p14="http://schemas.microsoft.com/office/powerpoint/2010/main" xmlns="" val="901133894"/>
       </p:ext>
     </p:extLst>
   </p:cSld>
@@ -2533,7 +2554,8 @@
           <a:p>
             <a:fld id="{9019A538-2802-4275-B365-67335AA55C0A}" type="datetimeFigureOut">
               <a:rPr lang="en-US" smtClean="0"/>
-              <a:t>4/27/2013</a:t>
+              <a:pPr/>
+              <a:t>4/29/2013</a:t>
             </a:fld>
             <a:endParaRPr lang="en-US"/>
           </a:p>
@@ -2575,6 +2597,7 @@
           <a:p>
             <a:fld id="{BEAFB076-CC78-49B9-8B87-5B9FD6803C5C}" type="slidenum">
               <a:rPr lang="en-US" smtClean="0"/>
+              <a:pPr/>
               <a:t>‹#›</a:t>
             </a:fld>
             <a:endParaRPr lang="en-US"/>
@@ -2584,7 +2607,7 @@
     </p:spTree>
     <p:extLst>
       <p:ext uri="{BB962C8B-B14F-4D97-AF65-F5344CB8AC3E}">
-        <p14:creationId xmlns:p14="http://schemas.microsoft.com/office/powerpoint/2010/main" val="916952359"/>
+        <p14:creationId xmlns:p14="http://schemas.microsoft.com/office/powerpoint/2010/main" xmlns="" val="916952359"/>
       </p:ext>
     </p:extLst>
   </p:cSld>
@@ -2746,7 +2769,8 @@
           <a:p>
             <a:fld id="{9019A538-2802-4275-B365-67335AA55C0A}" type="datetimeFigureOut">
               <a:rPr lang="en-US" smtClean="0"/>
-              <a:t>4/27/2013</a:t>
+              <a:pPr/>
+              <a:t>4/29/2013</a:t>
             </a:fld>
             <a:endParaRPr lang="en-US"/>
           </a:p>
@@ -2824,6 +2848,7 @@
           <a:p>
             <a:fld id="{BEAFB076-CC78-49B9-8B87-5B9FD6803C5C}" type="slidenum">
               <a:rPr lang="en-US" smtClean="0"/>
+              <a:pPr/>
               <a:t>‹#›</a:t>
             </a:fld>
             <a:endParaRPr lang="en-US"/>
@@ -2833,7 +2858,7 @@
     </p:spTree>
     <p:extLst>
       <p:ext uri="{BB962C8B-B14F-4D97-AF65-F5344CB8AC3E}">
-        <p14:creationId xmlns:p14="http://schemas.microsoft.com/office/powerpoint/2010/main" val="1982101815"/>
+        <p14:creationId xmlns:p14="http://schemas.microsoft.com/office/powerpoint/2010/main" xmlns="" val="1982101815"/>
       </p:ext>
     </p:extLst>
   </p:cSld>
@@ -3177,7 +3202,7 @@
     </p:spTree>
     <p:extLst>
       <p:ext uri="{BB962C8B-B14F-4D97-AF65-F5344CB8AC3E}">
-        <p14:creationId xmlns:p14="http://schemas.microsoft.com/office/powerpoint/2010/main" val="4222715421"/>
+        <p14:creationId xmlns:p14="http://schemas.microsoft.com/office/powerpoint/2010/main" xmlns="" val="4222715421"/>
       </p:ext>
     </p:extLst>
   </p:cSld>
@@ -3245,10 +3270,10 @@
           </p:nvPr>
         </p:nvPicPr>
         <p:blipFill>
-          <a:blip r:embed="rId2">
+          <a:blip r:embed="rId2" cstate="print">
             <a:extLst>
               <a:ext uri="{28A0092B-C50C-407E-A947-70E740481C1C}">
-                <a14:useLocalDpi xmlns:a14="http://schemas.microsoft.com/office/drawing/2010/main" val="0"/>
+                <a14:useLocalDpi xmlns:a14="http://schemas.microsoft.com/office/drawing/2010/main" xmlns="" val="0"/>
               </a:ext>
             </a:extLst>
           </a:blip>
@@ -3272,14 +3297,14 @@
           <a:effectLst/>
           <a:extLst>
             <a:ext uri="{909E8E84-426E-40DD-AFC4-6F175D3DCCD1}">
-              <a14:hiddenFill xmlns:a14="http://schemas.microsoft.com/office/drawing/2010/main">
+              <a14:hiddenFill xmlns:a14="http://schemas.microsoft.com/office/drawing/2010/main" xmlns="">
                 <a:solidFill>
                   <a:schemeClr val="accent1"/>
                 </a:solidFill>
               </a14:hiddenFill>
             </a:ext>
             <a:ext uri="{91240B29-F687-4F45-9708-019B960494DF}">
-              <a14:hiddenLine xmlns:a14="http://schemas.microsoft.com/office/drawing/2010/main" w="9525">
+              <a14:hiddenLine xmlns:a14="http://schemas.microsoft.com/office/drawing/2010/main" xmlns="" w="9525">
                 <a:solidFill>
                   <a:schemeClr val="tx1"/>
                 </a:solidFill>
@@ -3289,7 +3314,7 @@
               </a14:hiddenLine>
             </a:ext>
             <a:ext uri="{AF507438-7753-43E0-B8FC-AC1667EBCBE1}">
-              <a14:hiddenEffects xmlns:a14="http://schemas.microsoft.com/office/drawing/2010/main">
+              <a14:hiddenEffects xmlns:a14="http://schemas.microsoft.com/office/drawing/2010/main" xmlns="">
                 <a:effectLst>
                   <a:outerShdw dist="35921" dir="2700000" algn="ctr" rotWithShape="0">
                     <a:schemeClr val="bg2"/>
@@ -3303,7 +3328,7 @@
     </p:spTree>
     <p:extLst>
       <p:ext uri="{BB962C8B-B14F-4D97-AF65-F5344CB8AC3E}">
-        <p14:creationId xmlns:p14="http://schemas.microsoft.com/office/powerpoint/2010/main" val="1853919336"/>
+        <p14:creationId xmlns:p14="http://schemas.microsoft.com/office/powerpoint/2010/main" xmlns="" val="1853919336"/>
       </p:ext>
     </p:extLst>
   </p:cSld>
@@ -3425,7 +3450,7 @@
     </p:spTree>
     <p:extLst>
       <p:ext uri="{BB962C8B-B14F-4D97-AF65-F5344CB8AC3E}">
-        <p14:creationId xmlns:p14="http://schemas.microsoft.com/office/powerpoint/2010/main" val="4223802089"/>
+        <p14:creationId xmlns:p14="http://schemas.microsoft.com/office/powerpoint/2010/main" xmlns="" val="4223802089"/>
       </p:ext>
     </p:extLst>
   </p:cSld>
@@ -3534,7 +3559,7 @@
     </p:spTree>
     <p:extLst>
       <p:ext uri="{BB962C8B-B14F-4D97-AF65-F5344CB8AC3E}">
-        <p14:creationId xmlns:p14="http://schemas.microsoft.com/office/powerpoint/2010/main" val="314732534"/>
+        <p14:creationId xmlns:p14="http://schemas.microsoft.com/office/powerpoint/2010/main" xmlns="" val="314732534"/>
       </p:ext>
     </p:extLst>
   </p:cSld>
@@ -3628,7 +3653,7 @@
     </p:spTree>
     <p:extLst>
       <p:ext uri="{BB962C8B-B14F-4D97-AF65-F5344CB8AC3E}">
-        <p14:creationId xmlns:p14="http://schemas.microsoft.com/office/powerpoint/2010/main" val="1689680106"/>
+        <p14:creationId xmlns:p14="http://schemas.microsoft.com/office/powerpoint/2010/main" xmlns="" val="1689680106"/>
       </p:ext>
     </p:extLst>
   </p:cSld>
@@ -3770,7 +3795,7 @@
     </p:spTree>
     <p:extLst>
       <p:ext uri="{BB962C8B-B14F-4D97-AF65-F5344CB8AC3E}">
-        <p14:creationId xmlns:p14="http://schemas.microsoft.com/office/powerpoint/2010/main" val="1059332838"/>
+        <p14:creationId xmlns:p14="http://schemas.microsoft.com/office/powerpoint/2010/main" xmlns="" val="1059332838"/>
       </p:ext>
     </p:extLst>
   </p:cSld>
@@ -3926,7 +3951,7 @@
     </p:spTree>
     <p:extLst>
       <p:ext uri="{BB962C8B-B14F-4D97-AF65-F5344CB8AC3E}">
-        <p14:creationId xmlns:p14="http://schemas.microsoft.com/office/powerpoint/2010/main" val="3338952488"/>
+        <p14:creationId xmlns:p14="http://schemas.microsoft.com/office/powerpoint/2010/main" xmlns="" val="3338952488"/>
       </p:ext>
     </p:extLst>
   </p:cSld>
@@ -4054,7 +4079,7 @@
           <p:nvPr>
             <p:extLst>
               <p:ext uri="{D42A27DB-BD31-4B8C-83A1-F6EECF244321}">
-                <p14:modId xmlns:p14="http://schemas.microsoft.com/office/powerpoint/2010/main" val="1735624918"/>
+                <p14:modId xmlns:p14="http://schemas.microsoft.com/office/powerpoint/2010/main" xmlns="" val="1735624918"/>
               </p:ext>
             </p:extLst>
           </p:nvPr>
@@ -4542,7 +4567,7 @@
     </p:spTree>
     <p:extLst>
       <p:ext uri="{BB962C8B-B14F-4D97-AF65-F5344CB8AC3E}">
-        <p14:creationId xmlns:p14="http://schemas.microsoft.com/office/powerpoint/2010/main" val="3611499960"/>
+        <p14:creationId xmlns:p14="http://schemas.microsoft.com/office/powerpoint/2010/main" xmlns="" val="3611499960"/>
       </p:ext>
     </p:extLst>
   </p:cSld>
@@ -4666,7 +4691,7 @@
     </p:spTree>
     <p:extLst>
       <p:ext uri="{BB962C8B-B14F-4D97-AF65-F5344CB8AC3E}">
-        <p14:creationId xmlns:p14="http://schemas.microsoft.com/office/powerpoint/2010/main" val="3956683239"/>
+        <p14:creationId xmlns:p14="http://schemas.microsoft.com/office/powerpoint/2010/main" xmlns="" val="3956683239"/>
       </p:ext>
     </p:extLst>
   </p:cSld>
@@ -4738,7 +4763,7 @@
           </p:nvPr>
         </p:nvPicPr>
         <p:blipFill>
-          <a:blip r:embed="rId2"/>
+          <a:blip r:embed="rId2" cstate="print"/>
           <a:stretch>
             <a:fillRect/>
           </a:stretch>
@@ -4756,7 +4781,7 @@
     </p:spTree>
     <p:extLst>
       <p:ext uri="{BB962C8B-B14F-4D97-AF65-F5344CB8AC3E}">
-        <p14:creationId xmlns:p14="http://schemas.microsoft.com/office/powerpoint/2010/main" val="2309760077"/>
+        <p14:creationId xmlns:p14="http://schemas.microsoft.com/office/powerpoint/2010/main" xmlns="" val="2309760077"/>
       </p:ext>
     </p:extLst>
   </p:cSld>
@@ -4948,7 +4973,7 @@
     </p:spTree>
     <p:extLst>
       <p:ext uri="{BB962C8B-B14F-4D97-AF65-F5344CB8AC3E}">
-        <p14:creationId xmlns:p14="http://schemas.microsoft.com/office/powerpoint/2010/main" val="2019726183"/>
+        <p14:creationId xmlns:p14="http://schemas.microsoft.com/office/powerpoint/2010/main" xmlns="" val="2019726183"/>
       </p:ext>
     </p:extLst>
   </p:cSld>
@@ -5070,7 +5095,7 @@
     </p:spTree>
     <p:extLst>
       <p:ext uri="{BB962C8B-B14F-4D97-AF65-F5344CB8AC3E}">
-        <p14:creationId xmlns:p14="http://schemas.microsoft.com/office/powerpoint/2010/main" val="2250608403"/>
+        <p14:creationId xmlns:p14="http://schemas.microsoft.com/office/powerpoint/2010/main" xmlns="" val="2250608403"/>
       </p:ext>
     </p:extLst>
   </p:cSld>
@@ -5219,7 +5244,7 @@
     </p:spTree>
     <p:extLst>
       <p:ext uri="{BB962C8B-B14F-4D97-AF65-F5344CB8AC3E}">
-        <p14:creationId xmlns:p14="http://schemas.microsoft.com/office/powerpoint/2010/main" val="654601986"/>
+        <p14:creationId xmlns:p14="http://schemas.microsoft.com/office/powerpoint/2010/main" xmlns="" val="654601986"/>
       </p:ext>
     </p:extLst>
   </p:cSld>
@@ -5317,10 +5342,10 @@
           <p:nvPr/>
         </p:nvPicPr>
         <p:blipFill>
-          <a:blip r:embed="rId2">
+          <a:blip r:embed="rId2" cstate="print">
             <a:extLst>
               <a:ext uri="{28A0092B-C50C-407E-A947-70E740481C1C}">
-                <a14:useLocalDpi xmlns:a14="http://schemas.microsoft.com/office/drawing/2010/main" val="0"/>
+                <a14:useLocalDpi xmlns:a14="http://schemas.microsoft.com/office/drawing/2010/main" xmlns="" val="0"/>
               </a:ext>
             </a:extLst>
           </a:blip>
@@ -5343,14 +5368,14 @@
           </a:ln>
           <a:extLst>
             <a:ext uri="{909E8E84-426E-40DD-AFC4-6F175D3DCCD1}">
-              <a14:hiddenFill xmlns:a14="http://schemas.microsoft.com/office/drawing/2010/main">
+              <a14:hiddenFill xmlns:a14="http://schemas.microsoft.com/office/drawing/2010/main" xmlns="">
                 <a:solidFill>
                   <a:schemeClr val="accent1"/>
                 </a:solidFill>
               </a14:hiddenFill>
             </a:ext>
             <a:ext uri="{91240B29-F687-4F45-9708-019B960494DF}">
-              <a14:hiddenLine xmlns:a14="http://schemas.microsoft.com/office/drawing/2010/main" w="9525">
+              <a14:hiddenLine xmlns:a14="http://schemas.microsoft.com/office/drawing/2010/main" xmlns="" w="9525">
                 <a:solidFill>
                   <a:schemeClr val="tx1"/>
                 </a:solidFill>
@@ -5365,7 +5390,7 @@
     </p:spTree>
     <p:extLst>
       <p:ext uri="{BB962C8B-B14F-4D97-AF65-F5344CB8AC3E}">
-        <p14:creationId xmlns:p14="http://schemas.microsoft.com/office/powerpoint/2010/main" val="1656750451"/>
+        <p14:creationId xmlns:p14="http://schemas.microsoft.com/office/powerpoint/2010/main" xmlns="" val="1656750451"/>
       </p:ext>
     </p:extLst>
   </p:cSld>
@@ -5438,7 +5463,7 @@
           <a:blip r:embed="rId2" cstate="print">
             <a:extLst>
               <a:ext uri="{28A0092B-C50C-407E-A947-70E740481C1C}">
-                <a14:useLocalDpi xmlns:a14="http://schemas.microsoft.com/office/drawing/2010/main" val="0"/>
+                <a14:useLocalDpi xmlns:a14="http://schemas.microsoft.com/office/drawing/2010/main" xmlns="" val="0"/>
               </a:ext>
             </a:extLst>
           </a:blip>
@@ -5458,7 +5483,7 @@
           <a:noFill/>
           <a:extLst>
             <a:ext uri="{909E8E84-426E-40DD-AFC4-6F175D3DCCD1}">
-              <a14:hiddenFill xmlns:a14="http://schemas.microsoft.com/office/drawing/2010/main">
+              <a14:hiddenFill xmlns:a14="http://schemas.microsoft.com/office/drawing/2010/main" xmlns="">
                 <a:solidFill>
                   <a:srgbClr val="FFFFFF"/>
                 </a:solidFill>
@@ -5470,7 +5495,7 @@
     </p:spTree>
     <p:extLst>
       <p:ext uri="{BB962C8B-B14F-4D97-AF65-F5344CB8AC3E}">
-        <p14:creationId xmlns:p14="http://schemas.microsoft.com/office/powerpoint/2010/main" val="4145748103"/>
+        <p14:creationId xmlns:p14="http://schemas.microsoft.com/office/powerpoint/2010/main" xmlns="" val="4145748103"/>
       </p:ext>
     </p:extLst>
   </p:cSld>
@@ -5834,7 +5859,7 @@
     </p:spTree>
     <p:extLst>
       <p:ext uri="{BB962C8B-B14F-4D97-AF65-F5344CB8AC3E}">
-        <p14:creationId xmlns:p14="http://schemas.microsoft.com/office/powerpoint/2010/main" val="3808882309"/>
+        <p14:creationId xmlns:p14="http://schemas.microsoft.com/office/powerpoint/2010/main" xmlns="" val="3808882309"/>
       </p:ext>
     </p:extLst>
   </p:cSld>
@@ -5951,7 +5976,7 @@
     </p:spTree>
     <p:extLst>
       <p:ext uri="{BB962C8B-B14F-4D97-AF65-F5344CB8AC3E}">
-        <p14:creationId xmlns:p14="http://schemas.microsoft.com/office/powerpoint/2010/main" val="4108984089"/>
+        <p14:creationId xmlns:p14="http://schemas.microsoft.com/office/powerpoint/2010/main" xmlns="" val="4108984089"/>
       </p:ext>
     </p:extLst>
   </p:cSld>
@@ -6080,7 +6105,7 @@
     </p:spTree>
     <p:extLst>
       <p:ext uri="{BB962C8B-B14F-4D97-AF65-F5344CB8AC3E}">
-        <p14:creationId xmlns:p14="http://schemas.microsoft.com/office/powerpoint/2010/main" val="1258771278"/>
+        <p14:creationId xmlns:p14="http://schemas.microsoft.com/office/powerpoint/2010/main" xmlns="" val="1258771278"/>
       </p:ext>
     </p:extLst>
   </p:cSld>
@@ -6179,7 +6204,7 @@
     </p:spTree>
     <p:extLst>
       <p:ext uri="{BB962C8B-B14F-4D97-AF65-F5344CB8AC3E}">
-        <p14:creationId xmlns:p14="http://schemas.microsoft.com/office/powerpoint/2010/main" val="34320513"/>
+        <p14:creationId xmlns:p14="http://schemas.microsoft.com/office/powerpoint/2010/main" xmlns="" val="34320513"/>
       </p:ext>
     </p:extLst>
   </p:cSld>
@@ -6213,6 +6238,1375 @@
           <a:chExt cx="0" cy="0"/>
         </a:xfrm>
       </p:grpSpPr>
+      <p:graphicFrame>
+        <p:nvGraphicFramePr>
+          <p:cNvPr id="2" name="Table 1"/>
+          <p:cNvGraphicFramePr>
+            <a:graphicFrameLocks noGrp="1"/>
+          </p:cNvGraphicFramePr>
+          <p:nvPr/>
+        </p:nvGraphicFramePr>
+        <p:xfrm>
+          <a:off x="457200" y="1195170"/>
+          <a:ext cx="8153400" cy="5358030"/>
+        </p:xfrm>
+        <a:graphic>
+          <a:graphicData uri="http://schemas.openxmlformats.org/drawingml/2006/table">
+            <a:tbl>
+              <a:tblPr/>
+              <a:tblGrid>
+                <a:gridCol w="117274"/>
+                <a:gridCol w="8036126"/>
+              </a:tblGrid>
+              <a:tr h="370753">
+                <a:tc>
+                  <a:txBody>
+                    <a:bodyPr/>
+                    <a:lstStyle/>
+                    <a:p>
+                      <a:pPr marL="0" marR="0">
+                        <a:lnSpc>
+                          <a:spcPct val="115000"/>
+                        </a:lnSpc>
+                        <a:spcBef>
+                          <a:spcPts val="0"/>
+                        </a:spcBef>
+                        <a:spcAft>
+                          <a:spcPts val="1000"/>
+                        </a:spcAft>
+                      </a:pPr>
+                      <a:r>
+                        <a:rPr lang="en-US" sz="400" dirty="0">
+                          <a:latin typeface="Calibri"/>
+                          <a:ea typeface="SimSun"/>
+                          <a:cs typeface="Times New Roman"/>
+                        </a:rPr>
+                        <a:t>[1] </a:t>
+                      </a:r>
+                    </a:p>
+                  </a:txBody>
+                  <a:tcPr marL="3505" marR="3505" marT="3505" marB="3505">
+                    <a:lnL>
+                      <a:noFill/>
+                    </a:lnL>
+                    <a:lnR>
+                      <a:noFill/>
+                    </a:lnR>
+                    <a:lnT>
+                      <a:noFill/>
+                    </a:lnT>
+                    <a:lnB>
+                      <a:noFill/>
+                    </a:lnB>
+                  </a:tcPr>
+                </a:tc>
+                <a:tc>
+                  <a:txBody>
+                    <a:bodyPr/>
+                    <a:lstStyle/>
+                    <a:p>
+                      <a:pPr marL="0" marR="0">
+                        <a:lnSpc>
+                          <a:spcPct val="115000"/>
+                        </a:lnSpc>
+                        <a:spcBef>
+                          <a:spcPts val="0"/>
+                        </a:spcBef>
+                        <a:spcAft>
+                          <a:spcPts val="1000"/>
+                        </a:spcAft>
+                      </a:pPr>
+                      <a:r>
+                        <a:rPr lang="en-US" sz="1050" dirty="0">
+                          <a:latin typeface="Calibri"/>
+                          <a:ea typeface="SimSun"/>
+                          <a:cs typeface="Times New Roman"/>
+                        </a:rPr>
+                        <a:t>L.-X. Li, H. M. Lu, L. </a:t>
+                      </a:r>
+                      <a:r>
+                        <a:rPr lang="en-US" sz="1100" dirty="0" err="1">
+                          <a:latin typeface="Calibri"/>
+                          <a:ea typeface="SimSun"/>
+                          <a:cs typeface="Times New Roman"/>
+                        </a:rPr>
+                        <a:t>ZhiPing</a:t>
+                      </a:r>
+                      <a:r>
+                        <a:rPr lang="en-US" sz="1050" dirty="0">
+                          <a:latin typeface="Calibri"/>
+                          <a:ea typeface="SimSun"/>
+                          <a:cs typeface="Times New Roman"/>
+                        </a:rPr>
+                        <a:t> and M. </a:t>
+                      </a:r>
+                      <a:r>
+                        <a:rPr lang="en-US" sz="1050" dirty="0" err="1">
+                          <a:latin typeface="Calibri"/>
+                          <a:ea typeface="SimSun"/>
+                          <a:cs typeface="Times New Roman"/>
+                        </a:rPr>
+                        <a:t>XiangYang</a:t>
+                      </a:r>
+                      <a:r>
+                        <a:rPr lang="en-US" sz="1050" dirty="0">
+                          <a:latin typeface="Calibri"/>
+                          <a:ea typeface="SimSun"/>
+                          <a:cs typeface="Times New Roman"/>
+                        </a:rPr>
+                        <a:t>, "Design and Application of Automatic Control System Program Based on FESTO Training System," in </a:t>
+                      </a:r>
+                      <a:r>
+                        <a:rPr lang="en-US" sz="1050" i="1" dirty="0">
+                          <a:latin typeface="Calibri"/>
+                          <a:ea typeface="SimSun"/>
+                          <a:cs typeface="Times New Roman"/>
+                        </a:rPr>
+                        <a:t>Control, Automation and Systems Engineering (CASE), 2011 International Conference o</a:t>
+                      </a:r>
+                      <a:r>
+                        <a:rPr lang="en-US" sz="1050" dirty="0">
+                          <a:latin typeface="Calibri"/>
+                          <a:ea typeface="SimSun"/>
+                          <a:cs typeface="Times New Roman"/>
+                        </a:rPr>
+                        <a:t>, 2011. </a:t>
+                      </a:r>
+                    </a:p>
+                  </a:txBody>
+                  <a:tcPr marL="3505" marR="3505" marT="3505" marB="3505">
+                    <a:lnL>
+                      <a:noFill/>
+                    </a:lnL>
+                    <a:lnR>
+                      <a:noFill/>
+                    </a:lnR>
+                    <a:lnT>
+                      <a:noFill/>
+                    </a:lnT>
+                    <a:lnB>
+                      <a:noFill/>
+                    </a:lnB>
+                  </a:tcPr>
+                </a:tc>
+              </a:tr>
+              <a:tr h="370753">
+                <a:tc>
+                  <a:txBody>
+                    <a:bodyPr/>
+                    <a:lstStyle/>
+                    <a:p>
+                      <a:pPr marL="0" marR="0">
+                        <a:lnSpc>
+                          <a:spcPct val="115000"/>
+                        </a:lnSpc>
+                        <a:spcBef>
+                          <a:spcPts val="0"/>
+                        </a:spcBef>
+                        <a:spcAft>
+                          <a:spcPts val="1000"/>
+                        </a:spcAft>
+                      </a:pPr>
+                      <a:r>
+                        <a:rPr lang="en-US" sz="400">
+                          <a:latin typeface="Calibri"/>
+                          <a:ea typeface="SimSun"/>
+                          <a:cs typeface="Times New Roman"/>
+                        </a:rPr>
+                        <a:t>[2] </a:t>
+                      </a:r>
+                    </a:p>
+                  </a:txBody>
+                  <a:tcPr marL="3505" marR="3505" marT="3505" marB="3505">
+                    <a:lnL>
+                      <a:noFill/>
+                    </a:lnL>
+                    <a:lnR>
+                      <a:noFill/>
+                    </a:lnR>
+                    <a:lnT>
+                      <a:noFill/>
+                    </a:lnT>
+                    <a:lnB>
+                      <a:noFill/>
+                    </a:lnB>
+                  </a:tcPr>
+                </a:tc>
+                <a:tc>
+                  <a:txBody>
+                    <a:bodyPr/>
+                    <a:lstStyle/>
+                    <a:p>
+                      <a:pPr marL="0" marR="0">
+                        <a:lnSpc>
+                          <a:spcPct val="115000"/>
+                        </a:lnSpc>
+                        <a:spcBef>
+                          <a:spcPts val="0"/>
+                        </a:spcBef>
+                        <a:spcAft>
+                          <a:spcPts val="1000"/>
+                        </a:spcAft>
+                      </a:pPr>
+                      <a:r>
+                        <a:rPr lang="en-US" sz="1050" dirty="0">
+                          <a:latin typeface="Calibri"/>
+                          <a:ea typeface="SimSun"/>
+                          <a:cs typeface="Times New Roman"/>
+                        </a:rPr>
+                        <a:t>A. R. </a:t>
+                      </a:r>
+                      <a:r>
+                        <a:rPr lang="en-US" sz="1050" dirty="0" err="1">
+                          <a:latin typeface="Calibri"/>
+                          <a:ea typeface="SimSun"/>
+                          <a:cs typeface="Times New Roman"/>
+                        </a:rPr>
+                        <a:t>Izaguirre</a:t>
+                      </a:r>
+                      <a:r>
+                        <a:rPr lang="en-US" sz="1050" dirty="0">
+                          <a:latin typeface="Calibri"/>
+                          <a:ea typeface="SimSun"/>
+                          <a:cs typeface="Times New Roman"/>
+                        </a:rPr>
+                        <a:t> and M. E. Macias, "Virtual Reality Machines to improve training in Control and Automation," in </a:t>
+                      </a:r>
+                      <a:r>
+                        <a:rPr lang="en-US" sz="1050" i="1" dirty="0">
+                          <a:latin typeface="Calibri"/>
+                          <a:ea typeface="SimSun"/>
+                          <a:cs typeface="Times New Roman"/>
+                        </a:rPr>
+                        <a:t>Conference for Industry and Education Collaboration</a:t>
+                      </a:r>
+                      <a:r>
+                        <a:rPr lang="en-US" sz="1050" dirty="0">
+                          <a:latin typeface="Calibri"/>
+                          <a:ea typeface="SimSun"/>
+                          <a:cs typeface="Times New Roman"/>
+                        </a:rPr>
+                        <a:t>, San Antonio, 2011. </a:t>
+                      </a:r>
+                    </a:p>
+                  </a:txBody>
+                  <a:tcPr marL="3505" marR="3505" marT="3505" marB="3505">
+                    <a:lnL>
+                      <a:noFill/>
+                    </a:lnL>
+                    <a:lnR>
+                      <a:noFill/>
+                    </a:lnR>
+                    <a:lnT>
+                      <a:noFill/>
+                    </a:lnT>
+                    <a:lnB>
+                      <a:noFill/>
+                    </a:lnB>
+                  </a:tcPr>
+                </a:tc>
+              </a:tr>
+              <a:tr h="370753">
+                <a:tc>
+                  <a:txBody>
+                    <a:bodyPr/>
+                    <a:lstStyle/>
+                    <a:p>
+                      <a:pPr marL="0" marR="0">
+                        <a:lnSpc>
+                          <a:spcPct val="115000"/>
+                        </a:lnSpc>
+                        <a:spcBef>
+                          <a:spcPts val="0"/>
+                        </a:spcBef>
+                        <a:spcAft>
+                          <a:spcPts val="1000"/>
+                        </a:spcAft>
+                      </a:pPr>
+                      <a:r>
+                        <a:rPr lang="en-US" sz="400">
+                          <a:latin typeface="Calibri"/>
+                          <a:ea typeface="SimSun"/>
+                          <a:cs typeface="Times New Roman"/>
+                        </a:rPr>
+                        <a:t>[3] </a:t>
+                      </a:r>
+                    </a:p>
+                  </a:txBody>
+                  <a:tcPr marL="3505" marR="3505" marT="3505" marB="3505">
+                    <a:lnL>
+                      <a:noFill/>
+                    </a:lnL>
+                    <a:lnR>
+                      <a:noFill/>
+                    </a:lnR>
+                    <a:lnT>
+                      <a:noFill/>
+                    </a:lnT>
+                    <a:lnB>
+                      <a:noFill/>
+                    </a:lnB>
+                  </a:tcPr>
+                </a:tc>
+                <a:tc>
+                  <a:txBody>
+                    <a:bodyPr/>
+                    <a:lstStyle/>
+                    <a:p>
+                      <a:pPr marL="0" marR="0">
+                        <a:lnSpc>
+                          <a:spcPct val="115000"/>
+                        </a:lnSpc>
+                        <a:spcBef>
+                          <a:spcPts val="0"/>
+                        </a:spcBef>
+                        <a:spcAft>
+                          <a:spcPts val="1000"/>
+                        </a:spcAft>
+                      </a:pPr>
+                      <a:r>
+                        <a:rPr lang="en-US" sz="1050" dirty="0">
+                          <a:latin typeface="Calibri"/>
+                          <a:ea typeface="SimSun"/>
+                          <a:cs typeface="Times New Roman"/>
+                        </a:rPr>
+                        <a:t>D. </a:t>
+                      </a:r>
+                      <a:r>
+                        <a:rPr lang="en-US" sz="1050" dirty="0" err="1">
+                          <a:latin typeface="Calibri"/>
+                          <a:ea typeface="SimSun"/>
+                          <a:cs typeface="Times New Roman"/>
+                        </a:rPr>
+                        <a:t>Wolowicz</a:t>
+                      </a:r>
+                      <a:r>
+                        <a:rPr lang="en-US" sz="1050" dirty="0">
+                          <a:latin typeface="Calibri"/>
+                          <a:ea typeface="SimSun"/>
+                          <a:cs typeface="Times New Roman"/>
+                        </a:rPr>
+                        <a:t> and J. Knoll, "Proposal For USB I/O Board," 13 May 2002. [Online]. Available: http://www.ece.uvic.ca/~elec499/2002a/group04/Proposal.pdf. [Accessed 10 12 2012].</a:t>
+                      </a:r>
+                    </a:p>
+                  </a:txBody>
+                  <a:tcPr marL="3505" marR="3505" marT="3505" marB="3505">
+                    <a:lnL>
+                      <a:noFill/>
+                    </a:lnL>
+                    <a:lnR>
+                      <a:noFill/>
+                    </a:lnR>
+                    <a:lnT>
+                      <a:noFill/>
+                    </a:lnT>
+                    <a:lnB>
+                      <a:noFill/>
+                    </a:lnB>
+                  </a:tcPr>
+                </a:tc>
+              </a:tr>
+              <a:tr h="370753">
+                <a:tc>
+                  <a:txBody>
+                    <a:bodyPr/>
+                    <a:lstStyle/>
+                    <a:p>
+                      <a:pPr marL="0" marR="0">
+                        <a:lnSpc>
+                          <a:spcPct val="115000"/>
+                        </a:lnSpc>
+                        <a:spcBef>
+                          <a:spcPts val="0"/>
+                        </a:spcBef>
+                        <a:spcAft>
+                          <a:spcPts val="1000"/>
+                        </a:spcAft>
+                      </a:pPr>
+                      <a:r>
+                        <a:rPr lang="en-US" sz="400">
+                          <a:latin typeface="Calibri"/>
+                          <a:ea typeface="SimSun"/>
+                          <a:cs typeface="Times New Roman"/>
+                        </a:rPr>
+                        <a:t>[4] </a:t>
+                      </a:r>
+                    </a:p>
+                  </a:txBody>
+                  <a:tcPr marL="3505" marR="3505" marT="3505" marB="3505">
+                    <a:lnL>
+                      <a:noFill/>
+                    </a:lnL>
+                    <a:lnR>
+                      <a:noFill/>
+                    </a:lnR>
+                    <a:lnT>
+                      <a:noFill/>
+                    </a:lnT>
+                    <a:lnB>
+                      <a:noFill/>
+                    </a:lnB>
+                  </a:tcPr>
+                </a:tc>
+                <a:tc>
+                  <a:txBody>
+                    <a:bodyPr/>
+                    <a:lstStyle/>
+                    <a:p>
+                      <a:pPr marL="0" marR="0">
+                        <a:lnSpc>
+                          <a:spcPct val="115000"/>
+                        </a:lnSpc>
+                        <a:spcBef>
+                          <a:spcPts val="0"/>
+                        </a:spcBef>
+                        <a:spcAft>
+                          <a:spcPts val="1000"/>
+                        </a:spcAft>
+                      </a:pPr>
+                      <a:r>
+                        <a:rPr lang="en-US" sz="1050" dirty="0">
+                          <a:latin typeface="Calibri"/>
+                          <a:ea typeface="SimSun"/>
+                          <a:cs typeface="Times New Roman"/>
+                        </a:rPr>
+                        <a:t>L. </a:t>
+                      </a:r>
+                      <a:r>
+                        <a:rPr lang="en-US" sz="1050" dirty="0" err="1">
+                          <a:latin typeface="Calibri"/>
+                          <a:ea typeface="SimSun"/>
+                          <a:cs typeface="Times New Roman"/>
+                        </a:rPr>
+                        <a:t>Ngalamou</a:t>
+                      </a:r>
+                      <a:r>
+                        <a:rPr lang="en-US" sz="1050" dirty="0">
+                          <a:latin typeface="Calibri"/>
+                          <a:ea typeface="SimSun"/>
+                          <a:cs typeface="Times New Roman"/>
+                        </a:rPr>
+                        <a:t> and L. Myers, "A Software Approach for the Design of a Virtual Plant," </a:t>
+                      </a:r>
+                      <a:r>
+                        <a:rPr lang="en-US" sz="1050" i="1" dirty="0">
+                          <a:latin typeface="Calibri"/>
+                          <a:ea typeface="SimSun"/>
+                          <a:cs typeface="Times New Roman"/>
+                        </a:rPr>
+                        <a:t>International Journal of Computer Science and Network Security, </a:t>
+                      </a:r>
+                      <a:r>
+                        <a:rPr lang="en-US" sz="1050" dirty="0">
+                          <a:latin typeface="Calibri"/>
+                          <a:ea typeface="SimSun"/>
+                          <a:cs typeface="Times New Roman"/>
+                        </a:rPr>
+                        <a:t>vol. 10, no. 9, pp. 48-56, 2010. </a:t>
+                      </a:r>
+                    </a:p>
+                  </a:txBody>
+                  <a:tcPr marL="3505" marR="3505" marT="3505" marB="3505">
+                    <a:lnL>
+                      <a:noFill/>
+                    </a:lnL>
+                    <a:lnR>
+                      <a:noFill/>
+                    </a:lnR>
+                    <a:lnT>
+                      <a:noFill/>
+                    </a:lnT>
+                    <a:lnB>
+                      <a:noFill/>
+                    </a:lnB>
+                  </a:tcPr>
+                </a:tc>
+              </a:tr>
+              <a:tr h="370753">
+                <a:tc>
+                  <a:txBody>
+                    <a:bodyPr/>
+                    <a:lstStyle/>
+                    <a:p>
+                      <a:pPr marL="0" marR="0">
+                        <a:lnSpc>
+                          <a:spcPct val="115000"/>
+                        </a:lnSpc>
+                        <a:spcBef>
+                          <a:spcPts val="0"/>
+                        </a:spcBef>
+                        <a:spcAft>
+                          <a:spcPts val="1000"/>
+                        </a:spcAft>
+                      </a:pPr>
+                      <a:r>
+                        <a:rPr lang="en-US" sz="400">
+                          <a:latin typeface="Calibri"/>
+                          <a:ea typeface="SimSun"/>
+                          <a:cs typeface="Times New Roman"/>
+                        </a:rPr>
+                        <a:t>[5] </a:t>
+                      </a:r>
+                    </a:p>
+                  </a:txBody>
+                  <a:tcPr marL="3505" marR="3505" marT="3505" marB="3505">
+                    <a:lnL>
+                      <a:noFill/>
+                    </a:lnL>
+                    <a:lnR>
+                      <a:noFill/>
+                    </a:lnR>
+                    <a:lnT>
+                      <a:noFill/>
+                    </a:lnT>
+                    <a:lnB>
+                      <a:noFill/>
+                    </a:lnB>
+                  </a:tcPr>
+                </a:tc>
+                <a:tc>
+                  <a:txBody>
+                    <a:bodyPr/>
+                    <a:lstStyle/>
+                    <a:p>
+                      <a:pPr marL="0" marR="0">
+                        <a:lnSpc>
+                          <a:spcPct val="115000"/>
+                        </a:lnSpc>
+                        <a:spcBef>
+                          <a:spcPts val="0"/>
+                        </a:spcBef>
+                        <a:spcAft>
+                          <a:spcPts val="1000"/>
+                        </a:spcAft>
+                      </a:pPr>
+                      <a:r>
+                        <a:rPr lang="en-US" sz="1050" dirty="0">
+                          <a:latin typeface="Calibri"/>
+                          <a:ea typeface="SimSun"/>
+                          <a:cs typeface="Times New Roman"/>
+                        </a:rPr>
+                        <a:t>C.-G. </a:t>
+                      </a:r>
+                      <a:r>
+                        <a:rPr lang="en-US" sz="1050" dirty="0" err="1">
+                          <a:latin typeface="Calibri"/>
+                          <a:ea typeface="SimSun"/>
+                          <a:cs typeface="Times New Roman"/>
+                        </a:rPr>
+                        <a:t>Haba</a:t>
+                      </a:r>
+                      <a:r>
+                        <a:rPr lang="en-US" sz="1050" dirty="0">
+                          <a:latin typeface="Calibri"/>
+                          <a:ea typeface="SimSun"/>
+                          <a:cs typeface="Times New Roman"/>
+                        </a:rPr>
+                        <a:t>, "Extending the Use of PLC Simulator Software in Student Laboratory Works," </a:t>
+                      </a:r>
+                      <a:r>
+                        <a:rPr lang="en-US" sz="1050" i="1" dirty="0">
+                          <a:latin typeface="Calibri"/>
+                          <a:ea typeface="SimSun"/>
+                          <a:cs typeface="Times New Roman"/>
+                        </a:rPr>
+                        <a:t>Advances in Electrical and Computer Engineering, </a:t>
+                      </a:r>
+                      <a:r>
+                        <a:rPr lang="en-US" sz="1050" dirty="0">
+                          <a:latin typeface="Calibri"/>
+                          <a:ea typeface="SimSun"/>
+                          <a:cs typeface="Times New Roman"/>
+                        </a:rPr>
+                        <a:t>vol. 10, no. 1, pp. 84-89, 2010. </a:t>
+                      </a:r>
+                    </a:p>
+                  </a:txBody>
+                  <a:tcPr marL="3505" marR="3505" marT="3505" marB="3505">
+                    <a:lnL>
+                      <a:noFill/>
+                    </a:lnL>
+                    <a:lnR>
+                      <a:noFill/>
+                    </a:lnR>
+                    <a:lnT>
+                      <a:noFill/>
+                    </a:lnT>
+                    <a:lnB>
+                      <a:noFill/>
+                    </a:lnB>
+                  </a:tcPr>
+                </a:tc>
+              </a:tr>
+              <a:tr h="370753">
+                <a:tc>
+                  <a:txBody>
+                    <a:bodyPr/>
+                    <a:lstStyle/>
+                    <a:p>
+                      <a:pPr marL="0" marR="0">
+                        <a:lnSpc>
+                          <a:spcPct val="115000"/>
+                        </a:lnSpc>
+                        <a:spcBef>
+                          <a:spcPts val="0"/>
+                        </a:spcBef>
+                        <a:spcAft>
+                          <a:spcPts val="1000"/>
+                        </a:spcAft>
+                      </a:pPr>
+                      <a:r>
+                        <a:rPr lang="en-US" sz="400">
+                          <a:latin typeface="Calibri"/>
+                          <a:ea typeface="SimSun"/>
+                          <a:cs typeface="Times New Roman"/>
+                        </a:rPr>
+                        <a:t>[6] </a:t>
+                      </a:r>
+                    </a:p>
+                  </a:txBody>
+                  <a:tcPr marL="3505" marR="3505" marT="3505" marB="3505">
+                    <a:lnL>
+                      <a:noFill/>
+                    </a:lnL>
+                    <a:lnR>
+                      <a:noFill/>
+                    </a:lnR>
+                    <a:lnT>
+                      <a:noFill/>
+                    </a:lnT>
+                    <a:lnB>
+                      <a:noFill/>
+                    </a:lnB>
+                  </a:tcPr>
+                </a:tc>
+                <a:tc>
+                  <a:txBody>
+                    <a:bodyPr/>
+                    <a:lstStyle/>
+                    <a:p>
+                      <a:pPr marL="0" marR="0">
+                        <a:lnSpc>
+                          <a:spcPct val="115000"/>
+                        </a:lnSpc>
+                        <a:spcBef>
+                          <a:spcPts val="0"/>
+                        </a:spcBef>
+                        <a:spcAft>
+                          <a:spcPts val="1000"/>
+                        </a:spcAft>
+                      </a:pPr>
+                      <a:r>
+                        <a:rPr lang="en-US" sz="1050" dirty="0" err="1">
+                          <a:latin typeface="Calibri"/>
+                          <a:ea typeface="SimSun"/>
+                          <a:cs typeface="Times New Roman"/>
+                        </a:rPr>
+                        <a:t>Sealevel</a:t>
+                      </a:r>
+                      <a:r>
+                        <a:rPr lang="en-US" sz="1050" dirty="0">
+                          <a:latin typeface="Calibri"/>
+                          <a:ea typeface="SimSun"/>
+                          <a:cs typeface="Times New Roman"/>
+                        </a:rPr>
+                        <a:t>, "The Digital I/O Handbook | </a:t>
+                      </a:r>
+                      <a:r>
+                        <a:rPr lang="en-US" sz="1050" dirty="0" err="1">
+                          <a:latin typeface="Calibri"/>
+                          <a:ea typeface="SimSun"/>
+                          <a:cs typeface="Times New Roman"/>
+                        </a:rPr>
+                        <a:t>Sealevel</a:t>
+                      </a:r>
+                      <a:r>
+                        <a:rPr lang="en-US" sz="1050" dirty="0">
+                          <a:latin typeface="Calibri"/>
+                          <a:ea typeface="SimSun"/>
+                          <a:cs typeface="Times New Roman"/>
+                        </a:rPr>
+                        <a:t> Support," 08 05 2012. [Online]. Available: http://www.sealevel.com/support/article/AA-00391/155/Resource-Center/Digital-IO-Interfaces/The-Digital-IO-Handbook.html#CL. [Accessed 19 12 2012].</a:t>
+                      </a:r>
+                    </a:p>
+                  </a:txBody>
+                  <a:tcPr marL="3505" marR="3505" marT="3505" marB="3505">
+                    <a:lnL>
+                      <a:noFill/>
+                    </a:lnL>
+                    <a:lnR>
+                      <a:noFill/>
+                    </a:lnR>
+                    <a:lnT>
+                      <a:noFill/>
+                    </a:lnT>
+                    <a:lnB>
+                      <a:noFill/>
+                    </a:lnB>
+                  </a:tcPr>
+                </a:tc>
+              </a:tr>
+              <a:tr h="370753">
+                <a:tc>
+                  <a:txBody>
+                    <a:bodyPr/>
+                    <a:lstStyle/>
+                    <a:p>
+                      <a:pPr marL="0" marR="0">
+                        <a:lnSpc>
+                          <a:spcPct val="115000"/>
+                        </a:lnSpc>
+                        <a:spcBef>
+                          <a:spcPts val="0"/>
+                        </a:spcBef>
+                        <a:spcAft>
+                          <a:spcPts val="1000"/>
+                        </a:spcAft>
+                      </a:pPr>
+                      <a:r>
+                        <a:rPr lang="en-US" sz="400">
+                          <a:latin typeface="Calibri"/>
+                          <a:ea typeface="SimSun"/>
+                          <a:cs typeface="Times New Roman"/>
+                        </a:rPr>
+                        <a:t>[7] </a:t>
+                      </a:r>
+                    </a:p>
+                  </a:txBody>
+                  <a:tcPr marL="3505" marR="3505" marT="3505" marB="3505">
+                    <a:lnL>
+                      <a:noFill/>
+                    </a:lnL>
+                    <a:lnR>
+                      <a:noFill/>
+                    </a:lnR>
+                    <a:lnT>
+                      <a:noFill/>
+                    </a:lnT>
+                    <a:lnB>
+                      <a:noFill/>
+                    </a:lnB>
+                  </a:tcPr>
+                </a:tc>
+                <a:tc>
+                  <a:txBody>
+                    <a:bodyPr/>
+                    <a:lstStyle/>
+                    <a:p>
+                      <a:pPr marL="0" marR="0">
+                        <a:lnSpc>
+                          <a:spcPct val="115000"/>
+                        </a:lnSpc>
+                        <a:spcBef>
+                          <a:spcPts val="0"/>
+                        </a:spcBef>
+                        <a:spcAft>
+                          <a:spcPts val="1000"/>
+                        </a:spcAft>
+                      </a:pPr>
+                      <a:r>
+                        <a:rPr lang="en-US" sz="1050" dirty="0">
+                          <a:latin typeface="Calibri"/>
+                          <a:ea typeface="SimSun"/>
+                          <a:cs typeface="Times New Roman"/>
+                        </a:rPr>
+                        <a:t>"PSIM PLC Training Simulator," The Learning Pit, [Online]. Available: http://www.thelearningpit.com/plc/psim/psim.html. [Accessed 23 January 2013].</a:t>
+                      </a:r>
+                    </a:p>
+                  </a:txBody>
+                  <a:tcPr marL="3505" marR="3505" marT="3505" marB="3505">
+                    <a:lnL>
+                      <a:noFill/>
+                    </a:lnL>
+                    <a:lnR>
+                      <a:noFill/>
+                    </a:lnR>
+                    <a:lnT>
+                      <a:noFill/>
+                    </a:lnT>
+                    <a:lnB>
+                      <a:noFill/>
+                    </a:lnB>
+                  </a:tcPr>
+                </a:tc>
+              </a:tr>
+              <a:tr h="370753">
+                <a:tc>
+                  <a:txBody>
+                    <a:bodyPr/>
+                    <a:lstStyle/>
+                    <a:p>
+                      <a:pPr marL="0" marR="0">
+                        <a:lnSpc>
+                          <a:spcPct val="115000"/>
+                        </a:lnSpc>
+                        <a:spcBef>
+                          <a:spcPts val="0"/>
+                        </a:spcBef>
+                        <a:spcAft>
+                          <a:spcPts val="1000"/>
+                        </a:spcAft>
+                      </a:pPr>
+                      <a:r>
+                        <a:rPr lang="en-US" sz="400">
+                          <a:latin typeface="Calibri"/>
+                          <a:ea typeface="SimSun"/>
+                          <a:cs typeface="Times New Roman"/>
+                        </a:rPr>
+                        <a:t>[8] </a:t>
+                      </a:r>
+                    </a:p>
+                  </a:txBody>
+                  <a:tcPr marL="3505" marR="3505" marT="3505" marB="3505">
+                    <a:lnL>
+                      <a:noFill/>
+                    </a:lnL>
+                    <a:lnR>
+                      <a:noFill/>
+                    </a:lnR>
+                    <a:lnT>
+                      <a:noFill/>
+                    </a:lnT>
+                    <a:lnB>
+                      <a:noFill/>
+                    </a:lnB>
+                  </a:tcPr>
+                </a:tc>
+                <a:tc>
+                  <a:txBody>
+                    <a:bodyPr/>
+                    <a:lstStyle/>
+                    <a:p>
+                      <a:pPr marL="0" marR="0">
+                        <a:lnSpc>
+                          <a:spcPct val="115000"/>
+                        </a:lnSpc>
+                        <a:spcBef>
+                          <a:spcPts val="0"/>
+                        </a:spcBef>
+                        <a:spcAft>
+                          <a:spcPts val="1000"/>
+                        </a:spcAft>
+                      </a:pPr>
+                      <a:r>
+                        <a:rPr lang="en-US" sz="1050">
+                          <a:latin typeface="Calibri"/>
+                          <a:ea typeface="SimSun"/>
+                          <a:cs typeface="Times New Roman"/>
+                        </a:rPr>
+                        <a:t>Festo Didactic GmbH &amp; Co., "Manual EasyPort USB," 1 11 2008. [Online]. Available: http://www.festo-didactic.com/ov3/media/customers/1100/721876_deenesfr_mit_lesezeichen_4.pdf. [Accessed 19 11 2012].</a:t>
+                      </a:r>
+                    </a:p>
+                  </a:txBody>
+                  <a:tcPr marL="3505" marR="3505" marT="3505" marB="3505">
+                    <a:lnL>
+                      <a:noFill/>
+                    </a:lnL>
+                    <a:lnR>
+                      <a:noFill/>
+                    </a:lnR>
+                    <a:lnT>
+                      <a:noFill/>
+                    </a:lnT>
+                    <a:lnB>
+                      <a:noFill/>
+                    </a:lnB>
+                  </a:tcPr>
+                </a:tc>
+              </a:tr>
+              <a:tr h="370753">
+                <a:tc>
+                  <a:txBody>
+                    <a:bodyPr/>
+                    <a:lstStyle/>
+                    <a:p>
+                      <a:pPr marL="0" marR="0">
+                        <a:lnSpc>
+                          <a:spcPct val="115000"/>
+                        </a:lnSpc>
+                        <a:spcBef>
+                          <a:spcPts val="0"/>
+                        </a:spcBef>
+                        <a:spcAft>
+                          <a:spcPts val="1000"/>
+                        </a:spcAft>
+                      </a:pPr>
+                      <a:r>
+                        <a:rPr lang="en-US" sz="400">
+                          <a:latin typeface="Calibri"/>
+                          <a:ea typeface="SimSun"/>
+                          <a:cs typeface="Times New Roman"/>
+                        </a:rPr>
+                        <a:t>[9] </a:t>
+                      </a:r>
+                    </a:p>
+                  </a:txBody>
+                  <a:tcPr marL="3505" marR="3505" marT="3505" marB="3505">
+                    <a:lnL>
+                      <a:noFill/>
+                    </a:lnL>
+                    <a:lnR>
+                      <a:noFill/>
+                    </a:lnR>
+                    <a:lnT>
+                      <a:noFill/>
+                    </a:lnT>
+                    <a:lnB>
+                      <a:noFill/>
+                    </a:lnB>
+                  </a:tcPr>
+                </a:tc>
+                <a:tc>
+                  <a:txBody>
+                    <a:bodyPr/>
+                    <a:lstStyle/>
+                    <a:p>
+                      <a:pPr marL="0" marR="0">
+                        <a:lnSpc>
+                          <a:spcPct val="115000"/>
+                        </a:lnSpc>
+                        <a:spcBef>
+                          <a:spcPts val="0"/>
+                        </a:spcBef>
+                        <a:spcAft>
+                          <a:spcPts val="1000"/>
+                        </a:spcAft>
+                      </a:pPr>
+                      <a:r>
+                        <a:rPr lang="en-US" sz="1050">
+                          <a:latin typeface="Calibri"/>
+                          <a:ea typeface="SimSun"/>
+                          <a:cs typeface="Times New Roman"/>
+                        </a:rPr>
+                        <a:t>Hex-Rays, "Freeware Download Page," [Online]. Available: http://www.hex-rays.com/products/ida/support/download_freeware.shtml. [Accessed 11 29 2012].</a:t>
+                      </a:r>
+                    </a:p>
+                  </a:txBody>
+                  <a:tcPr marL="3505" marR="3505" marT="3505" marB="3505">
+                    <a:lnL>
+                      <a:noFill/>
+                    </a:lnL>
+                    <a:lnR>
+                      <a:noFill/>
+                    </a:lnR>
+                    <a:lnT>
+                      <a:noFill/>
+                    </a:lnT>
+                    <a:lnB>
+                      <a:noFill/>
+                    </a:lnB>
+                  </a:tcPr>
+                </a:tc>
+              </a:tr>
+              <a:tr h="461207">
+                <a:tc>
+                  <a:txBody>
+                    <a:bodyPr/>
+                    <a:lstStyle/>
+                    <a:p>
+                      <a:pPr marL="0" marR="0">
+                        <a:lnSpc>
+                          <a:spcPct val="115000"/>
+                        </a:lnSpc>
+                        <a:spcBef>
+                          <a:spcPts val="0"/>
+                        </a:spcBef>
+                        <a:spcAft>
+                          <a:spcPts val="1000"/>
+                        </a:spcAft>
+                      </a:pPr>
+                      <a:r>
+                        <a:rPr lang="en-US" sz="400">
+                          <a:latin typeface="Calibri"/>
+                          <a:ea typeface="SimSun"/>
+                          <a:cs typeface="Times New Roman"/>
+                        </a:rPr>
+                        <a:t>[10] </a:t>
+                      </a:r>
+                    </a:p>
+                  </a:txBody>
+                  <a:tcPr marL="3505" marR="3505" marT="3505" marB="3505">
+                    <a:lnL>
+                      <a:noFill/>
+                    </a:lnL>
+                    <a:lnR>
+                      <a:noFill/>
+                    </a:lnR>
+                    <a:lnT>
+                      <a:noFill/>
+                    </a:lnT>
+                    <a:lnB>
+                      <a:noFill/>
+                    </a:lnB>
+                  </a:tcPr>
+                </a:tc>
+                <a:tc>
+                  <a:txBody>
+                    <a:bodyPr/>
+                    <a:lstStyle/>
+                    <a:p>
+                      <a:pPr marL="0" marR="0">
+                        <a:lnSpc>
+                          <a:spcPct val="115000"/>
+                        </a:lnSpc>
+                        <a:spcBef>
+                          <a:spcPts val="0"/>
+                        </a:spcBef>
+                        <a:spcAft>
+                          <a:spcPts val="1000"/>
+                        </a:spcAft>
+                      </a:pPr>
+                      <a:r>
+                        <a:rPr lang="en-US" sz="1050" dirty="0">
+                          <a:latin typeface="Calibri"/>
+                          <a:ea typeface="SimSun"/>
+                          <a:cs typeface="Times New Roman"/>
+                        </a:rPr>
+                        <a:t>"Null-modem emulator," [Online]. Available: http://com0com.sourceforge.net/. [Accessed 12 Dec 2012].</a:t>
+                      </a:r>
+                    </a:p>
+                  </a:txBody>
+                  <a:tcPr marL="3505" marR="3505" marT="3505" marB="3505">
+                    <a:lnL>
+                      <a:noFill/>
+                    </a:lnL>
+                    <a:lnR>
+                      <a:noFill/>
+                    </a:lnR>
+                    <a:lnT>
+                      <a:noFill/>
+                    </a:lnT>
+                    <a:lnB>
+                      <a:noFill/>
+                    </a:lnB>
+                  </a:tcPr>
+                </a:tc>
+              </a:tr>
+              <a:tr h="461207">
+                <a:tc>
+                  <a:txBody>
+                    <a:bodyPr/>
+                    <a:lstStyle/>
+                    <a:p>
+                      <a:pPr marL="0" marR="0">
+                        <a:lnSpc>
+                          <a:spcPct val="115000"/>
+                        </a:lnSpc>
+                        <a:spcBef>
+                          <a:spcPts val="0"/>
+                        </a:spcBef>
+                        <a:spcAft>
+                          <a:spcPts val="1000"/>
+                        </a:spcAft>
+                      </a:pPr>
+                      <a:r>
+                        <a:rPr lang="en-US" sz="400">
+                          <a:latin typeface="Calibri"/>
+                          <a:ea typeface="SimSun"/>
+                          <a:cs typeface="Times New Roman"/>
+                        </a:rPr>
+                        <a:t>[11] </a:t>
+                      </a:r>
+                    </a:p>
+                  </a:txBody>
+                  <a:tcPr marL="3505" marR="3505" marT="3505" marB="3505">
+                    <a:lnL>
+                      <a:noFill/>
+                    </a:lnL>
+                    <a:lnR>
+                      <a:noFill/>
+                    </a:lnR>
+                    <a:lnT>
+                      <a:noFill/>
+                    </a:lnT>
+                    <a:lnB>
+                      <a:noFill/>
+                    </a:lnB>
+                  </a:tcPr>
+                </a:tc>
+                <a:tc>
+                  <a:txBody>
+                    <a:bodyPr/>
+                    <a:lstStyle/>
+                    <a:p>
+                      <a:pPr marL="0" marR="0">
+                        <a:lnSpc>
+                          <a:spcPct val="115000"/>
+                        </a:lnSpc>
+                        <a:spcBef>
+                          <a:spcPts val="0"/>
+                        </a:spcBef>
+                        <a:spcAft>
+                          <a:spcPts val="1000"/>
+                        </a:spcAft>
+                      </a:pPr>
+                      <a:r>
+                        <a:rPr lang="en-US" sz="1050" dirty="0">
+                          <a:latin typeface="Calibri"/>
+                          <a:ea typeface="SimSun"/>
+                          <a:cs typeface="Times New Roman"/>
+                        </a:rPr>
+                        <a:t>Silicon Labs, "HIGH-SPEED LEVEL SHIFTING USING Si8XXX ISOLATORS," [Online]. Available: http://www.silabs.com/Support%20Documents/TechnicalDocs/AN598.pdf. [Accessed 5 March 2013].</a:t>
+                      </a:r>
+                    </a:p>
+                  </a:txBody>
+                  <a:tcPr marL="3505" marR="3505" marT="3505" marB="3505">
+                    <a:lnL>
+                      <a:noFill/>
+                    </a:lnL>
+                    <a:lnR>
+                      <a:noFill/>
+                    </a:lnR>
+                    <a:lnT>
+                      <a:noFill/>
+                    </a:lnT>
+                    <a:lnB>
+                      <a:noFill/>
+                    </a:lnB>
+                  </a:tcPr>
+                </a:tc>
+              </a:tr>
+              <a:tr h="461207">
+                <a:tc>
+                  <a:txBody>
+                    <a:bodyPr/>
+                    <a:lstStyle/>
+                    <a:p>
+                      <a:pPr marL="0" marR="0">
+                        <a:lnSpc>
+                          <a:spcPct val="115000"/>
+                        </a:lnSpc>
+                        <a:spcBef>
+                          <a:spcPts val="0"/>
+                        </a:spcBef>
+                        <a:spcAft>
+                          <a:spcPts val="1000"/>
+                        </a:spcAft>
+                      </a:pPr>
+                      <a:r>
+                        <a:rPr lang="en-US" sz="400">
+                          <a:latin typeface="Calibri"/>
+                          <a:ea typeface="SimSun"/>
+                          <a:cs typeface="Times New Roman"/>
+                        </a:rPr>
+                        <a:t>[12] </a:t>
+                      </a:r>
+                    </a:p>
+                  </a:txBody>
+                  <a:tcPr marL="3505" marR="3505" marT="3505" marB="3505">
+                    <a:lnL>
+                      <a:noFill/>
+                    </a:lnL>
+                    <a:lnR>
+                      <a:noFill/>
+                    </a:lnR>
+                    <a:lnT>
+                      <a:noFill/>
+                    </a:lnT>
+                    <a:lnB>
+                      <a:noFill/>
+                    </a:lnB>
+                  </a:tcPr>
+                </a:tc>
+                <a:tc>
+                  <a:txBody>
+                    <a:bodyPr/>
+                    <a:lstStyle/>
+                    <a:p>
+                      <a:pPr marL="0" marR="0">
+                        <a:lnSpc>
+                          <a:spcPct val="115000"/>
+                        </a:lnSpc>
+                        <a:spcBef>
+                          <a:spcPts val="0"/>
+                        </a:spcBef>
+                        <a:spcAft>
+                          <a:spcPts val="1000"/>
+                        </a:spcAft>
+                      </a:pPr>
+                      <a:r>
+                        <a:rPr lang="en-US" sz="1050" dirty="0" err="1">
+                          <a:latin typeface="Calibri"/>
+                          <a:ea typeface="SimSun"/>
+                          <a:cs typeface="Times New Roman"/>
+                        </a:rPr>
+                        <a:t>Sealevel</a:t>
+                      </a:r>
+                      <a:r>
+                        <a:rPr lang="en-US" sz="1050" dirty="0">
+                          <a:latin typeface="Calibri"/>
+                          <a:ea typeface="SimSun"/>
+                          <a:cs typeface="Times New Roman"/>
+                        </a:rPr>
+                        <a:t>, "USB to 16 Isolated Inputs / 16 Reed Relay Outputs Digital Interface Adapter (8221)," [Online]. Available: http://www.sealevel.com/store/i-o/digital-i-o/usb/8221-usb-to-16-isolated-inputs-16-reed-relay-outputs-digital-interface-adapter.html. [Accessed 19 12 2012].</a:t>
+                      </a:r>
+                    </a:p>
+                  </a:txBody>
+                  <a:tcPr marL="3505" marR="3505" marT="3505" marB="3505">
+                    <a:lnL>
+                      <a:noFill/>
+                    </a:lnL>
+                    <a:lnR>
+                      <a:noFill/>
+                    </a:lnR>
+                    <a:lnT>
+                      <a:noFill/>
+                    </a:lnT>
+                    <a:lnB>
+                      <a:noFill/>
+                    </a:lnB>
+                  </a:tcPr>
+                </a:tc>
+              </a:tr>
+              <a:tr h="461207">
+                <a:tc>
+                  <a:txBody>
+                    <a:bodyPr/>
+                    <a:lstStyle/>
+                    <a:p>
+                      <a:pPr marL="0" marR="0">
+                        <a:lnSpc>
+                          <a:spcPct val="115000"/>
+                        </a:lnSpc>
+                        <a:spcBef>
+                          <a:spcPts val="0"/>
+                        </a:spcBef>
+                        <a:spcAft>
+                          <a:spcPts val="1000"/>
+                        </a:spcAft>
+                      </a:pPr>
+                      <a:r>
+                        <a:rPr lang="en-US" sz="400">
+                          <a:latin typeface="Calibri"/>
+                          <a:ea typeface="SimSun"/>
+                          <a:cs typeface="Times New Roman"/>
+                        </a:rPr>
+                        <a:t>[13] </a:t>
+                      </a:r>
+                    </a:p>
+                  </a:txBody>
+                  <a:tcPr marL="3505" marR="3505" marT="3505" marB="3505">
+                    <a:lnL>
+                      <a:noFill/>
+                    </a:lnL>
+                    <a:lnR>
+                      <a:noFill/>
+                    </a:lnR>
+                    <a:lnT>
+                      <a:noFill/>
+                    </a:lnT>
+                    <a:lnB>
+                      <a:noFill/>
+                    </a:lnB>
+                  </a:tcPr>
+                </a:tc>
+                <a:tc>
+                  <a:txBody>
+                    <a:bodyPr/>
+                    <a:lstStyle/>
+                    <a:p>
+                      <a:pPr marL="0" marR="0">
+                        <a:lnSpc>
+                          <a:spcPct val="115000"/>
+                        </a:lnSpc>
+                        <a:spcBef>
+                          <a:spcPts val="0"/>
+                        </a:spcBef>
+                        <a:spcAft>
+                          <a:spcPts val="1000"/>
+                        </a:spcAft>
+                      </a:pPr>
+                      <a:r>
+                        <a:rPr lang="en-US" sz="1050" dirty="0" err="1">
+                          <a:latin typeface="Calibri"/>
+                          <a:ea typeface="SimSun"/>
+                          <a:cs typeface="Times New Roman"/>
+                        </a:rPr>
+                        <a:t>Festo</a:t>
+                      </a:r>
+                      <a:r>
+                        <a:rPr lang="en-US" sz="1050" dirty="0">
+                          <a:latin typeface="Calibri"/>
+                          <a:ea typeface="SimSun"/>
+                          <a:cs typeface="Times New Roman"/>
+                        </a:rPr>
+                        <a:t> Didactic GmbH &amp; Co., "ActiveX Control for EasyPort USB," [Online]. Available: http://www.festo-didactic.com/int-en/services/software/software-licences/activex-control-for-easyport-usb.htm?fbid=aW50LmVuLjU1Ny4xNy4zMi44MjUuNjk0NQ. [Accessed 28 11 2012].</a:t>
+                      </a:r>
+                    </a:p>
+                  </a:txBody>
+                  <a:tcPr marL="3505" marR="3505" marT="3505" marB="3505">
+                    <a:lnL>
+                      <a:noFill/>
+                    </a:lnL>
+                    <a:lnR>
+                      <a:noFill/>
+                    </a:lnR>
+                    <a:lnT>
+                      <a:noFill/>
+                    </a:lnT>
+                    <a:lnB>
+                      <a:noFill/>
+                    </a:lnB>
+                  </a:tcPr>
+                </a:tc>
+              </a:tr>
+            </a:tbl>
+          </a:graphicData>
+        </a:graphic>
+      </p:graphicFrame>
+      <p:sp>
+        <p:nvSpPr>
+          <p:cNvPr id="3" name="Title 2"/>
+          <p:cNvSpPr>
+            <a:spLocks noGrp="1"/>
+          </p:cNvSpPr>
+          <p:nvPr>
+            <p:ph type="title"/>
+          </p:nvPr>
+        </p:nvSpPr>
+        <p:spPr>
+          <a:xfrm>
+            <a:off x="457200" y="0"/>
+            <a:ext cx="8229600" cy="1143000"/>
+          </a:xfrm>
+        </p:spPr>
+        <p:txBody>
+          <a:bodyPr/>
+          <a:lstStyle/>
+          <a:p>
+            <a:r>
+              <a:rPr lang="en-US" dirty="0" smtClean="0"/>
+              <a:t>References</a:t>
+            </a:r>
+            <a:endParaRPr lang="en-US" dirty="0"/>
+          </a:p>
+        </p:txBody>
+      </p:sp>
+    </p:spTree>
+  </p:cSld>
+  <p:clrMapOvr>
+    <a:masterClrMapping/>
+  </p:clrMapOvr>
+</p:sld>
+</file>
+
+<file path=ppt/slides/slide28.xml><?xml version="1.0" encoding="utf-8"?>
+<p:sld xmlns:a="http://schemas.openxmlformats.org/drawingml/2006/main" xmlns:r="http://schemas.openxmlformats.org/officeDocument/2006/relationships" xmlns:p="http://schemas.openxmlformats.org/presentationml/2006/main">
+  <p:cSld>
+    <p:spTree>
+      <p:nvGrpSpPr>
+        <p:cNvPr id="1" name=""/>
+        <p:cNvGrpSpPr/>
+        <p:nvPr/>
+      </p:nvGrpSpPr>
+      <p:grpSpPr>
+        <a:xfrm>
+          <a:off x="0" y="0"/>
+          <a:ext cx="0" cy="0"/>
+          <a:chOff x="0" y="0"/>
+          <a:chExt cx="0" cy="0"/>
+        </a:xfrm>
+      </p:grpSpPr>
       <p:sp>
         <p:nvSpPr>
           <p:cNvPr id="2" name="Title 1"/>
@@ -6258,7 +7652,7 @@
     </p:spTree>
     <p:extLst>
       <p:ext uri="{BB962C8B-B14F-4D97-AF65-F5344CB8AC3E}">
-        <p14:creationId xmlns:p14="http://schemas.microsoft.com/office/powerpoint/2010/main" val="34951844"/>
+        <p14:creationId xmlns:p14="http://schemas.microsoft.com/office/powerpoint/2010/main" xmlns="" val="34951844"/>
       </p:ext>
     </p:extLst>
   </p:cSld>
@@ -6397,7 +7791,7 @@
     </p:spTree>
     <p:extLst>
       <p:ext uri="{BB962C8B-B14F-4D97-AF65-F5344CB8AC3E}">
-        <p14:creationId xmlns:p14="http://schemas.microsoft.com/office/powerpoint/2010/main" val="1584631321"/>
+        <p14:creationId xmlns:p14="http://schemas.microsoft.com/office/powerpoint/2010/main" xmlns="" val="1584631321"/>
       </p:ext>
     </p:extLst>
   </p:cSld>
@@ -6521,7 +7915,7 @@
     </p:spTree>
     <p:extLst>
       <p:ext uri="{BB962C8B-B14F-4D97-AF65-F5344CB8AC3E}">
-        <p14:creationId xmlns:p14="http://schemas.microsoft.com/office/powerpoint/2010/main" val="1278255136"/>
+        <p14:creationId xmlns:p14="http://schemas.microsoft.com/office/powerpoint/2010/main" xmlns="" val="1278255136"/>
       </p:ext>
     </p:extLst>
   </p:cSld>
@@ -6624,14 +8018,14 @@
           <a:effectLst/>
           <a:extLst>
             <a:ext uri="{909E8E84-426E-40DD-AFC4-6F175D3DCCD1}">
-              <a14:hiddenFill xmlns:a14="http://schemas.microsoft.com/office/drawing/2010/main">
+              <a14:hiddenFill xmlns:a14="http://schemas.microsoft.com/office/drawing/2010/main" xmlns="">
                 <a:solidFill>
                   <a:schemeClr val="accent1"/>
                 </a:solidFill>
               </a14:hiddenFill>
             </a:ext>
             <a:ext uri="{91240B29-F687-4F45-9708-019B960494DF}">
-              <a14:hiddenLine xmlns:a14="http://schemas.microsoft.com/office/drawing/2010/main" w="9525">
+              <a14:hiddenLine xmlns:a14="http://schemas.microsoft.com/office/drawing/2010/main" xmlns="" w="9525">
                 <a:solidFill>
                   <a:schemeClr val="tx1"/>
                 </a:solidFill>
@@ -6641,7 +8035,7 @@
               </a14:hiddenLine>
             </a:ext>
             <a:ext uri="{AF507438-7753-43E0-B8FC-AC1667EBCBE1}">
-              <a14:hiddenEffects xmlns:a14="http://schemas.microsoft.com/office/drawing/2010/main">
+              <a14:hiddenEffects xmlns:a14="http://schemas.microsoft.com/office/drawing/2010/main" xmlns="">
                 <a:effectLst>
                   <a:outerShdw dist="35921" dir="2700000" algn="ctr" rotWithShape="0">
                     <a:schemeClr val="bg2"/>
@@ -6673,7 +8067,7 @@
           <p:nvPr>
             <p:extLst>
               <p:ext uri="{D42A27DB-BD31-4B8C-83A1-F6EECF244321}">
-                <p14:modId xmlns:p14="http://schemas.microsoft.com/office/powerpoint/2010/main" val="3786375605"/>
+                <p14:modId xmlns:p14="http://schemas.microsoft.com/office/powerpoint/2010/main" xmlns="" val="3786375605"/>
               </p:ext>
             </p:extLst>
           </p:nvPr>
@@ -6684,66 +8078,16 @@
         </p:xfrm>
         <a:graphic>
           <a:graphicData uri="http://schemas.openxmlformats.org/presentationml/2006/ole">
-            <mc:AlternateContent xmlns:mc="http://schemas.openxmlformats.org/markup-compatibility/2006">
-              <mc:Choice xmlns:v="urn:schemas-microsoft-com:vml" Requires="v">
-                <p:oleObj spid="_x0000_s1044" name="Visio" r:id="rId3" imgW="3712977" imgH="2206710" progId="Visio.Drawing.11">
-                  <p:embed/>
-                </p:oleObj>
-              </mc:Choice>
-              <mc:Fallback>
-                <p:oleObj name="Visio" r:id="rId3" imgW="3712977" imgH="2206710" progId="Visio.Drawing.11">
-                  <p:embed/>
-                  <p:pic>
-                    <p:nvPicPr>
-                      <p:cNvPr id="0" name="Object 1"/>
-                      <p:cNvPicPr>
-                        <a:picLocks noChangeAspect="1" noChangeArrowheads="1"/>
-                      </p:cNvPicPr>
-                      <p:nvPr/>
-                    </p:nvPicPr>
-                    <p:blipFill>
-                      <a:blip r:embed="rId4">
-                        <a:extLst>
-                          <a:ext uri="{28A0092B-C50C-407E-A947-70E740481C1C}">
-                            <a14:useLocalDpi xmlns:a14="http://schemas.microsoft.com/office/drawing/2010/main" val="0"/>
-                          </a:ext>
-                        </a:extLst>
-                      </a:blip>
-                      <a:srcRect/>
-                      <a:stretch>
-                        <a:fillRect/>
-                      </a:stretch>
-                    </p:blipFill>
-                    <p:spPr bwMode="auto">
-                      <a:xfrm>
-                        <a:off x="2438400" y="3810000"/>
-                        <a:ext cx="3752850" cy="2200275"/>
-                      </a:xfrm>
-                      <a:prstGeom prst="rect">
-                        <a:avLst/>
-                      </a:prstGeom>
-                      <a:noFill/>
-                      <a:extLst>
-                        <a:ext uri="{909E8E84-426E-40DD-AFC4-6F175D3DCCD1}">
-                          <a14:hiddenFill xmlns:a14="http://schemas.microsoft.com/office/drawing/2010/main">
-                            <a:solidFill>
-                              <a:srgbClr val="FFFFFF"/>
-                            </a:solidFill>
-                          </a14:hiddenFill>
-                        </a:ext>
-                      </a:extLst>
-                    </p:spPr>
-                  </p:pic>
-                </p:oleObj>
-              </mc:Fallback>
-            </mc:AlternateContent>
+            <p:oleObj spid="_x0000_s1044" name="Visio" r:id="rId3" imgW="3712977" imgH="2206710" progId="">
+              <p:embed/>
+            </p:oleObj>
           </a:graphicData>
         </a:graphic>
       </p:graphicFrame>
     </p:spTree>
     <p:extLst>
       <p:ext uri="{BB962C8B-B14F-4D97-AF65-F5344CB8AC3E}">
-        <p14:creationId xmlns:p14="http://schemas.microsoft.com/office/powerpoint/2010/main" val="175128828"/>
+        <p14:creationId xmlns:p14="http://schemas.microsoft.com/office/powerpoint/2010/main" xmlns="" val="175128828"/>
       </p:ext>
     </p:extLst>
   </p:cSld>
@@ -6847,7 +8191,7 @@
     </p:spTree>
     <p:extLst>
       <p:ext uri="{BB962C8B-B14F-4D97-AF65-F5344CB8AC3E}">
-        <p14:creationId xmlns:p14="http://schemas.microsoft.com/office/powerpoint/2010/main" val="2418039282"/>
+        <p14:creationId xmlns:p14="http://schemas.microsoft.com/office/powerpoint/2010/main" xmlns="" val="2418039282"/>
       </p:ext>
     </p:extLst>
   </p:cSld>
@@ -6970,7 +8314,7 @@
     </p:spTree>
     <p:extLst>
       <p:ext uri="{BB962C8B-B14F-4D97-AF65-F5344CB8AC3E}">
-        <p14:creationId xmlns:p14="http://schemas.microsoft.com/office/powerpoint/2010/main" val="46181476"/>
+        <p14:creationId xmlns:p14="http://schemas.microsoft.com/office/powerpoint/2010/main" xmlns="" val="46181476"/>
       </p:ext>
     </p:extLst>
   </p:cSld>
@@ -7103,7 +8447,7 @@
     </p:spTree>
     <p:extLst>
       <p:ext uri="{BB962C8B-B14F-4D97-AF65-F5344CB8AC3E}">
-        <p14:creationId xmlns:p14="http://schemas.microsoft.com/office/powerpoint/2010/main" val="3501844162"/>
+        <p14:creationId xmlns:p14="http://schemas.microsoft.com/office/powerpoint/2010/main" xmlns="" val="3501844162"/>
       </p:ext>
     </p:extLst>
   </p:cSld>
@@ -7170,7 +8514,7 @@
             <p:ph idx="1"/>
             <p:extLst>
               <p:ext uri="{D42A27DB-BD31-4B8C-83A1-F6EECF244321}">
-                <p14:modId xmlns:p14="http://schemas.microsoft.com/office/powerpoint/2010/main" val="2557259292"/>
+                <p14:modId xmlns:p14="http://schemas.microsoft.com/office/powerpoint/2010/main" xmlns="" val="2557259292"/>
               </p:ext>
             </p:extLst>
           </p:nvPr>
@@ -7826,7 +9170,7 @@
     </p:spTree>
     <p:extLst>
       <p:ext uri="{BB962C8B-B14F-4D97-AF65-F5344CB8AC3E}">
-        <p14:creationId xmlns:p14="http://schemas.microsoft.com/office/powerpoint/2010/main" val="3653330332"/>
+        <p14:creationId xmlns:p14="http://schemas.microsoft.com/office/powerpoint/2010/main" xmlns="" val="3653330332"/>
       </p:ext>
     </p:extLst>
   </p:cSld>
